--- a/shinydashboard.pptx
+++ b/shinydashboard.pptx
@@ -311,6 +311,11 @@
       </a:defRPr>
     </a:lvl9pPr>
   </p:defaultTextStyle>
+  <p:extLst>
+    <p:ext uri="{EFAFB233-063F-42B5-8137-9DF3F51BA10A}">
+      <p15:sldGuideLst xmlns:p15="http://schemas.microsoft.com/office/powerpoint/2012/main"/>
+    </p:ext>
+  </p:extLst>
 </p:presentation>
 </file>
 
@@ -497,6 +502,72 @@
 </p:notesMaster>
 </file>
 
+<file path=ppt/notesSlides/notesSlide1.xml><?xml version="1.0" encoding="utf-8"?>
+<p:notes xmlns:a="http://schemas.openxmlformats.org/drawingml/2006/main" xmlns:r="http://schemas.openxmlformats.org/officeDocument/2006/relationships" xmlns:p="http://schemas.openxmlformats.org/presentationml/2006/main">
+  <p:cSld>
+    <p:spTree>
+      <p:nvGrpSpPr>
+        <p:cNvPr id="1" name=""/>
+        <p:cNvGrpSpPr/>
+        <p:nvPr/>
+      </p:nvGrpSpPr>
+      <p:grpSpPr>
+        <a:xfrm>
+          <a:off x="0" y="0"/>
+          <a:ext cx="0" cy="0"/>
+          <a:chOff x="0" y="0"/>
+          <a:chExt cx="0" cy="0"/>
+        </a:xfrm>
+      </p:grpSpPr>
+      <p:sp>
+        <p:nvSpPr>
+          <p:cNvPr id="2" name="Espace réservé de l'image des diapositives 1"/>
+          <p:cNvSpPr>
+            <a:spLocks noGrp="1" noRot="1" noChangeAspect="1"/>
+          </p:cNvSpPr>
+          <p:nvPr>
+            <p:ph type="sldImg"/>
+          </p:nvPr>
+        </p:nvSpPr>
+        <p:spPr>
+          <a:xfrm>
+            <a:off x="1209675" y="685800"/>
+            <a:ext cx="4438650" cy="3429000"/>
+          </a:xfrm>
+        </p:spPr>
+      </p:sp>
+      <p:sp>
+        <p:nvSpPr>
+          <p:cNvPr id="3" name="Espace réservé des notes 2"/>
+          <p:cNvSpPr>
+            <a:spLocks noGrp="1"/>
+          </p:cNvSpPr>
+          <p:nvPr>
+            <p:ph type="body" idx="1"/>
+          </p:nvPr>
+        </p:nvSpPr>
+        <p:spPr/>
+        <p:txBody>
+          <a:bodyPr/>
+          <a:lstStyle/>
+          <a:p>
+            <a:endParaRPr lang="fr-FR" dirty="0"/>
+          </a:p>
+        </p:txBody>
+      </p:sp>
+    </p:spTree>
+    <p:extLst>
+      <p:ext uri="{BB962C8B-B14F-4D97-AF65-F5344CB8AC3E}">
+        <p14:creationId xmlns:p14="http://schemas.microsoft.com/office/powerpoint/2010/main" val="1450246911"/>
+      </p:ext>
+    </p:extLst>
+  </p:cSld>
+  <p:clrMapOvr>
+    <a:masterClrMapping/>
+  </p:clrMapOvr>
+</p:notes>
+</file>
+
 <file path=ppt/slideLayouts/slideLayout1.xml><?xml version="1.0" encoding="utf-8"?>
 <p:sldLayout xmlns:a="http://schemas.openxmlformats.org/drawingml/2006/main" xmlns:r="http://schemas.openxmlformats.org/officeDocument/2006/relationships" xmlns:p="http://schemas.openxmlformats.org/presentationml/2006/main" type="title">
   <p:cSld name="Title &amp; Subtitle">
@@ -2120,7 +2191,7 @@
           </a:ln>
           <a:extLst>
             <a:ext uri="{C572A759-6A51-4108-AA02-DFA0A04FC94B}">
-              <ma14:wrappingTextBoxFlag xmlns:ma14="http://schemas.microsoft.com/office/mac/drawingml/2011/main" xmlns:a14="http://schemas.microsoft.com/office/drawing/2010/main" xmlns:m="http://schemas.openxmlformats.org/officeDocument/2006/math" xmlns="" val="1"/>
+              <ma14:wrappingTextBoxFlag xmlns="" xmlns:m="http://schemas.openxmlformats.org/officeDocument/2006/math" xmlns:a14="http://schemas.microsoft.com/office/drawing/2010/main" xmlns:ma14="http://schemas.microsoft.com/office/mac/drawingml/2011/main" val="1"/>
             </a:ext>
           </a:extLst>
         </p:spPr>
@@ -2159,7 +2230,7 @@
           </a:ln>
           <a:extLst>
             <a:ext uri="{C572A759-6A51-4108-AA02-DFA0A04FC94B}">
-              <ma14:wrappingTextBoxFlag xmlns:ma14="http://schemas.microsoft.com/office/mac/drawingml/2011/main" xmlns:a14="http://schemas.microsoft.com/office/drawing/2010/main" xmlns:m="http://schemas.openxmlformats.org/officeDocument/2006/math" xmlns="" val="1"/>
+              <ma14:wrappingTextBoxFlag xmlns="" xmlns:m="http://schemas.openxmlformats.org/officeDocument/2006/math" xmlns:a14="http://schemas.microsoft.com/office/drawing/2010/main" xmlns:ma14="http://schemas.microsoft.com/office/mac/drawingml/2011/main" val="1"/>
             </a:ext>
           </a:extLst>
         </p:spPr>
@@ -3977,7 +4048,7 @@
           </a:ln>
           <a:extLst>
             <a:ext uri="{C572A759-6A51-4108-AA02-DFA0A04FC94B}">
-              <ma14:wrappingTextBoxFlag xmlns="" xmlns:m="http://schemas.openxmlformats.org/officeDocument/2006/math" xmlns:a14="http://schemas.microsoft.com/office/drawing/2010/main" xmlns:ma14="http://schemas.microsoft.com/office/mac/drawingml/2011/main" val="1"/>
+              <ma14:wrappingTextBoxFlag xmlns:ma14="http://schemas.microsoft.com/office/mac/drawingml/2011/main" xmlns:a14="http://schemas.microsoft.com/office/drawing/2010/main" xmlns:m="http://schemas.openxmlformats.org/officeDocument/2006/math" xmlns="" val="1"/>
             </a:ext>
           </a:extLst>
         </p:spPr>
@@ -4115,7 +4186,7 @@
           </a:ln>
           <a:extLst>
             <a:ext uri="{C572A759-6A51-4108-AA02-DFA0A04FC94B}">
-              <ma14:wrappingTextBoxFlag xmlns="" xmlns:m="http://schemas.openxmlformats.org/officeDocument/2006/math" xmlns:a14="http://schemas.microsoft.com/office/drawing/2010/main" xmlns:ma14="http://schemas.microsoft.com/office/mac/drawingml/2011/main" val="1"/>
+              <ma14:wrappingTextBoxFlag xmlns:ma14="http://schemas.microsoft.com/office/mac/drawingml/2011/main" xmlns:a14="http://schemas.microsoft.com/office/drawing/2010/main" xmlns:m="http://schemas.openxmlformats.org/officeDocument/2006/math" xmlns="" val="1"/>
             </a:ext>
           </a:extLst>
         </p:spPr>
@@ -4143,12 +4214,16 @@
               <a:t>RStudio® is a trademark of RStudio, Inc.  •  </a:t>
             </a:r>
             <a:r>
+              <a:rPr lang="fr-FR" dirty="0" err="1"/>
+              <a:t>rstudio</a:t>
+            </a:r>
+            <a:r>
               <a:rPr lang="fr-FR" dirty="0"/>
-              <a:t>David Granjon</a:t>
+              <a:t> </a:t>
             </a:r>
             <a:r>
               <a:rPr dirty="0"/>
-              <a:t> •  </a:t>
+              <a:t>•  </a:t>
             </a:r>
             <a:r>
               <a:rPr lang="fr-FR" dirty="0" err="1"/>
@@ -4297,7 +4372,7 @@
           </a:ln>
           <a:extLst>
             <a:ext uri="{C572A759-6A51-4108-AA02-DFA0A04FC94B}">
-              <ma14:wrappingTextBoxFlag xmlns="" xmlns:m="http://schemas.openxmlformats.org/officeDocument/2006/math" xmlns:a14="http://schemas.microsoft.com/office/drawing/2010/main" xmlns:ma14="http://schemas.microsoft.com/office/mac/drawingml/2011/main" val="1"/>
+              <ma14:wrappingTextBoxFlag xmlns:ma14="http://schemas.microsoft.com/office/mac/drawingml/2011/main" xmlns:a14="http://schemas.microsoft.com/office/drawing/2010/main" xmlns:m="http://schemas.openxmlformats.org/officeDocument/2006/math" xmlns="" val="1"/>
             </a:ext>
           </a:extLst>
         </p:spPr>
@@ -4365,8 +4440,21 @@
             </a:r>
             <a:r>
               <a:rPr lang="fr-FR" dirty="0"/>
-              <a:t>.</a:t>
-            </a:r>
+              <a:t>, </a:t>
+            </a:r>
+            <a:r>
+              <a:rPr lang="fr-FR" dirty="0" err="1"/>
+              <a:t>built</a:t>
+            </a:r>
+            <a:r>
+              <a:rPr lang="fr-FR" dirty="0"/>
+              <a:t> on top of the AdminLTE2 HTML </a:t>
+            </a:r>
+            <a:r>
+              <a:rPr lang="fr-FR" dirty="0" err="1"/>
+              <a:t>template</a:t>
+            </a:r>
+            <a:endParaRPr lang="fr-FR" dirty="0"/>
           </a:p>
         </p:txBody>
       </p:sp>
@@ -4389,7 +4477,7 @@
           </a:ln>
           <a:extLst>
             <a:ext uri="{C572A759-6A51-4108-AA02-DFA0A04FC94B}">
-              <ma14:wrappingTextBoxFlag xmlns="" xmlns:m="http://schemas.openxmlformats.org/officeDocument/2006/math" xmlns:a14="http://schemas.microsoft.com/office/drawing/2010/main" xmlns:ma14="http://schemas.microsoft.com/office/mac/drawingml/2011/main" val="1"/>
+              <ma14:wrappingTextBoxFlag xmlns:ma14="http://schemas.microsoft.com/office/mac/drawingml/2011/main" xmlns:a14="http://schemas.microsoft.com/office/drawing/2010/main" xmlns:m="http://schemas.openxmlformats.org/officeDocument/2006/math" xmlns="" val="1"/>
             </a:ext>
           </a:extLst>
         </p:spPr>
@@ -4417,106 +4505,6 @@
               </a:defRPr>
             </a:pPr>
             <a:endParaRPr dirty="0"/>
-          </a:p>
-        </p:txBody>
-      </p:sp>
-      <p:sp>
-        <p:nvSpPr>
-          <p:cNvPr id="185" name="Layout Suggestions"/>
-          <p:cNvSpPr txBox="1"/>
-          <p:nvPr/>
-        </p:nvSpPr>
-        <p:spPr>
-          <a:xfrm>
-            <a:off x="5700858" y="1282755"/>
-            <a:ext cx="2261838" cy="340029"/>
-          </a:xfrm>
-          <a:prstGeom prst="rect">
-            <a:avLst/>
-          </a:prstGeom>
-          <a:ln w="12700">
-            <a:miter lim="400000"/>
-          </a:ln>
-          <a:extLst>
-            <a:ext uri="{C572A759-6A51-4108-AA02-DFA0A04FC94B}">
-              <ma14:wrappingTextBoxFlag xmlns="" xmlns:m="http://schemas.openxmlformats.org/officeDocument/2006/math" xmlns:a14="http://schemas.microsoft.com/office/drawing/2010/main" xmlns:ma14="http://schemas.microsoft.com/office/mac/drawingml/2011/main" val="1"/>
-            </a:ext>
-          </a:extLst>
-        </p:spPr>
-        <p:txBody>
-          <a:bodyPr wrap="none" lIns="12700" tIns="12700" rIns="12700" bIns="12700" anchor="ctr">
-            <a:spAutoFit/>
-          </a:bodyPr>
-          <a:lstStyle/>
-          <a:p>
-            <a:pPr lvl="1" indent="0">
-              <a:lnSpc>
-                <a:spcPct val="80000"/>
-              </a:lnSpc>
-              <a:spcBef>
-                <a:spcPts val="0"/>
-              </a:spcBef>
-              <a:defRPr sz="2500" b="0">
-                <a:solidFill>
-                  <a:srgbClr val="628DB5"/>
-                </a:solidFill>
-              </a:defRPr>
-            </a:pPr>
-            <a:r>
-              <a:rPr lang="fr-FR" dirty="0" err="1"/>
-              <a:t>Layout</a:t>
-            </a:r>
-            <a:r>
-              <a:rPr lang="fr-FR" dirty="0"/>
-              <a:t> </a:t>
-            </a:r>
-            <a:r>
-              <a:rPr lang="fr-FR" dirty="0" err="1"/>
-              <a:t>Overview</a:t>
-            </a:r>
-            <a:endParaRPr dirty="0"/>
-          </a:p>
-        </p:txBody>
-      </p:sp>
-      <p:sp>
-        <p:nvSpPr>
-          <p:cNvPr id="186" name="Line"/>
-          <p:cNvSpPr/>
-          <p:nvPr/>
-        </p:nvSpPr>
-        <p:spPr>
-          <a:xfrm>
-            <a:off x="3737932" y="1217208"/>
-            <a:ext cx="6206931" cy="0"/>
-          </a:xfrm>
-          <a:prstGeom prst="line">
-            <a:avLst/>
-          </a:prstGeom>
-          <a:ln w="3175">
-            <a:solidFill>
-              <a:srgbClr val="767C85"/>
-            </a:solidFill>
-            <a:miter lim="400000"/>
-          </a:ln>
-        </p:spPr>
-        <p:txBody>
-          <a:bodyPr lIns="54570" tIns="54570" rIns="54570" bIns="54570" anchor="ctr"/>
-          <a:lstStyle/>
-          <a:p>
-            <a:pPr>
-              <a:lnSpc>
-                <a:spcPct val="80000"/>
-              </a:lnSpc>
-              <a:spcBef>
-                <a:spcPts val="600"/>
-              </a:spcBef>
-              <a:defRPr b="0">
-                <a:solidFill>
-                  <a:srgbClr val="000000"/>
-                </a:solidFill>
-              </a:defRPr>
-            </a:pPr>
-            <a:endParaRPr/>
           </a:p>
         </p:txBody>
       </p:sp>
@@ -4550,7 +4538,7 @@
         </p:blipFill>
         <p:spPr>
           <a:xfrm>
-            <a:off x="220034" y="9842213"/>
+            <a:off x="420730" y="9972166"/>
             <a:ext cx="2442742" cy="762000"/>
           </a:xfrm>
           <a:prstGeom prst="rect">
@@ -4589,7 +4577,7 @@
           </a:ln>
           <a:extLst>
             <a:ext uri="{C572A759-6A51-4108-AA02-DFA0A04FC94B}">
-              <ma14:wrappingTextBoxFlag xmlns="" xmlns:m="http://schemas.openxmlformats.org/officeDocument/2006/math" xmlns:a14="http://schemas.microsoft.com/office/drawing/2010/main" xmlns:ma14="http://schemas.microsoft.com/office/mac/drawingml/2011/main" val="1"/>
+              <ma14:wrappingTextBoxFlag xmlns:ma14="http://schemas.microsoft.com/office/mac/drawingml/2011/main" xmlns:a14="http://schemas.microsoft.com/office/drawing/2010/main" xmlns:m="http://schemas.openxmlformats.org/officeDocument/2006/math" xmlns="" val="1"/>
             </a:ext>
           </a:extLst>
         </p:spPr>
@@ -4998,10 +4986,1362 @@
       </p:sp>
       <p:sp>
         <p:nvSpPr>
-          <p:cNvPr id="16" name="Forme libre 15">
+          <p:cNvPr id="117" name="ggplot(mpg, aes(hwy, cty)) +…">
             <a:extLst>
               <a:ext uri="{FF2B5EF4-FFF2-40B4-BE49-F238E27FC236}">
-                <a16:creationId xmlns:a16="http://schemas.microsoft.com/office/drawing/2014/main" id="{EB634FFA-2F7C-F349-AC03-F150B9E25501}"/>
+                <a16:creationId xmlns:a16="http://schemas.microsoft.com/office/drawing/2014/main" id="{3E55C8D3-161C-6E43-BC57-1EB4E4A7AF0A}"/>
+              </a:ext>
+            </a:extLst>
+          </p:cNvPr>
+          <p:cNvSpPr txBox="1"/>
+          <p:nvPr/>
+        </p:nvSpPr>
+        <p:spPr>
+          <a:xfrm>
+            <a:off x="-7780177" y="6916874"/>
+            <a:ext cx="2251352" cy="294872"/>
+          </a:xfrm>
+          <a:prstGeom prst="rect">
+            <a:avLst/>
+          </a:prstGeom>
+          <a:solidFill>
+            <a:srgbClr val="FFFFFF"/>
+          </a:solidFill>
+          <a:ln w="12700">
+            <a:solidFill>
+              <a:srgbClr val="A6AAA9"/>
+            </a:solidFill>
+            <a:miter lim="400000"/>
+          </a:ln>
+          <a:extLst>
+            <a:ext uri="{C572A759-6A51-4108-AA02-DFA0A04FC94B}">
+              <ma14:wrappingTextBoxFlag xmlns:ma14="http://schemas.microsoft.com/office/mac/drawingml/2011/main" xmlns:a14="http://schemas.microsoft.com/office/drawing/2010/main" xmlns:m="http://schemas.openxmlformats.org/officeDocument/2006/math" xmlns="" val="1"/>
+            </a:ext>
+          </a:extLst>
+        </p:spPr>
+        <p:txBody>
+          <a:bodyPr wrap="square" lIns="54570" tIns="54570" rIns="54570" bIns="54570" anchor="ctr">
+            <a:spAutoFit/>
+          </a:bodyPr>
+          <a:lstStyle/>
+          <a:p>
+            <a:pPr>
+              <a:spcBef>
+                <a:spcPts val="0"/>
+              </a:spcBef>
+              <a:defRPr b="0">
+                <a:solidFill>
+                  <a:srgbClr val="000000"/>
+                </a:solidFill>
+                <a:latin typeface="Menlo"/>
+                <a:ea typeface="Menlo"/>
+                <a:cs typeface="Menlo"/>
+                <a:sym typeface="Menlo"/>
+              </a:defRPr>
+            </a:pPr>
+            <a:r>
+              <a:rPr lang="fr-FR" dirty="0" err="1"/>
+              <a:t>sidebarSearchForm</a:t>
+            </a:r>
+            <a:r>
+              <a:rPr lang="fr-FR" dirty="0"/>
+              <a:t>(...)</a:t>
+            </a:r>
+            <a:endParaRPr dirty="0"/>
+          </a:p>
+        </p:txBody>
+      </p:sp>
+      <p:sp>
+        <p:nvSpPr>
+          <p:cNvPr id="118" name="ggplot(mpg, aes(hwy, cty)) +…">
+            <a:extLst>
+              <a:ext uri="{FF2B5EF4-FFF2-40B4-BE49-F238E27FC236}">
+                <a16:creationId xmlns:a16="http://schemas.microsoft.com/office/drawing/2014/main" id="{2788E6B9-47D0-974B-8BE5-14CAC89E0E60}"/>
+              </a:ext>
+            </a:extLst>
+          </p:cNvPr>
+          <p:cNvSpPr txBox="1"/>
+          <p:nvPr/>
+        </p:nvSpPr>
+        <p:spPr>
+          <a:xfrm>
+            <a:off x="-7780177" y="6204003"/>
+            <a:ext cx="2251352" cy="294872"/>
+          </a:xfrm>
+          <a:prstGeom prst="rect">
+            <a:avLst/>
+          </a:prstGeom>
+          <a:solidFill>
+            <a:srgbClr val="FFFFFF"/>
+          </a:solidFill>
+          <a:ln w="12700">
+            <a:solidFill>
+              <a:srgbClr val="A6AAA9"/>
+            </a:solidFill>
+            <a:miter lim="400000"/>
+          </a:ln>
+          <a:extLst>
+            <a:ext uri="{C572A759-6A51-4108-AA02-DFA0A04FC94B}">
+              <ma14:wrappingTextBoxFlag xmlns:ma14="http://schemas.microsoft.com/office/mac/drawingml/2011/main" xmlns:a14="http://schemas.microsoft.com/office/drawing/2010/main" xmlns:m="http://schemas.openxmlformats.org/officeDocument/2006/math" xmlns="" val="1"/>
+            </a:ext>
+          </a:extLst>
+        </p:spPr>
+        <p:txBody>
+          <a:bodyPr wrap="square" lIns="54570" tIns="54570" rIns="54570" bIns="54570" anchor="ctr">
+            <a:spAutoFit/>
+          </a:bodyPr>
+          <a:lstStyle/>
+          <a:p>
+            <a:pPr>
+              <a:spcBef>
+                <a:spcPts val="0"/>
+              </a:spcBef>
+              <a:defRPr b="0">
+                <a:solidFill>
+                  <a:srgbClr val="000000"/>
+                </a:solidFill>
+                <a:latin typeface="Menlo"/>
+                <a:ea typeface="Menlo"/>
+                <a:cs typeface="Menlo"/>
+                <a:sym typeface="Menlo"/>
+              </a:defRPr>
+            </a:pPr>
+            <a:r>
+              <a:rPr lang="fr-FR" dirty="0" err="1"/>
+              <a:t>sidebarUserPanel</a:t>
+            </a:r>
+            <a:r>
+              <a:rPr lang="fr-FR" dirty="0"/>
+              <a:t>(...)</a:t>
+            </a:r>
+            <a:endParaRPr dirty="0"/>
+          </a:p>
+        </p:txBody>
+      </p:sp>
+      <p:sp>
+        <p:nvSpPr>
+          <p:cNvPr id="123" name="Group">
+            <a:extLst>
+              <a:ext uri="{FF2B5EF4-FFF2-40B4-BE49-F238E27FC236}">
+                <a16:creationId xmlns:a16="http://schemas.microsoft.com/office/drawing/2014/main" id="{8091908F-D316-9B49-8152-BD1F02D3406C}"/>
+              </a:ext>
+            </a:extLst>
+          </p:cNvPr>
+          <p:cNvSpPr/>
+          <p:nvPr/>
+        </p:nvSpPr>
+        <p:spPr>
+          <a:xfrm>
+            <a:off x="-4963457" y="5044637"/>
+            <a:ext cx="3148808" cy="3600288"/>
+          </a:xfrm>
+          <a:prstGeom prst="rect">
+            <a:avLst/>
+          </a:prstGeom>
+          <a:solidFill>
+            <a:srgbClr val="79B0DC">
+              <a:alpha val="23776"/>
+            </a:srgbClr>
+          </a:solidFill>
+          <a:ln w="12700">
+            <a:miter lim="400000"/>
+          </a:ln>
+        </p:spPr>
+        <p:txBody>
+          <a:bodyPr lIns="54570" tIns="54570" rIns="54570" bIns="54570" anchor="ctr"/>
+          <a:lstStyle/>
+          <a:p>
+            <a:pPr>
+              <a:lnSpc>
+                <a:spcPct val="80000"/>
+              </a:lnSpc>
+              <a:spcBef>
+                <a:spcPts val="0"/>
+              </a:spcBef>
+              <a:defRPr sz="1000" b="0">
+                <a:solidFill>
+                  <a:srgbClr val="000000"/>
+                </a:solidFill>
+              </a:defRPr>
+            </a:pPr>
+            <a:endParaRPr dirty="0"/>
+          </a:p>
+        </p:txBody>
+      </p:sp>
+      <p:sp>
+        <p:nvSpPr>
+          <p:cNvPr id="167" name="Layout Suggestions">
+            <a:extLst>
+              <a:ext uri="{FF2B5EF4-FFF2-40B4-BE49-F238E27FC236}">
+                <a16:creationId xmlns:a16="http://schemas.microsoft.com/office/drawing/2014/main" id="{D17F4CFF-AD93-4141-963C-E956B0693D6A}"/>
+              </a:ext>
+            </a:extLst>
+          </p:cNvPr>
+          <p:cNvSpPr txBox="1"/>
+          <p:nvPr/>
+        </p:nvSpPr>
+        <p:spPr>
+          <a:xfrm>
+            <a:off x="17032457" y="1902643"/>
+            <a:ext cx="1001877" cy="340029"/>
+          </a:xfrm>
+          <a:prstGeom prst="rect">
+            <a:avLst/>
+          </a:prstGeom>
+          <a:ln w="12700">
+            <a:miter lim="400000"/>
+          </a:ln>
+          <a:extLst>
+            <a:ext uri="{C572A759-6A51-4108-AA02-DFA0A04FC94B}">
+              <ma14:wrappingTextBoxFlag xmlns:ma14="http://schemas.microsoft.com/office/mac/drawingml/2011/main" xmlns:a14="http://schemas.microsoft.com/office/drawing/2010/main" xmlns:m="http://schemas.openxmlformats.org/officeDocument/2006/math" xmlns="" val="1"/>
+            </a:ext>
+          </a:extLst>
+        </p:spPr>
+        <p:txBody>
+          <a:bodyPr wrap="none" lIns="12700" tIns="12700" rIns="12700" bIns="12700" anchor="ctr">
+            <a:spAutoFit/>
+          </a:bodyPr>
+          <a:lstStyle/>
+          <a:p>
+            <a:pPr lvl="1" indent="0">
+              <a:lnSpc>
+                <a:spcPct val="80000"/>
+              </a:lnSpc>
+              <a:spcBef>
+                <a:spcPts val="0"/>
+              </a:spcBef>
+              <a:defRPr sz="2500" b="0">
+                <a:solidFill>
+                  <a:srgbClr val="628DB5"/>
+                </a:solidFill>
+              </a:defRPr>
+            </a:pPr>
+            <a:r>
+              <a:rPr lang="fr-FR" dirty="0"/>
+              <a:t>Header</a:t>
+            </a:r>
+            <a:endParaRPr dirty="0"/>
+          </a:p>
+        </p:txBody>
+      </p:sp>
+      <p:sp>
+        <p:nvSpPr>
+          <p:cNvPr id="58" name="ggplot(mpg, aes(hwy, cty)) +…">
+            <a:extLst>
+              <a:ext uri="{FF2B5EF4-FFF2-40B4-BE49-F238E27FC236}">
+                <a16:creationId xmlns:a16="http://schemas.microsoft.com/office/drawing/2014/main" id="{4DBFCBA6-B281-A94C-9D74-DC1A416D8722}"/>
+              </a:ext>
+            </a:extLst>
+          </p:cNvPr>
+          <p:cNvSpPr txBox="1"/>
+          <p:nvPr/>
+        </p:nvSpPr>
+        <p:spPr>
+          <a:xfrm>
+            <a:off x="18422555" y="3132742"/>
+            <a:ext cx="2177099" cy="294872"/>
+          </a:xfrm>
+          <a:prstGeom prst="rect">
+            <a:avLst/>
+          </a:prstGeom>
+          <a:solidFill>
+            <a:srgbClr val="FFFFFF"/>
+          </a:solidFill>
+          <a:ln w="12700">
+            <a:solidFill>
+              <a:srgbClr val="A6AAA9"/>
+            </a:solidFill>
+            <a:miter lim="400000"/>
+          </a:ln>
+          <a:extLst>
+            <a:ext uri="{C572A759-6A51-4108-AA02-DFA0A04FC94B}">
+              <ma14:wrappingTextBoxFlag xmlns:ma14="http://schemas.microsoft.com/office/mac/drawingml/2011/main" xmlns:a14="http://schemas.microsoft.com/office/drawing/2010/main" xmlns:m="http://schemas.openxmlformats.org/officeDocument/2006/math" xmlns="" val="1"/>
+            </a:ext>
+          </a:extLst>
+        </p:spPr>
+        <p:txBody>
+          <a:bodyPr wrap="square" lIns="54570" tIns="54570" rIns="54570" bIns="54570" anchor="ctr">
+            <a:spAutoFit/>
+          </a:bodyPr>
+          <a:lstStyle/>
+          <a:p>
+            <a:pPr>
+              <a:spcBef>
+                <a:spcPts val="0"/>
+              </a:spcBef>
+              <a:defRPr b="0">
+                <a:solidFill>
+                  <a:srgbClr val="000000"/>
+                </a:solidFill>
+                <a:latin typeface="Menlo"/>
+                <a:ea typeface="Menlo"/>
+                <a:cs typeface="Menlo"/>
+                <a:sym typeface="Menlo"/>
+              </a:defRPr>
+            </a:pPr>
+            <a:r>
+              <a:rPr lang="fr-FR" dirty="0" err="1"/>
+              <a:t>notificationItems</a:t>
+            </a:r>
+            <a:r>
+              <a:rPr lang="fr-FR" dirty="0"/>
+              <a:t>(...)</a:t>
+            </a:r>
+          </a:p>
+        </p:txBody>
+      </p:sp>
+      <p:sp>
+        <p:nvSpPr>
+          <p:cNvPr id="60" name="ggplot(mpg, aes(hwy, cty)) +…">
+            <a:extLst>
+              <a:ext uri="{FF2B5EF4-FFF2-40B4-BE49-F238E27FC236}">
+                <a16:creationId xmlns:a16="http://schemas.microsoft.com/office/drawing/2014/main" id="{1DF7A590-20D8-AE46-83BC-3E781A591F85}"/>
+              </a:ext>
+            </a:extLst>
+          </p:cNvPr>
+          <p:cNvSpPr txBox="1"/>
+          <p:nvPr/>
+        </p:nvSpPr>
+        <p:spPr>
+          <a:xfrm>
+            <a:off x="19840646" y="2614846"/>
+            <a:ext cx="1426884" cy="294872"/>
+          </a:xfrm>
+          <a:prstGeom prst="rect">
+            <a:avLst/>
+          </a:prstGeom>
+          <a:solidFill>
+            <a:srgbClr val="FFFFFF"/>
+          </a:solidFill>
+          <a:ln w="12700">
+            <a:solidFill>
+              <a:srgbClr val="A6AAA9"/>
+            </a:solidFill>
+            <a:miter lim="400000"/>
+          </a:ln>
+          <a:extLst>
+            <a:ext uri="{C572A759-6A51-4108-AA02-DFA0A04FC94B}">
+              <ma14:wrappingTextBoxFlag xmlns:ma14="http://schemas.microsoft.com/office/mac/drawingml/2011/main" xmlns:a14="http://schemas.microsoft.com/office/drawing/2010/main" xmlns:m="http://schemas.openxmlformats.org/officeDocument/2006/math" xmlns="" val="1"/>
+            </a:ext>
+          </a:extLst>
+        </p:spPr>
+        <p:txBody>
+          <a:bodyPr wrap="square" lIns="54570" tIns="54570" rIns="54570" bIns="54570" anchor="ctr">
+            <a:spAutoFit/>
+          </a:bodyPr>
+          <a:lstStyle/>
+          <a:p>
+            <a:pPr>
+              <a:spcBef>
+                <a:spcPts val="0"/>
+              </a:spcBef>
+              <a:defRPr b="0">
+                <a:solidFill>
+                  <a:srgbClr val="000000"/>
+                </a:solidFill>
+                <a:latin typeface="Menlo"/>
+                <a:ea typeface="Menlo"/>
+                <a:cs typeface="Menlo"/>
+                <a:sym typeface="Menlo"/>
+              </a:defRPr>
+            </a:pPr>
+            <a:r>
+              <a:rPr lang="fr-FR" dirty="0" err="1"/>
+              <a:t>taskItems</a:t>
+            </a:r>
+            <a:r>
+              <a:rPr lang="fr-FR" dirty="0"/>
+              <a:t>(...)</a:t>
+            </a:r>
+            <a:endParaRPr dirty="0"/>
+          </a:p>
+        </p:txBody>
+      </p:sp>
+      <p:sp>
+        <p:nvSpPr>
+          <p:cNvPr id="65" name="Group">
+            <a:extLst>
+              <a:ext uri="{FF2B5EF4-FFF2-40B4-BE49-F238E27FC236}">
+                <a16:creationId xmlns:a16="http://schemas.microsoft.com/office/drawing/2014/main" id="{DCF6F27E-A944-2046-8AD4-589FF5CAA1C9}"/>
+              </a:ext>
+            </a:extLst>
+          </p:cNvPr>
+          <p:cNvSpPr/>
+          <p:nvPr/>
+        </p:nvSpPr>
+        <p:spPr>
+          <a:xfrm>
+            <a:off x="310795" y="7849406"/>
+            <a:ext cx="3204650" cy="2084420"/>
+          </a:xfrm>
+          <a:prstGeom prst="rect">
+            <a:avLst/>
+          </a:prstGeom>
+          <a:solidFill>
+            <a:srgbClr val="79B0DC">
+              <a:alpha val="23776"/>
+            </a:srgbClr>
+          </a:solidFill>
+          <a:ln w="12700">
+            <a:miter lim="400000"/>
+          </a:ln>
+        </p:spPr>
+        <p:txBody>
+          <a:bodyPr lIns="54570" tIns="54570" rIns="54570" bIns="54570" anchor="ctr"/>
+          <a:lstStyle/>
+          <a:p>
+            <a:pPr>
+              <a:lnSpc>
+                <a:spcPct val="80000"/>
+              </a:lnSpc>
+              <a:spcBef>
+                <a:spcPts val="0"/>
+              </a:spcBef>
+              <a:defRPr sz="1000" b="0">
+                <a:solidFill>
+                  <a:srgbClr val="000000"/>
+                </a:solidFill>
+              </a:defRPr>
+            </a:pPr>
+            <a:endParaRPr dirty="0"/>
+          </a:p>
+        </p:txBody>
+      </p:sp>
+      <p:sp>
+        <p:nvSpPr>
+          <p:cNvPr id="66" name="ZoneTexte 65">
+            <a:extLst>
+              <a:ext uri="{FF2B5EF4-FFF2-40B4-BE49-F238E27FC236}">
+                <a16:creationId xmlns:a16="http://schemas.microsoft.com/office/drawing/2014/main" id="{90653863-3C53-B24C-B897-DDFF6FBE2732}"/>
+              </a:ext>
+            </a:extLst>
+          </p:cNvPr>
+          <p:cNvSpPr txBox="1"/>
+          <p:nvPr/>
+        </p:nvSpPr>
+        <p:spPr>
+          <a:xfrm>
+            <a:off x="282788" y="5751153"/>
+            <a:ext cx="3025059" cy="505186"/>
+          </a:xfrm>
+          <a:prstGeom prst="rect">
+            <a:avLst/>
+          </a:prstGeom>
+          <a:noFill/>
+          <a:ln w="12700" cap="flat">
+            <a:noFill/>
+            <a:miter lim="400000"/>
+          </a:ln>
+          <a:effectLst/>
+          <a:sp3d/>
+        </p:spPr>
+        <p:style>
+          <a:lnRef idx="0">
+            <a:scrgbClr r="0" g="0" b="0"/>
+          </a:lnRef>
+          <a:fillRef idx="0">
+            <a:scrgbClr r="0" g="0" b="0"/>
+          </a:fillRef>
+          <a:effectRef idx="0">
+            <a:scrgbClr r="0" g="0" b="0"/>
+          </a:effectRef>
+          <a:fontRef idx="none"/>
+        </p:style>
+        <p:txBody>
+          <a:bodyPr rot="0" spcFirstLastPara="1" vertOverflow="overflow" horzOverflow="overflow" vert="horz" wrap="square" lIns="54570" tIns="54570" rIns="54570" bIns="54570" numCol="1" spcCol="38100" rtlCol="0" anchor="ctr">
+            <a:spAutoFit/>
+          </a:bodyPr>
+          <a:lstStyle/>
+          <a:p>
+            <a:pPr marR="0" algn="l" defTabSz="584200" rtl="0" fontAlgn="auto" latinLnBrk="0" hangingPunct="0">
+              <a:lnSpc>
+                <a:spcPct val="100000"/>
+              </a:lnSpc>
+              <a:spcBef>
+                <a:spcPts val="200"/>
+              </a:spcBef>
+              <a:spcAft>
+                <a:spcPts val="0"/>
+              </a:spcAft>
+              <a:buClrTx/>
+              <a:buSzTx/>
+              <a:tabLst/>
+            </a:pPr>
+            <a:r>
+              <a:rPr kumimoji="0" lang="fr-FR" sz="1200" b="0" i="0" u="none" strike="noStrike" cap="none" spc="0" normalizeH="0" baseline="0" dirty="0" err="1">
+                <a:ln>
+                  <a:noFill/>
+                </a:ln>
+                <a:solidFill>
+                  <a:schemeClr val="bg2">
+                    <a:lumMod val="10000"/>
+                  </a:schemeClr>
+                </a:solidFill>
+                <a:effectLst/>
+                <a:uFillTx/>
+                <a:latin typeface="Source Sans Pro"/>
+                <a:ea typeface="Source Sans Pro"/>
+                <a:cs typeface="Source Sans Pro"/>
+                <a:sym typeface="Source Sans Pro"/>
+              </a:rPr>
+              <a:t>Alternatively</a:t>
+            </a:r>
+            <a:r>
+              <a:rPr kumimoji="0" lang="fr-FR" sz="1200" b="0" i="0" u="none" strike="noStrike" cap="none" spc="0" normalizeH="0" baseline="0" dirty="0">
+                <a:ln>
+                  <a:noFill/>
+                </a:ln>
+                <a:solidFill>
+                  <a:schemeClr val="bg2">
+                    <a:lumMod val="10000"/>
+                  </a:schemeClr>
+                </a:solidFill>
+                <a:effectLst/>
+                <a:uFillTx/>
+                <a:latin typeface="Source Sans Pro"/>
+                <a:ea typeface="Source Sans Pro"/>
+                <a:cs typeface="Source Sans Pro"/>
+                <a:sym typeface="Source Sans Pro"/>
+              </a:rPr>
+              <a:t>, </a:t>
+            </a:r>
+            <a:r>
+              <a:rPr kumimoji="0" lang="fr-FR" sz="1200" b="0" i="0" u="none" strike="noStrike" cap="none" spc="0" normalizeH="0" baseline="0" dirty="0" err="1">
+                <a:ln>
+                  <a:noFill/>
+                </a:ln>
+                <a:solidFill>
+                  <a:schemeClr val="bg2">
+                    <a:lumMod val="10000"/>
+                  </a:schemeClr>
+                </a:solidFill>
+                <a:effectLst/>
+                <a:uFillTx/>
+                <a:latin typeface="Source Sans Pro"/>
+                <a:ea typeface="Source Sans Pro"/>
+                <a:cs typeface="Source Sans Pro"/>
+                <a:sym typeface="Source Sans Pro"/>
+              </a:rPr>
+              <a:t>you</a:t>
+            </a:r>
+            <a:r>
+              <a:rPr kumimoji="0" lang="fr-FR" sz="1200" b="0" i="0" u="none" strike="noStrike" cap="none" spc="0" normalizeH="0" baseline="0" dirty="0">
+                <a:ln>
+                  <a:noFill/>
+                </a:ln>
+                <a:solidFill>
+                  <a:schemeClr val="bg2">
+                    <a:lumMod val="10000"/>
+                  </a:schemeClr>
+                </a:solidFill>
+                <a:effectLst/>
+                <a:uFillTx/>
+                <a:latin typeface="Source Sans Pro"/>
+                <a:ea typeface="Source Sans Pro"/>
+                <a:cs typeface="Source Sans Pro"/>
+                <a:sym typeface="Source Sans Pro"/>
+              </a:rPr>
+              <a:t> </a:t>
+            </a:r>
+            <a:r>
+              <a:rPr lang="fr-FR" b="0" dirty="0" err="1">
+                <a:solidFill>
+                  <a:schemeClr val="bg2">
+                    <a:lumMod val="10000"/>
+                  </a:schemeClr>
+                </a:solidFill>
+              </a:rPr>
+              <a:t>can</a:t>
+            </a:r>
+            <a:r>
+              <a:rPr kumimoji="0" lang="fr-FR" sz="1200" b="0" i="0" u="none" strike="noStrike" cap="none" spc="0" normalizeH="0" baseline="0" dirty="0">
+                <a:ln>
+                  <a:noFill/>
+                </a:ln>
+                <a:solidFill>
+                  <a:schemeClr val="bg2">
+                    <a:lumMod val="10000"/>
+                  </a:schemeClr>
+                </a:solidFill>
+                <a:effectLst/>
+                <a:uFillTx/>
+                <a:latin typeface="Source Sans Pro"/>
+                <a:ea typeface="Source Sans Pro"/>
+                <a:cs typeface="Source Sans Pro"/>
+                <a:sym typeface="Source Sans Pro"/>
+              </a:rPr>
+              <a:t> </a:t>
+            </a:r>
+            <a:r>
+              <a:rPr kumimoji="0" lang="fr-FR" sz="1200" b="0" i="0" u="none" strike="noStrike" cap="none" spc="0" normalizeH="0" baseline="0" dirty="0" err="1">
+                <a:ln>
+                  <a:noFill/>
+                </a:ln>
+                <a:solidFill>
+                  <a:schemeClr val="bg2">
+                    <a:lumMod val="10000"/>
+                  </a:schemeClr>
+                </a:solidFill>
+                <a:effectLst/>
+                <a:uFillTx/>
+                <a:latin typeface="Source Sans Pro"/>
+                <a:ea typeface="Source Sans Pro"/>
+                <a:cs typeface="Source Sans Pro"/>
+                <a:sym typeface="Source Sans Pro"/>
+              </a:rPr>
+              <a:t>embed</a:t>
+            </a:r>
+            <a:r>
+              <a:rPr kumimoji="0" lang="fr-FR" sz="1200" b="0" i="0" u="none" strike="noStrike" cap="none" spc="0" normalizeH="0" baseline="0" dirty="0">
+                <a:ln>
+                  <a:noFill/>
+                </a:ln>
+                <a:solidFill>
+                  <a:schemeClr val="bg2">
+                    <a:lumMod val="10000"/>
+                  </a:schemeClr>
+                </a:solidFill>
+                <a:effectLst/>
+                <a:uFillTx/>
+                <a:latin typeface="Source Sans Pro"/>
+                <a:ea typeface="Source Sans Pro"/>
+                <a:cs typeface="Source Sans Pro"/>
+                <a:sym typeface="Source Sans Pro"/>
+              </a:rPr>
+              <a:t> </a:t>
+            </a:r>
+            <a:r>
+              <a:rPr kumimoji="0" lang="fr-FR" sz="1200" b="0" i="0" u="none" strike="noStrike" cap="none" spc="0" normalizeH="0" baseline="0" dirty="0" err="1">
+                <a:ln>
+                  <a:noFill/>
+                </a:ln>
+                <a:solidFill>
+                  <a:schemeClr val="bg2">
+                    <a:lumMod val="10000"/>
+                  </a:schemeClr>
+                </a:solidFill>
+                <a:effectLst/>
+                <a:uFillTx/>
+                <a:latin typeface="Source Sans Pro"/>
+                <a:ea typeface="Source Sans Pro"/>
+                <a:cs typeface="Source Sans Pro"/>
+                <a:sym typeface="Source Sans Pro"/>
+              </a:rPr>
+              <a:t>shinydashboard</a:t>
+            </a:r>
+            <a:r>
+              <a:rPr kumimoji="0" lang="fr-FR" sz="1200" b="0" i="0" u="none" strike="noStrike" cap="none" spc="0" normalizeH="0" baseline="0" dirty="0">
+                <a:ln>
+                  <a:noFill/>
+                </a:ln>
+                <a:solidFill>
+                  <a:schemeClr val="bg2">
+                    <a:lumMod val="10000"/>
+                  </a:schemeClr>
+                </a:solidFill>
+                <a:effectLst/>
+                <a:uFillTx/>
+                <a:latin typeface="Source Sans Pro"/>
+                <a:ea typeface="Source Sans Pro"/>
+                <a:cs typeface="Source Sans Pro"/>
+                <a:sym typeface="Source Sans Pro"/>
+              </a:rPr>
+              <a:t> </a:t>
+            </a:r>
+            <a:r>
+              <a:rPr kumimoji="0" lang="fr-FR" sz="1200" b="0" i="0" u="none" strike="noStrike" cap="none" spc="0" normalizeH="0" baseline="0" dirty="0" err="1">
+                <a:ln>
+                  <a:noFill/>
+                </a:ln>
+                <a:solidFill>
+                  <a:schemeClr val="bg2">
+                    <a:lumMod val="10000"/>
+                  </a:schemeClr>
+                </a:solidFill>
+                <a:effectLst/>
+                <a:uFillTx/>
+                <a:latin typeface="Source Sans Pro"/>
+                <a:ea typeface="Source Sans Pro"/>
+                <a:cs typeface="Source Sans Pro"/>
+                <a:sym typeface="Source Sans Pro"/>
+              </a:rPr>
+              <a:t>elements</a:t>
+            </a:r>
+            <a:r>
+              <a:rPr kumimoji="0" lang="fr-FR" sz="1200" b="0" i="0" u="none" strike="noStrike" cap="none" spc="0" normalizeH="0" baseline="0" dirty="0">
+                <a:ln>
+                  <a:noFill/>
+                </a:ln>
+                <a:solidFill>
+                  <a:schemeClr val="bg2">
+                    <a:lumMod val="10000"/>
+                  </a:schemeClr>
+                </a:solidFill>
+                <a:effectLst/>
+                <a:uFillTx/>
+                <a:latin typeface="Source Sans Pro"/>
+                <a:ea typeface="Source Sans Pro"/>
+                <a:cs typeface="Source Sans Pro"/>
+                <a:sym typeface="Source Sans Pro"/>
+              </a:rPr>
+              <a:t> in </a:t>
+            </a:r>
+            <a:r>
+              <a:rPr kumimoji="0" lang="fr-FR" sz="1200" b="0" i="0" u="none" strike="noStrike" cap="none" spc="0" normalizeH="0" baseline="0" dirty="0" err="1">
+                <a:ln>
+                  <a:noFill/>
+                </a:ln>
+                <a:solidFill>
+                  <a:schemeClr val="bg2">
+                    <a:lumMod val="10000"/>
+                  </a:schemeClr>
+                </a:solidFill>
+                <a:effectLst/>
+                <a:uFillTx/>
+                <a:latin typeface="Source Sans Pro"/>
+                <a:ea typeface="Source Sans Pro"/>
+                <a:cs typeface="Source Sans Pro"/>
+                <a:sym typeface="Source Sans Pro"/>
+              </a:rPr>
+              <a:t>vanilla</a:t>
+            </a:r>
+            <a:r>
+              <a:rPr kumimoji="0" lang="fr-FR" sz="1200" b="0" i="0" u="none" strike="noStrike" cap="none" spc="0" normalizeH="0" baseline="0" dirty="0">
+                <a:ln>
+                  <a:noFill/>
+                </a:ln>
+                <a:solidFill>
+                  <a:schemeClr val="bg2">
+                    <a:lumMod val="10000"/>
+                  </a:schemeClr>
+                </a:solidFill>
+                <a:effectLst/>
+                <a:uFillTx/>
+                <a:latin typeface="Source Sans Pro"/>
+                <a:ea typeface="Source Sans Pro"/>
+                <a:cs typeface="Source Sans Pro"/>
+                <a:sym typeface="Source Sans Pro"/>
+              </a:rPr>
+              <a:t> </a:t>
+            </a:r>
+            <a:r>
+              <a:rPr kumimoji="0" lang="fr-FR" sz="1200" b="0" i="0" u="none" strike="noStrike" cap="none" spc="0" normalizeH="0" baseline="0" dirty="0" err="1">
+                <a:ln>
+                  <a:noFill/>
+                </a:ln>
+                <a:solidFill>
+                  <a:schemeClr val="bg2">
+                    <a:lumMod val="10000"/>
+                  </a:schemeClr>
+                </a:solidFill>
+                <a:effectLst/>
+                <a:uFillTx/>
+                <a:latin typeface="Source Sans Pro"/>
+                <a:ea typeface="Source Sans Pro"/>
+                <a:cs typeface="Source Sans Pro"/>
+                <a:sym typeface="Source Sans Pro"/>
+              </a:rPr>
+              <a:t>shiny</a:t>
+            </a:r>
+            <a:r>
+              <a:rPr lang="fr-FR" b="0" dirty="0">
+                <a:solidFill>
+                  <a:schemeClr val="bg2">
+                    <a:lumMod val="10000"/>
+                  </a:schemeClr>
+                </a:solidFill>
+              </a:rPr>
+              <a:t>.</a:t>
+            </a:r>
+            <a:endParaRPr kumimoji="0" lang="fr-FR" sz="1200" b="0" i="0" u="none" strike="noStrike" cap="none" spc="0" normalizeH="0" baseline="0" dirty="0">
+              <a:ln>
+                <a:noFill/>
+              </a:ln>
+              <a:solidFill>
+                <a:schemeClr val="bg2">
+                  <a:lumMod val="10000"/>
+                </a:schemeClr>
+              </a:solidFill>
+              <a:effectLst/>
+              <a:uFillTx/>
+              <a:sym typeface="Source Sans Pro"/>
+            </a:endParaRPr>
+          </a:p>
+        </p:txBody>
+      </p:sp>
+      <p:sp>
+        <p:nvSpPr>
+          <p:cNvPr id="67" name="ggplot(mpg, aes(hwy, cty)) +…">
+            <a:extLst>
+              <a:ext uri="{FF2B5EF4-FFF2-40B4-BE49-F238E27FC236}">
+                <a16:creationId xmlns:a16="http://schemas.microsoft.com/office/drawing/2014/main" id="{FF649F1B-ACFB-CC4B-AA6A-FAE9770B1ABC}"/>
+              </a:ext>
+            </a:extLst>
+          </p:cNvPr>
+          <p:cNvSpPr txBox="1"/>
+          <p:nvPr/>
+        </p:nvSpPr>
+        <p:spPr>
+          <a:xfrm>
+            <a:off x="308593" y="6351439"/>
+            <a:ext cx="3173706" cy="1402867"/>
+          </a:xfrm>
+          <a:prstGeom prst="rect">
+            <a:avLst/>
+          </a:prstGeom>
+          <a:solidFill>
+            <a:srgbClr val="FFFFFF"/>
+          </a:solidFill>
+          <a:ln w="12700">
+            <a:solidFill>
+              <a:srgbClr val="A6AAA9"/>
+            </a:solidFill>
+            <a:miter lim="400000"/>
+          </a:ln>
+          <a:extLst>
+            <a:ext uri="{C572A759-6A51-4108-AA02-DFA0A04FC94B}">
+              <ma14:wrappingTextBoxFlag xmlns:ma14="http://schemas.microsoft.com/office/mac/drawingml/2011/main" xmlns:a14="http://schemas.microsoft.com/office/drawing/2010/main" xmlns:m="http://schemas.openxmlformats.org/officeDocument/2006/math" xmlns="" val="1"/>
+            </a:ext>
+          </a:extLst>
+        </p:spPr>
+        <p:txBody>
+          <a:bodyPr wrap="square" lIns="54570" tIns="54570" rIns="54570" bIns="54570" anchor="ctr">
+            <a:spAutoFit/>
+          </a:bodyPr>
+          <a:lstStyle/>
+          <a:p>
+            <a:pPr>
+              <a:spcBef>
+                <a:spcPts val="0"/>
+              </a:spcBef>
+              <a:defRPr b="0">
+                <a:solidFill>
+                  <a:srgbClr val="000000"/>
+                </a:solidFill>
+                <a:latin typeface="Menlo"/>
+                <a:ea typeface="Menlo"/>
+                <a:cs typeface="Menlo"/>
+                <a:sym typeface="Menlo"/>
+              </a:defRPr>
+            </a:pPr>
+            <a:r>
+              <a:rPr lang="fr-FR" dirty="0" err="1"/>
+              <a:t>library</a:t>
+            </a:r>
+            <a:r>
+              <a:rPr lang="fr-FR" dirty="0"/>
+              <a:t>(</a:t>
+            </a:r>
+            <a:r>
+              <a:rPr lang="fr-FR" dirty="0" err="1"/>
+              <a:t>shinyWidgets</a:t>
+            </a:r>
+            <a:r>
+              <a:rPr lang="fr-FR" dirty="0"/>
+              <a:t>)</a:t>
+            </a:r>
+          </a:p>
+          <a:p>
+            <a:pPr>
+              <a:spcBef>
+                <a:spcPts val="0"/>
+              </a:spcBef>
+              <a:defRPr b="0">
+                <a:solidFill>
+                  <a:srgbClr val="000000"/>
+                </a:solidFill>
+                <a:latin typeface="Menlo"/>
+                <a:ea typeface="Menlo"/>
+                <a:cs typeface="Menlo"/>
+                <a:sym typeface="Menlo"/>
+              </a:defRPr>
+            </a:pPr>
+            <a:r>
+              <a:rPr lang="fr-FR" dirty="0" err="1"/>
+              <a:t>shinyApp</a:t>
+            </a:r>
+            <a:r>
+              <a:rPr lang="fr-FR" dirty="0"/>
+              <a:t>(</a:t>
+            </a:r>
+          </a:p>
+          <a:p>
+            <a:pPr>
+              <a:spcBef>
+                <a:spcPts val="0"/>
+              </a:spcBef>
+              <a:defRPr b="0">
+                <a:solidFill>
+                  <a:srgbClr val="000000"/>
+                </a:solidFill>
+                <a:latin typeface="Menlo"/>
+                <a:ea typeface="Menlo"/>
+                <a:cs typeface="Menlo"/>
+                <a:sym typeface="Menlo"/>
+              </a:defRPr>
+            </a:pPr>
+            <a:r>
+              <a:rPr lang="fr-FR" dirty="0"/>
+              <a:t> </a:t>
+            </a:r>
+            <a:r>
+              <a:rPr lang="fr-FR" dirty="0" err="1"/>
+              <a:t>ui</a:t>
+            </a:r>
+            <a:r>
+              <a:rPr lang="fr-FR" dirty="0"/>
+              <a:t> = </a:t>
+            </a:r>
+            <a:r>
+              <a:rPr lang="fr-FR" dirty="0" err="1"/>
+              <a:t>fluidPage</a:t>
+            </a:r>
+            <a:r>
+              <a:rPr lang="fr-FR" dirty="0"/>
+              <a:t>(</a:t>
+            </a:r>
+          </a:p>
+          <a:p>
+            <a:pPr>
+              <a:spcBef>
+                <a:spcPts val="0"/>
+              </a:spcBef>
+              <a:defRPr b="0">
+                <a:solidFill>
+                  <a:srgbClr val="000000"/>
+                </a:solidFill>
+                <a:latin typeface="Menlo"/>
+                <a:ea typeface="Menlo"/>
+                <a:cs typeface="Menlo"/>
+                <a:sym typeface="Menlo"/>
+              </a:defRPr>
+            </a:pPr>
+            <a:r>
+              <a:rPr lang="fr-FR" dirty="0"/>
+              <a:t>  </a:t>
+            </a:r>
+            <a:r>
+              <a:rPr lang="fr-FR" dirty="0" err="1"/>
+              <a:t>useShinydashboard</a:t>
+            </a:r>
+            <a:r>
+              <a:rPr lang="fr-FR" dirty="0"/>
+              <a:t>(),</a:t>
+            </a:r>
+          </a:p>
+          <a:p>
+            <a:pPr>
+              <a:spcBef>
+                <a:spcPts val="0"/>
+              </a:spcBef>
+              <a:defRPr b="0">
+                <a:solidFill>
+                  <a:srgbClr val="000000"/>
+                </a:solidFill>
+                <a:latin typeface="Menlo"/>
+                <a:ea typeface="Menlo"/>
+                <a:cs typeface="Menlo"/>
+                <a:sym typeface="Menlo"/>
+              </a:defRPr>
+            </a:pPr>
+            <a:r>
+              <a:rPr lang="fr-FR" dirty="0"/>
+              <a:t>  …</a:t>
+            </a:r>
+          </a:p>
+          <a:p>
+            <a:pPr>
+              <a:spcBef>
+                <a:spcPts val="0"/>
+              </a:spcBef>
+              <a:defRPr b="0">
+                <a:solidFill>
+                  <a:srgbClr val="000000"/>
+                </a:solidFill>
+                <a:latin typeface="Menlo"/>
+                <a:ea typeface="Menlo"/>
+                <a:cs typeface="Menlo"/>
+                <a:sym typeface="Menlo"/>
+              </a:defRPr>
+            </a:pPr>
+            <a:r>
+              <a:rPr lang="fr-FR" dirty="0"/>
+              <a:t> )</a:t>
+            </a:r>
+          </a:p>
+          <a:p>
+            <a:pPr>
+              <a:spcBef>
+                <a:spcPts val="0"/>
+              </a:spcBef>
+              <a:defRPr b="0">
+                <a:solidFill>
+                  <a:srgbClr val="000000"/>
+                </a:solidFill>
+                <a:latin typeface="Menlo"/>
+                <a:ea typeface="Menlo"/>
+                <a:cs typeface="Menlo"/>
+                <a:sym typeface="Menlo"/>
+              </a:defRPr>
+            </a:pPr>
+            <a:r>
+              <a:rPr lang="fr-FR" dirty="0"/>
+              <a:t>)</a:t>
+            </a:r>
+            <a:endParaRPr dirty="0"/>
+          </a:p>
+        </p:txBody>
+      </p:sp>
+      <p:pic>
+        <p:nvPicPr>
+          <p:cNvPr id="68" name="Image 67" descr="Une image contenant capture d’écran&#10;&#10;Description générée automatiquement">
+            <a:extLst>
+              <a:ext uri="{FF2B5EF4-FFF2-40B4-BE49-F238E27FC236}">
+                <a16:creationId xmlns:a16="http://schemas.microsoft.com/office/drawing/2014/main" id="{C457AE10-C83F-FF40-8DDF-AB15038D4674}"/>
+              </a:ext>
+            </a:extLst>
+          </p:cNvPr>
+          <p:cNvPicPr>
+            <a:picLocks noChangeAspect="1"/>
+          </p:cNvPicPr>
+          <p:nvPr/>
+        </p:nvPicPr>
+        <p:blipFill>
+          <a:blip r:embed="rId8">
+            <a:extLst>
+              <a:ext uri="{28A0092B-C50C-407E-A947-70E740481C1C}">
+                <a14:useLocalDpi xmlns:a14="http://schemas.microsoft.com/office/drawing/2010/main" val="0"/>
+              </a:ext>
+            </a:extLst>
+          </a:blip>
+          <a:stretch>
+            <a:fillRect/>
+          </a:stretch>
+        </p:blipFill>
+        <p:spPr>
+          <a:xfrm>
+            <a:off x="355711" y="7951936"/>
+            <a:ext cx="3130550" cy="1917700"/>
+          </a:xfrm>
+          <a:prstGeom prst="rect">
+            <a:avLst/>
+          </a:prstGeom>
+        </p:spPr>
+      </p:pic>
+      <p:sp>
+        <p:nvSpPr>
+          <p:cNvPr id="69" name="Basics">
+            <a:extLst>
+              <a:ext uri="{FF2B5EF4-FFF2-40B4-BE49-F238E27FC236}">
+                <a16:creationId xmlns:a16="http://schemas.microsoft.com/office/drawing/2014/main" id="{822F3452-8D10-CB4D-8DE4-D0D4E10C27AE}"/>
+              </a:ext>
+            </a:extLst>
+          </p:cNvPr>
+          <p:cNvSpPr txBox="1"/>
+          <p:nvPr/>
+        </p:nvSpPr>
+        <p:spPr>
+          <a:xfrm>
+            <a:off x="282688" y="5411124"/>
+            <a:ext cx="2213748" cy="340029"/>
+          </a:xfrm>
+          <a:prstGeom prst="rect">
+            <a:avLst/>
+          </a:prstGeom>
+          <a:ln w="12700">
+            <a:miter lim="400000"/>
+          </a:ln>
+          <a:extLst>
+            <a:ext uri="{C572A759-6A51-4108-AA02-DFA0A04FC94B}">
+              <ma14:wrappingTextBoxFlag xmlns:ma14="http://schemas.microsoft.com/office/mac/drawingml/2011/main" xmlns:a14="http://schemas.microsoft.com/office/drawing/2010/main" xmlns:m="http://schemas.openxmlformats.org/officeDocument/2006/math" xmlns="" val="1"/>
+            </a:ext>
+          </a:extLst>
+        </p:spPr>
+        <p:txBody>
+          <a:bodyPr wrap="none" lIns="12700" tIns="12700" rIns="12700" bIns="12700" anchor="ctr">
+            <a:spAutoFit/>
+          </a:bodyPr>
+          <a:lstStyle/>
+          <a:p>
+            <a:pPr lvl="1" indent="0">
+              <a:lnSpc>
+                <a:spcPct val="80000"/>
+              </a:lnSpc>
+              <a:spcBef>
+                <a:spcPts val="0"/>
+              </a:spcBef>
+              <a:defRPr sz="2500" b="0">
+                <a:solidFill>
+                  <a:srgbClr val="628DB5"/>
+                </a:solidFill>
+              </a:defRPr>
+            </a:pPr>
+            <a:r>
+              <a:rPr lang="fr-FR" dirty="0"/>
+              <a:t>Export </a:t>
+            </a:r>
+            <a:r>
+              <a:rPr lang="fr-FR" dirty="0" err="1"/>
+              <a:t>elements</a:t>
+            </a:r>
+            <a:endParaRPr dirty="0"/>
+          </a:p>
+        </p:txBody>
+      </p:sp>
+      <p:sp>
+        <p:nvSpPr>
+          <p:cNvPr id="70" name="Line">
+            <a:extLst>
+              <a:ext uri="{FF2B5EF4-FFF2-40B4-BE49-F238E27FC236}">
+                <a16:creationId xmlns:a16="http://schemas.microsoft.com/office/drawing/2014/main" id="{BBC22961-D34D-8743-A54B-4ABAE2303E4C}"/>
+              </a:ext>
+            </a:extLst>
+          </p:cNvPr>
+          <p:cNvSpPr/>
+          <p:nvPr/>
+        </p:nvSpPr>
+        <p:spPr>
+          <a:xfrm>
+            <a:off x="291339" y="5365239"/>
+            <a:ext cx="3079672" cy="0"/>
+          </a:xfrm>
+          <a:prstGeom prst="line">
+            <a:avLst/>
+          </a:prstGeom>
+          <a:ln w="3175">
+            <a:solidFill>
+              <a:srgbClr val="767C85"/>
+            </a:solidFill>
+            <a:miter lim="400000"/>
+          </a:ln>
+        </p:spPr>
+        <p:txBody>
+          <a:bodyPr lIns="54570" tIns="54570" rIns="54570" bIns="54570" anchor="ctr"/>
+          <a:lstStyle/>
+          <a:p>
+            <a:pPr>
+              <a:lnSpc>
+                <a:spcPct val="80000"/>
+              </a:lnSpc>
+              <a:spcBef>
+                <a:spcPts val="600"/>
+              </a:spcBef>
+              <a:defRPr b="0">
+                <a:solidFill>
+                  <a:srgbClr val="000000"/>
+                </a:solidFill>
+              </a:defRPr>
+            </a:pPr>
+            <a:endParaRPr/>
+          </a:p>
+        </p:txBody>
+      </p:sp>
+      <p:pic>
+        <p:nvPicPr>
+          <p:cNvPr id="227" name="Image 226" descr="Une image contenant capture d’écran&#10;&#10;Description générée automatiquement">
+            <a:extLst>
+              <a:ext uri="{FF2B5EF4-FFF2-40B4-BE49-F238E27FC236}">
+                <a16:creationId xmlns:a16="http://schemas.microsoft.com/office/drawing/2014/main" id="{31ACE912-99BE-3047-AB7A-E9AE2AF34327}"/>
+              </a:ext>
+            </a:extLst>
+          </p:cNvPr>
+          <p:cNvPicPr>
+            <a:picLocks noChangeAspect="1"/>
+          </p:cNvPicPr>
+          <p:nvPr/>
+        </p:nvPicPr>
+        <p:blipFill>
+          <a:blip r:embed="rId9">
+            <a:extLst>
+              <a:ext uri="{28A0092B-C50C-407E-A947-70E740481C1C}">
+                <a14:useLocalDpi xmlns:a14="http://schemas.microsoft.com/office/drawing/2010/main" val="0"/>
+              </a:ext>
+            </a:extLst>
+          </a:blip>
+          <a:stretch>
+            <a:fillRect/>
+          </a:stretch>
+        </p:blipFill>
+        <p:spPr>
+          <a:xfrm>
+            <a:off x="3771512" y="1715304"/>
+            <a:ext cx="9922002" cy="8220456"/>
+          </a:xfrm>
+          <a:prstGeom prst="rect">
+            <a:avLst/>
+          </a:prstGeom>
+        </p:spPr>
+      </p:pic>
+      <p:sp>
+        <p:nvSpPr>
+          <p:cNvPr id="291" name="Group">
+            <a:extLst>
+              <a:ext uri="{FF2B5EF4-FFF2-40B4-BE49-F238E27FC236}">
+                <a16:creationId xmlns:a16="http://schemas.microsoft.com/office/drawing/2014/main" id="{A14FC2DC-95FE-9A46-9010-F8D3D0665A0E}"/>
+              </a:ext>
+            </a:extLst>
+          </p:cNvPr>
+          <p:cNvSpPr/>
+          <p:nvPr/>
+        </p:nvSpPr>
+        <p:spPr>
+          <a:xfrm>
+            <a:off x="6316304" y="2226468"/>
+            <a:ext cx="7404094" cy="7719682"/>
+          </a:xfrm>
+          <a:prstGeom prst="rect">
+            <a:avLst/>
+          </a:prstGeom>
+          <a:solidFill>
+            <a:schemeClr val="accent1">
+              <a:lumMod val="40000"/>
+              <a:lumOff val="60000"/>
+              <a:alpha val="23000"/>
+            </a:schemeClr>
+          </a:solidFill>
+          <a:ln w="12700">
+            <a:miter lim="400000"/>
+          </a:ln>
+        </p:spPr>
+        <p:txBody>
+          <a:bodyPr lIns="54570" tIns="54570" rIns="54570" bIns="54570" anchor="ctr"/>
+          <a:lstStyle/>
+          <a:p>
+            <a:pPr>
+              <a:lnSpc>
+                <a:spcPct val="80000"/>
+              </a:lnSpc>
+              <a:spcBef>
+                <a:spcPts val="0"/>
+              </a:spcBef>
+              <a:defRPr sz="1000" b="0">
+                <a:solidFill>
+                  <a:srgbClr val="000000"/>
+                </a:solidFill>
+              </a:defRPr>
+            </a:pPr>
+            <a:endParaRPr dirty="0"/>
+          </a:p>
+        </p:txBody>
+      </p:sp>
+      <p:sp>
+        <p:nvSpPr>
+          <p:cNvPr id="292" name="Line">
+            <a:extLst>
+              <a:ext uri="{FF2B5EF4-FFF2-40B4-BE49-F238E27FC236}">
+                <a16:creationId xmlns:a16="http://schemas.microsoft.com/office/drawing/2014/main" id="{5EAA0770-1D93-F143-9F27-8347511B2999}"/>
+              </a:ext>
+            </a:extLst>
+          </p:cNvPr>
+          <p:cNvSpPr/>
+          <p:nvPr/>
+        </p:nvSpPr>
+        <p:spPr>
+          <a:xfrm>
+            <a:off x="3737932" y="1217208"/>
+            <a:ext cx="6206931" cy="0"/>
+          </a:xfrm>
+          <a:prstGeom prst="line">
+            <a:avLst/>
+          </a:prstGeom>
+          <a:ln w="3175">
+            <a:solidFill>
+              <a:srgbClr val="767C85"/>
+            </a:solidFill>
+            <a:miter lim="400000"/>
+          </a:ln>
+        </p:spPr>
+        <p:txBody>
+          <a:bodyPr lIns="54570" tIns="54570" rIns="54570" bIns="54570" anchor="ctr"/>
+          <a:lstStyle/>
+          <a:p>
+            <a:pPr>
+              <a:lnSpc>
+                <a:spcPct val="80000"/>
+              </a:lnSpc>
+              <a:spcBef>
+                <a:spcPts val="600"/>
+              </a:spcBef>
+              <a:defRPr b="0">
+                <a:solidFill>
+                  <a:srgbClr val="000000"/>
+                </a:solidFill>
+              </a:defRPr>
+            </a:pPr>
+            <a:endParaRPr/>
+          </a:p>
+        </p:txBody>
+      </p:sp>
+      <p:sp>
+        <p:nvSpPr>
+          <p:cNvPr id="293" name="Layout Suggestions">
+            <a:extLst>
+              <a:ext uri="{FF2B5EF4-FFF2-40B4-BE49-F238E27FC236}">
+                <a16:creationId xmlns:a16="http://schemas.microsoft.com/office/drawing/2014/main" id="{692BDE18-978E-304B-A50B-3387EB84F881}"/>
+              </a:ext>
+            </a:extLst>
+          </p:cNvPr>
+          <p:cNvSpPr txBox="1"/>
+          <p:nvPr/>
+        </p:nvSpPr>
+        <p:spPr>
+          <a:xfrm>
+            <a:off x="5700858" y="1282755"/>
+            <a:ext cx="2261838" cy="340029"/>
+          </a:xfrm>
+          <a:prstGeom prst="rect">
+            <a:avLst/>
+          </a:prstGeom>
+          <a:ln w="12700">
+            <a:miter lim="400000"/>
+          </a:ln>
+          <a:extLst>
+            <a:ext uri="{C572A759-6A51-4108-AA02-DFA0A04FC94B}">
+              <ma14:wrappingTextBoxFlag xmlns:ma14="http://schemas.microsoft.com/office/mac/drawingml/2011/main" xmlns:a14="http://schemas.microsoft.com/office/drawing/2010/main" xmlns:m="http://schemas.openxmlformats.org/officeDocument/2006/math" xmlns="" val="1"/>
+            </a:ext>
+          </a:extLst>
+        </p:spPr>
+        <p:txBody>
+          <a:bodyPr wrap="none" lIns="12700" tIns="12700" rIns="12700" bIns="12700" anchor="ctr">
+            <a:spAutoFit/>
+          </a:bodyPr>
+          <a:lstStyle/>
+          <a:p>
+            <a:pPr lvl="1" indent="0">
+              <a:lnSpc>
+                <a:spcPct val="80000"/>
+              </a:lnSpc>
+              <a:spcBef>
+                <a:spcPts val="0"/>
+              </a:spcBef>
+              <a:defRPr sz="2500" b="0">
+                <a:solidFill>
+                  <a:srgbClr val="628DB5"/>
+                </a:solidFill>
+              </a:defRPr>
+            </a:pPr>
+            <a:r>
+              <a:rPr lang="fr-FR" dirty="0" err="1"/>
+              <a:t>Layout</a:t>
+            </a:r>
+            <a:r>
+              <a:rPr lang="fr-FR" dirty="0"/>
+              <a:t> </a:t>
+            </a:r>
+            <a:r>
+              <a:rPr lang="fr-FR" dirty="0" err="1"/>
+              <a:t>Overview</a:t>
+            </a:r>
+            <a:endParaRPr dirty="0"/>
+          </a:p>
+        </p:txBody>
+      </p:sp>
+      <p:sp>
+        <p:nvSpPr>
+          <p:cNvPr id="294" name="Forme libre 293">
+            <a:extLst>
+              <a:ext uri="{FF2B5EF4-FFF2-40B4-BE49-F238E27FC236}">
+                <a16:creationId xmlns:a16="http://schemas.microsoft.com/office/drawing/2014/main" id="{C271C503-5865-1746-BFB7-FB6E6A10944D}"/>
               </a:ext>
             </a:extLst>
           </p:cNvPr>
@@ -5127,10 +6467,10 @@
       </p:sp>
       <p:sp>
         <p:nvSpPr>
-          <p:cNvPr id="17" name="Forme libre 16">
+          <p:cNvPr id="295" name="Forme libre 294">
             <a:extLst>
               <a:ext uri="{FF2B5EF4-FFF2-40B4-BE49-F238E27FC236}">
-                <a16:creationId xmlns:a16="http://schemas.microsoft.com/office/drawing/2014/main" id="{4DFAF0E3-A610-D54F-AF93-29AB2E0E5EA5}"/>
+                <a16:creationId xmlns:a16="http://schemas.microsoft.com/office/drawing/2014/main" id="{F5D66475-BF57-E34E-B84C-25B15C17B238}"/>
               </a:ext>
             </a:extLst>
           </p:cNvPr>
@@ -5254,48 +6594,62 @@
           </a:p>
         </p:txBody>
       </p:sp>
-      <p:pic>
-        <p:nvPicPr>
-          <p:cNvPr id="30" name="Image 29" descr="Une image contenant capture d’écran&#10;&#10;Description générée automatiquement">
+      <p:sp>
+        <p:nvSpPr>
+          <p:cNvPr id="296" name="Group">
             <a:extLst>
               <a:ext uri="{FF2B5EF4-FFF2-40B4-BE49-F238E27FC236}">
-                <a16:creationId xmlns:a16="http://schemas.microsoft.com/office/drawing/2014/main" id="{224BAB7F-80AF-B944-ABF8-7391F8D716F6}"/>
+                <a16:creationId xmlns:a16="http://schemas.microsoft.com/office/drawing/2014/main" id="{431E98EB-4F85-DA4F-A3AF-7DAC1630DAF0}"/>
               </a:ext>
             </a:extLst>
           </p:cNvPr>
-          <p:cNvPicPr>
-            <a:picLocks noChangeAspect="1"/>
-          </p:cNvPicPr>
+          <p:cNvSpPr/>
           <p:nvPr/>
-        </p:nvPicPr>
-        <p:blipFill>
-          <a:blip r:embed="rId8">
-            <a:extLst>
-              <a:ext uri="{28A0092B-C50C-407E-A947-70E740481C1C}">
-                <a14:useLocalDpi xmlns:a14="http://schemas.microsoft.com/office/drawing/2010/main" val="0"/>
-              </a:ext>
-            </a:extLst>
-          </a:blip>
-          <a:stretch>
-            <a:fillRect/>
-          </a:stretch>
-        </p:blipFill>
+        </p:nvSpPr>
         <p:spPr>
           <a:xfrm>
-            <a:off x="3751598" y="1684530"/>
-            <a:ext cx="9909810" cy="8492490"/>
+            <a:off x="11315194" y="4186752"/>
+            <a:ext cx="2268324" cy="5740887"/>
           </a:xfrm>
           <a:prstGeom prst="rect">
             <a:avLst/>
           </a:prstGeom>
+          <a:solidFill>
+            <a:schemeClr val="accent6">
+              <a:alpha val="23776"/>
+            </a:schemeClr>
+          </a:solidFill>
+          <a:ln w="12700">
+            <a:miter lim="400000"/>
+          </a:ln>
         </p:spPr>
-      </p:pic>
+        <p:txBody>
+          <a:bodyPr lIns="54570" tIns="54570" rIns="54570" bIns="54570" anchor="ctr"/>
+          <a:lstStyle/>
+          <a:p>
+            <a:pPr>
+              <a:lnSpc>
+                <a:spcPct val="80000"/>
+              </a:lnSpc>
+              <a:spcBef>
+                <a:spcPts val="0"/>
+              </a:spcBef>
+              <a:defRPr sz="1000" b="0">
+                <a:solidFill>
+                  <a:srgbClr val="000000"/>
+                </a:solidFill>
+              </a:defRPr>
+            </a:pPr>
+            <a:endParaRPr dirty="0"/>
+          </a:p>
+        </p:txBody>
+      </p:sp>
       <p:sp>
         <p:nvSpPr>
-          <p:cNvPr id="117" name="ggplot(mpg, aes(hwy, cty)) +…">
+          <p:cNvPr id="298" name="ggplot(mpg, aes(hwy, cty)) +…">
             <a:extLst>
               <a:ext uri="{FF2B5EF4-FFF2-40B4-BE49-F238E27FC236}">
-                <a16:creationId xmlns:a16="http://schemas.microsoft.com/office/drawing/2014/main" id="{3E55C8D3-161C-6E43-BC57-1EB4E4A7AF0A}"/>
+                <a16:creationId xmlns:a16="http://schemas.microsoft.com/office/drawing/2014/main" id="{8BC610F4-71DC-0A43-AF6A-9641CE12177D}"/>
               </a:ext>
             </a:extLst>
           </p:cNvPr>
@@ -5304,7 +6658,428 @@
         </p:nvSpPr>
         <p:spPr>
           <a:xfrm>
-            <a:off x="6417207" y="3080041"/>
+            <a:off x="11445610" y="4338958"/>
+            <a:ext cx="2043058" cy="294872"/>
+          </a:xfrm>
+          <a:prstGeom prst="rect">
+            <a:avLst/>
+          </a:prstGeom>
+          <a:solidFill>
+            <a:srgbClr val="FFFFFF"/>
+          </a:solidFill>
+          <a:ln w="12700">
+            <a:solidFill>
+              <a:srgbClr val="A6AAA9"/>
+            </a:solidFill>
+            <a:miter lim="400000"/>
+          </a:ln>
+          <a:extLst>
+            <a:ext uri="{C572A759-6A51-4108-AA02-DFA0A04FC94B}">
+              <ma14:wrappingTextBoxFlag xmlns:ma14="http://schemas.microsoft.com/office/mac/drawingml/2011/main" xmlns:a14="http://schemas.microsoft.com/office/drawing/2010/main" xmlns:m="http://schemas.openxmlformats.org/officeDocument/2006/math" xmlns="" val="1"/>
+            </a:ext>
+          </a:extLst>
+        </p:spPr>
+        <p:txBody>
+          <a:bodyPr wrap="square" lIns="54570" tIns="54570" rIns="54570" bIns="54570" anchor="ctr">
+            <a:spAutoFit/>
+          </a:bodyPr>
+          <a:lstStyle/>
+          <a:p>
+            <a:pPr>
+              <a:spcBef>
+                <a:spcPts val="0"/>
+              </a:spcBef>
+              <a:defRPr b="0">
+                <a:solidFill>
+                  <a:srgbClr val="000000"/>
+                </a:solidFill>
+                <a:latin typeface="Menlo"/>
+                <a:ea typeface="Menlo"/>
+                <a:cs typeface="Menlo"/>
+                <a:sym typeface="Menlo"/>
+              </a:defRPr>
+            </a:pPr>
+            <a:r>
+              <a:rPr lang="fr-FR" b="0" dirty="0" err="1">
+                <a:sym typeface="Menlo"/>
+              </a:rPr>
+              <a:t>dashboardHeader</a:t>
+            </a:r>
+            <a:r>
+              <a:rPr lang="fr-FR" b="0" dirty="0">
+                <a:sym typeface="Menlo"/>
+              </a:rPr>
+              <a:t>(...)</a:t>
+            </a:r>
+            <a:endParaRPr dirty="0"/>
+          </a:p>
+        </p:txBody>
+      </p:sp>
+      <p:sp>
+        <p:nvSpPr>
+          <p:cNvPr id="299" name="ggplot(mpg, aes(hwy, cty)) +…">
+            <a:extLst>
+              <a:ext uri="{FF2B5EF4-FFF2-40B4-BE49-F238E27FC236}">
+                <a16:creationId xmlns:a16="http://schemas.microsoft.com/office/drawing/2014/main" id="{7FBD448B-41DF-D244-B643-E78B4EBCF837}"/>
+              </a:ext>
+            </a:extLst>
+          </p:cNvPr>
+          <p:cNvSpPr txBox="1"/>
+          <p:nvPr/>
+        </p:nvSpPr>
+        <p:spPr>
+          <a:xfrm>
+            <a:off x="11574892" y="5415324"/>
+            <a:ext cx="1703003" cy="294872"/>
+          </a:xfrm>
+          <a:prstGeom prst="rect">
+            <a:avLst/>
+          </a:prstGeom>
+          <a:solidFill>
+            <a:srgbClr val="FFFFFF"/>
+          </a:solidFill>
+          <a:ln w="12700">
+            <a:solidFill>
+              <a:srgbClr val="A6AAA9"/>
+            </a:solidFill>
+            <a:miter lim="400000"/>
+          </a:ln>
+          <a:extLst>
+            <a:ext uri="{C572A759-6A51-4108-AA02-DFA0A04FC94B}">
+              <ma14:wrappingTextBoxFlag xmlns:ma14="http://schemas.microsoft.com/office/mac/drawingml/2011/main" xmlns:a14="http://schemas.microsoft.com/office/drawing/2010/main" xmlns:m="http://schemas.openxmlformats.org/officeDocument/2006/math" xmlns="" val="1"/>
+            </a:ext>
+          </a:extLst>
+        </p:spPr>
+        <p:txBody>
+          <a:bodyPr wrap="square" lIns="54570" tIns="54570" rIns="54570" bIns="54570" anchor="ctr">
+            <a:spAutoFit/>
+          </a:bodyPr>
+          <a:lstStyle/>
+          <a:p>
+            <a:pPr>
+              <a:spcBef>
+                <a:spcPts val="0"/>
+              </a:spcBef>
+              <a:defRPr b="0">
+                <a:solidFill>
+                  <a:srgbClr val="000000"/>
+                </a:solidFill>
+                <a:latin typeface="Menlo"/>
+                <a:ea typeface="Menlo"/>
+                <a:cs typeface="Menlo"/>
+                <a:sym typeface="Menlo"/>
+              </a:defRPr>
+            </a:pPr>
+            <a:r>
+              <a:rPr lang="fr-FR" b="0" dirty="0" err="1">
+                <a:sym typeface="Menlo"/>
+              </a:rPr>
+              <a:t>dropdownMenu</a:t>
+            </a:r>
+            <a:r>
+              <a:rPr lang="fr-FR" b="0" dirty="0">
+                <a:sym typeface="Menlo"/>
+              </a:rPr>
+              <a:t>(...)</a:t>
+            </a:r>
+            <a:endParaRPr dirty="0"/>
+          </a:p>
+        </p:txBody>
+      </p:sp>
+      <p:sp>
+        <p:nvSpPr>
+          <p:cNvPr id="300" name="ggplot(mpg, aes(hwy, cty)) +…">
+            <a:extLst>
+              <a:ext uri="{FF2B5EF4-FFF2-40B4-BE49-F238E27FC236}">
+                <a16:creationId xmlns:a16="http://schemas.microsoft.com/office/drawing/2014/main" id="{DE070333-D4C0-B540-957F-8BD2BE9FF91C}"/>
+              </a:ext>
+            </a:extLst>
+          </p:cNvPr>
+          <p:cNvSpPr txBox="1"/>
+          <p:nvPr/>
+        </p:nvSpPr>
+        <p:spPr>
+          <a:xfrm>
+            <a:off x="11365142" y="6422191"/>
+            <a:ext cx="2177099" cy="664204"/>
+          </a:xfrm>
+          <a:prstGeom prst="rect">
+            <a:avLst/>
+          </a:prstGeom>
+          <a:solidFill>
+            <a:srgbClr val="FFFFFF"/>
+          </a:solidFill>
+          <a:ln w="12700">
+            <a:solidFill>
+              <a:srgbClr val="A6AAA9"/>
+            </a:solidFill>
+            <a:miter lim="400000"/>
+          </a:ln>
+          <a:extLst>
+            <a:ext uri="{C572A759-6A51-4108-AA02-DFA0A04FC94B}">
+              <ma14:wrappingTextBoxFlag xmlns:ma14="http://schemas.microsoft.com/office/mac/drawingml/2011/main" xmlns:a14="http://schemas.microsoft.com/office/drawing/2010/main" xmlns:m="http://schemas.openxmlformats.org/officeDocument/2006/math" xmlns="" val="1"/>
+            </a:ext>
+          </a:extLst>
+        </p:spPr>
+        <p:txBody>
+          <a:bodyPr wrap="square" lIns="54570" tIns="54570" rIns="54570" bIns="54570" anchor="ctr">
+            <a:spAutoFit/>
+          </a:bodyPr>
+          <a:lstStyle/>
+          <a:p>
+            <a:pPr>
+              <a:spcBef>
+                <a:spcPts val="0"/>
+              </a:spcBef>
+              <a:defRPr b="0">
+                <a:solidFill>
+                  <a:srgbClr val="000000"/>
+                </a:solidFill>
+                <a:latin typeface="Menlo"/>
+                <a:ea typeface="Menlo"/>
+                <a:cs typeface="Menlo"/>
+                <a:sym typeface="Menlo"/>
+              </a:defRPr>
+            </a:pPr>
+            <a:r>
+              <a:rPr lang="fr-FR" dirty="0" err="1"/>
+              <a:t>messageItems</a:t>
+            </a:r>
+            <a:r>
+              <a:rPr lang="fr-FR" dirty="0"/>
+              <a:t>(...)</a:t>
+            </a:r>
+          </a:p>
+          <a:p>
+            <a:pPr>
+              <a:spcBef>
+                <a:spcPts val="0"/>
+              </a:spcBef>
+              <a:defRPr b="0">
+                <a:solidFill>
+                  <a:srgbClr val="000000"/>
+                </a:solidFill>
+                <a:latin typeface="Menlo"/>
+                <a:ea typeface="Menlo"/>
+                <a:cs typeface="Menlo"/>
+                <a:sym typeface="Menlo"/>
+              </a:defRPr>
+            </a:pPr>
+            <a:r>
+              <a:rPr lang="fr-FR" dirty="0" err="1"/>
+              <a:t>notificationItems</a:t>
+            </a:r>
+            <a:r>
+              <a:rPr lang="fr-FR" dirty="0"/>
+              <a:t>(...)</a:t>
+            </a:r>
+          </a:p>
+          <a:p>
+            <a:pPr>
+              <a:spcBef>
+                <a:spcPts val="0"/>
+              </a:spcBef>
+              <a:defRPr b="0">
+                <a:solidFill>
+                  <a:srgbClr val="000000"/>
+                </a:solidFill>
+                <a:latin typeface="Menlo"/>
+                <a:ea typeface="Menlo"/>
+                <a:cs typeface="Menlo"/>
+                <a:sym typeface="Menlo"/>
+              </a:defRPr>
+            </a:pPr>
+            <a:r>
+              <a:rPr lang="fr-FR" dirty="0" err="1"/>
+              <a:t>taskItems</a:t>
+            </a:r>
+            <a:r>
+              <a:rPr lang="fr-FR" dirty="0"/>
+              <a:t>(...)</a:t>
+            </a:r>
+            <a:endParaRPr dirty="0"/>
+          </a:p>
+        </p:txBody>
+      </p:sp>
+      <p:sp>
+        <p:nvSpPr>
+          <p:cNvPr id="301" name="ggplot(mpg, aes(hwy, cty)) +…">
+            <a:extLst>
+              <a:ext uri="{FF2B5EF4-FFF2-40B4-BE49-F238E27FC236}">
+                <a16:creationId xmlns:a16="http://schemas.microsoft.com/office/drawing/2014/main" id="{DEB0ED50-4F6A-4148-BDE1-367FC76ACF0E}"/>
+              </a:ext>
+            </a:extLst>
+          </p:cNvPr>
+          <p:cNvSpPr txBox="1"/>
+          <p:nvPr/>
+        </p:nvSpPr>
+        <p:spPr>
+          <a:xfrm>
+            <a:off x="8779349" y="2533871"/>
+            <a:ext cx="1769208" cy="294872"/>
+          </a:xfrm>
+          <a:prstGeom prst="rect">
+            <a:avLst/>
+          </a:prstGeom>
+          <a:solidFill>
+            <a:srgbClr val="FFFFFF"/>
+          </a:solidFill>
+          <a:ln w="12700">
+            <a:solidFill>
+              <a:srgbClr val="A6AAA9"/>
+            </a:solidFill>
+            <a:miter lim="400000"/>
+          </a:ln>
+          <a:extLst>
+            <a:ext uri="{C572A759-6A51-4108-AA02-DFA0A04FC94B}">
+              <ma14:wrappingTextBoxFlag xmlns:ma14="http://schemas.microsoft.com/office/mac/drawingml/2011/main" xmlns:a14="http://schemas.microsoft.com/office/drawing/2010/main" xmlns:m="http://schemas.openxmlformats.org/officeDocument/2006/math" xmlns="" val="1"/>
+            </a:ext>
+          </a:extLst>
+        </p:spPr>
+        <p:txBody>
+          <a:bodyPr wrap="square" lIns="54570" tIns="54570" rIns="54570" bIns="54570" anchor="ctr">
+            <a:spAutoFit/>
+          </a:bodyPr>
+          <a:lstStyle/>
+          <a:p>
+            <a:pPr>
+              <a:spcBef>
+                <a:spcPts val="0"/>
+              </a:spcBef>
+              <a:defRPr b="0">
+                <a:solidFill>
+                  <a:srgbClr val="000000"/>
+                </a:solidFill>
+                <a:latin typeface="Menlo"/>
+                <a:ea typeface="Menlo"/>
+                <a:cs typeface="Menlo"/>
+                <a:sym typeface="Menlo"/>
+              </a:defRPr>
+            </a:pPr>
+            <a:r>
+              <a:rPr lang="fr-FR" dirty="0" err="1"/>
+              <a:t>dashboardPage</a:t>
+            </a:r>
+            <a:r>
+              <a:rPr lang="fr-FR" dirty="0"/>
+              <a:t>(...)</a:t>
+            </a:r>
+            <a:endParaRPr dirty="0"/>
+          </a:p>
+        </p:txBody>
+      </p:sp>
+      <p:cxnSp>
+        <p:nvCxnSpPr>
+          <p:cNvPr id="302" name="Connecteur droit avec flèche 301">
+            <a:extLst>
+              <a:ext uri="{FF2B5EF4-FFF2-40B4-BE49-F238E27FC236}">
+                <a16:creationId xmlns:a16="http://schemas.microsoft.com/office/drawing/2014/main" id="{67E5FB5D-0432-E64C-9C85-7C138C284961}"/>
+              </a:ext>
+            </a:extLst>
+          </p:cNvPr>
+          <p:cNvCxnSpPr>
+            <a:cxnSpLocks/>
+          </p:cNvCxnSpPr>
+          <p:nvPr/>
+        </p:nvCxnSpPr>
+        <p:spPr>
+          <a:xfrm flipV="1">
+            <a:off x="7795647" y="2940478"/>
+            <a:ext cx="983702" cy="1006438"/>
+          </a:xfrm>
+          <a:prstGeom prst="straightConnector1">
+            <a:avLst/>
+          </a:prstGeom>
+          <a:noFill/>
+          <a:ln w="63500" cap="flat">
+            <a:solidFill>
+              <a:srgbClr val="000000"/>
+            </a:solidFill>
+            <a:prstDash val="solid"/>
+            <a:miter lim="400000"/>
+            <a:tailEnd type="triangle"/>
+          </a:ln>
+          <a:effectLst/>
+          <a:sp3d/>
+        </p:spPr>
+        <p:style>
+          <a:lnRef idx="0">
+            <a:scrgbClr r="0" g="0" b="0"/>
+          </a:lnRef>
+          <a:fillRef idx="0">
+            <a:scrgbClr r="0" g="0" b="0"/>
+          </a:fillRef>
+          <a:effectRef idx="0">
+            <a:scrgbClr r="0" g="0" b="0"/>
+          </a:effectRef>
+          <a:fontRef idx="none"/>
+        </p:style>
+      </p:cxnSp>
+      <p:sp>
+        <p:nvSpPr>
+          <p:cNvPr id="303" name="Group">
+            <a:extLst>
+              <a:ext uri="{FF2B5EF4-FFF2-40B4-BE49-F238E27FC236}">
+                <a16:creationId xmlns:a16="http://schemas.microsoft.com/office/drawing/2014/main" id="{6D98690A-C989-E740-9F41-E435611B1290}"/>
+              </a:ext>
+            </a:extLst>
+          </p:cNvPr>
+          <p:cNvSpPr/>
+          <p:nvPr/>
+        </p:nvSpPr>
+        <p:spPr>
+          <a:xfrm>
+            <a:off x="6434462" y="4192938"/>
+            <a:ext cx="2522697" cy="5740888"/>
+          </a:xfrm>
+          <a:prstGeom prst="rect">
+            <a:avLst/>
+          </a:prstGeom>
+          <a:solidFill>
+            <a:schemeClr val="accent2">
+              <a:alpha val="23776"/>
+            </a:schemeClr>
+          </a:solidFill>
+          <a:ln w="12700">
+            <a:miter lim="400000"/>
+          </a:ln>
+        </p:spPr>
+        <p:txBody>
+          <a:bodyPr lIns="54570" tIns="54570" rIns="54570" bIns="54570" anchor="ctr"/>
+          <a:lstStyle/>
+          <a:p>
+            <a:pPr>
+              <a:lnSpc>
+                <a:spcPct val="80000"/>
+              </a:lnSpc>
+              <a:spcBef>
+                <a:spcPts val="0"/>
+              </a:spcBef>
+              <a:defRPr sz="1000" b="0">
+                <a:solidFill>
+                  <a:srgbClr val="000000"/>
+                </a:solidFill>
+              </a:defRPr>
+            </a:pPr>
+            <a:endParaRPr dirty="0"/>
+          </a:p>
+        </p:txBody>
+      </p:sp>
+      <p:sp>
+        <p:nvSpPr>
+          <p:cNvPr id="304" name="ggplot(mpg, aes(hwy, cty)) +…">
+            <a:extLst>
+              <a:ext uri="{FF2B5EF4-FFF2-40B4-BE49-F238E27FC236}">
+                <a16:creationId xmlns:a16="http://schemas.microsoft.com/office/drawing/2014/main" id="{91544DFD-BB75-3B4B-82A1-5221520BC938}"/>
+              </a:ext>
+            </a:extLst>
+          </p:cNvPr>
+          <p:cNvSpPr txBox="1"/>
+          <p:nvPr/>
+        </p:nvSpPr>
+        <p:spPr>
+          <a:xfrm>
+            <a:off x="6557677" y="4327536"/>
             <a:ext cx="2251352" cy="294872"/>
           </a:xfrm>
           <a:prstGeom prst="rect">
@@ -5321,7 +7096,7 @@
           </a:ln>
           <a:extLst>
             <a:ext uri="{C572A759-6A51-4108-AA02-DFA0A04FC94B}">
-              <ma14:wrappingTextBoxFlag xmlns="" xmlns:m="http://schemas.openxmlformats.org/officeDocument/2006/math" xmlns:a14="http://schemas.microsoft.com/office/drawing/2010/main" xmlns:ma14="http://schemas.microsoft.com/office/mac/drawingml/2011/main" val="1"/>
+              <ma14:wrappingTextBoxFlag xmlns:ma14="http://schemas.microsoft.com/office/mac/drawingml/2011/main" xmlns:a14="http://schemas.microsoft.com/office/drawing/2010/main" xmlns:m="http://schemas.openxmlformats.org/officeDocument/2006/math" xmlns="" val="1"/>
             </a:ext>
           </a:extLst>
         </p:spPr>
@@ -5347,11 +7122,11 @@
             </a:pPr>
             <a:r>
               <a:rPr lang="fr-FR" dirty="0" err="1"/>
-              <a:t>sidebarSearchForm</a:t>
+              <a:t>dashboardSidebar</a:t>
             </a:r>
             <a:r>
               <a:rPr lang="fr-FR" dirty="0"/>
-              <a:t>(...)</a:t>
+              <a:t>(...,)</a:t>
             </a:r>
             <a:endParaRPr dirty="0"/>
           </a:p>
@@ -5359,10 +7134,10 @@
       </p:sp>
       <p:sp>
         <p:nvSpPr>
-          <p:cNvPr id="118" name="ggplot(mpg, aes(hwy, cty)) +…">
+          <p:cNvPr id="306" name="ggplot(mpg, aes(hwy, cty)) +…">
             <a:extLst>
               <a:ext uri="{FF2B5EF4-FFF2-40B4-BE49-F238E27FC236}">
-                <a16:creationId xmlns:a16="http://schemas.microsoft.com/office/drawing/2014/main" id="{2788E6B9-47D0-974B-8BE5-14CAC89E0E60}"/>
+                <a16:creationId xmlns:a16="http://schemas.microsoft.com/office/drawing/2014/main" id="{F23DF406-90F4-9B4F-94B6-14F59BBE9F4A}"/>
               </a:ext>
             </a:extLst>
           </p:cNvPr>
@@ -5371,8 +7146,8 @@
         </p:nvSpPr>
         <p:spPr>
           <a:xfrm>
-            <a:off x="6424417" y="2523475"/>
-            <a:ext cx="2251352" cy="294872"/>
+            <a:off x="6553421" y="6310340"/>
+            <a:ext cx="2251352" cy="1402867"/>
           </a:xfrm>
           <a:prstGeom prst="rect">
             <a:avLst/>
@@ -5388,7 +7163,7 @@
           </a:ln>
           <a:extLst>
             <a:ext uri="{C572A759-6A51-4108-AA02-DFA0A04FC94B}">
-              <ma14:wrappingTextBoxFlag xmlns="" xmlns:m="http://schemas.openxmlformats.org/officeDocument/2006/math" xmlns:a14="http://schemas.microsoft.com/office/drawing/2010/main" xmlns:ma14="http://schemas.microsoft.com/office/mac/drawingml/2011/main" val="1"/>
+              <ma14:wrappingTextBoxFlag xmlns:ma14="http://schemas.microsoft.com/office/mac/drawingml/2011/main" xmlns:a14="http://schemas.microsoft.com/office/drawing/2010/main" xmlns:m="http://schemas.openxmlformats.org/officeDocument/2006/math" xmlns="" val="1"/>
             </a:ext>
           </a:extLst>
         </p:spPr>
@@ -5414,11 +7189,151 @@
             </a:pPr>
             <a:r>
               <a:rPr lang="fr-FR" dirty="0" err="1"/>
-              <a:t>sidebarUserPanel</a:t>
+              <a:t>menuItem</a:t>
             </a:r>
             <a:r>
               <a:rPr lang="fr-FR" dirty="0"/>
-              <a:t>(...)</a:t>
+              <a:t>(</a:t>
+            </a:r>
+          </a:p>
+          <a:p>
+            <a:pPr>
+              <a:spcBef>
+                <a:spcPts val="0"/>
+              </a:spcBef>
+              <a:defRPr b="0">
+                <a:solidFill>
+                  <a:srgbClr val="000000"/>
+                </a:solidFill>
+                <a:latin typeface="Menlo"/>
+                <a:ea typeface="Menlo"/>
+                <a:cs typeface="Menlo"/>
+                <a:sym typeface="Menlo"/>
+              </a:defRPr>
+            </a:pPr>
+            <a:r>
+              <a:rPr lang="fr-FR" dirty="0"/>
+              <a:t> ..., </a:t>
+            </a:r>
+          </a:p>
+          <a:p>
+            <a:pPr>
+              <a:spcBef>
+                <a:spcPts val="0"/>
+              </a:spcBef>
+              <a:defRPr b="0">
+                <a:solidFill>
+                  <a:srgbClr val="000000"/>
+                </a:solidFill>
+                <a:latin typeface="Menlo"/>
+                <a:ea typeface="Menlo"/>
+                <a:cs typeface="Menlo"/>
+                <a:sym typeface="Menlo"/>
+              </a:defRPr>
+            </a:pPr>
+            <a:endParaRPr lang="fr-FR" dirty="0"/>
+          </a:p>
+          <a:p>
+            <a:pPr>
+              <a:spcBef>
+                <a:spcPts val="0"/>
+              </a:spcBef>
+              <a:defRPr b="0">
+                <a:solidFill>
+                  <a:srgbClr val="000000"/>
+                </a:solidFill>
+                <a:latin typeface="Menlo"/>
+                <a:ea typeface="Menlo"/>
+                <a:cs typeface="Menlo"/>
+                <a:sym typeface="Menlo"/>
+              </a:defRPr>
+            </a:pPr>
+            <a:r>
+              <a:rPr lang="fr-FR" dirty="0"/>
+              <a:t> </a:t>
+            </a:r>
+            <a:r>
+              <a:rPr lang="fr-FR" dirty="0" err="1">
+                <a:solidFill>
+                  <a:schemeClr val="accent5">
+                    <a:lumMod val="60000"/>
+                    <a:lumOff val="40000"/>
+                  </a:schemeClr>
+                </a:solidFill>
+              </a:rPr>
+              <a:t>tabName</a:t>
+            </a:r>
+            <a:r>
+              <a:rPr lang="fr-FR" dirty="0"/>
+              <a:t> = NULL,</a:t>
+            </a:r>
+          </a:p>
+          <a:p>
+            <a:pPr>
+              <a:spcBef>
+                <a:spcPts val="0"/>
+              </a:spcBef>
+              <a:defRPr b="0">
+                <a:solidFill>
+                  <a:srgbClr val="000000"/>
+                </a:solidFill>
+                <a:latin typeface="Menlo"/>
+                <a:ea typeface="Menlo"/>
+                <a:cs typeface="Menlo"/>
+                <a:sym typeface="Menlo"/>
+              </a:defRPr>
+            </a:pPr>
+            <a:r>
+              <a:rPr lang="fr-FR" dirty="0"/>
+              <a:t> </a:t>
+            </a:r>
+          </a:p>
+          <a:p>
+            <a:pPr>
+              <a:spcBef>
+                <a:spcPts val="0"/>
+              </a:spcBef>
+              <a:defRPr b="0">
+                <a:solidFill>
+                  <a:srgbClr val="000000"/>
+                </a:solidFill>
+                <a:latin typeface="Menlo"/>
+                <a:ea typeface="Menlo"/>
+                <a:cs typeface="Menlo"/>
+                <a:sym typeface="Menlo"/>
+              </a:defRPr>
+            </a:pPr>
+            <a:r>
+              <a:rPr lang="fr-FR" dirty="0"/>
+              <a:t> </a:t>
+            </a:r>
+            <a:r>
+              <a:rPr lang="fr-FR" dirty="0" err="1"/>
+              <a:t>href</a:t>
+            </a:r>
+            <a:r>
+              <a:rPr lang="fr-FR" dirty="0"/>
+              <a:t> = NULL</a:t>
+            </a:r>
+          </a:p>
+          <a:p>
+            <a:pPr>
+              <a:spcBef>
+                <a:spcPts val="0"/>
+              </a:spcBef>
+              <a:defRPr b="0">
+                <a:solidFill>
+                  <a:srgbClr val="000000"/>
+                </a:solidFill>
+                <a:latin typeface="Menlo"/>
+                <a:ea typeface="Menlo"/>
+                <a:cs typeface="Menlo"/>
+                <a:sym typeface="Menlo"/>
+              </a:defRPr>
+            </a:pPr>
+            <a:r>
+              <a:rPr lang="fr-FR" dirty="0"/>
+              <a:t>)</a:t>
             </a:r>
             <a:endParaRPr dirty="0"/>
           </a:p>
@@ -5426,10 +7341,10 @@
       </p:sp>
       <p:sp>
         <p:nvSpPr>
-          <p:cNvPr id="122" name="ggplot(mpg, aes(hwy, cty)) +…">
+          <p:cNvPr id="307" name="ggplot(mpg, aes(hwy, cty)) +…">
             <a:extLst>
               <a:ext uri="{FF2B5EF4-FFF2-40B4-BE49-F238E27FC236}">
-                <a16:creationId xmlns:a16="http://schemas.microsoft.com/office/drawing/2014/main" id="{4FF174DF-BC4B-494F-91F8-01BDF35CA0C5}"/>
+                <a16:creationId xmlns:a16="http://schemas.microsoft.com/office/drawing/2014/main" id="{FB4D4EE2-4AAD-0C4F-9CE9-205E57B0AFB9}"/>
               </a:ext>
             </a:extLst>
           </p:cNvPr>
@@ -5438,8 +7353,8 @@
         </p:nvSpPr>
         <p:spPr>
           <a:xfrm>
-            <a:off x="4056181" y="7667671"/>
-            <a:ext cx="1947726" cy="1216800"/>
+            <a:off x="6434463" y="5389363"/>
+            <a:ext cx="2522692" cy="294872"/>
           </a:xfrm>
           <a:prstGeom prst="rect">
             <a:avLst/>
@@ -5455,7 +7370,7 @@
           </a:ln>
           <a:extLst>
             <a:ext uri="{C572A759-6A51-4108-AA02-DFA0A04FC94B}">
-              <ma14:wrappingTextBoxFlag xmlns="" xmlns:m="http://schemas.openxmlformats.org/officeDocument/2006/math" xmlns:a14="http://schemas.microsoft.com/office/drawing/2010/main" xmlns:ma14="http://schemas.microsoft.com/office/mac/drawingml/2011/main" val="1"/>
+              <ma14:wrappingTextBoxFlag xmlns:ma14="http://schemas.microsoft.com/office/mac/drawingml/2011/main" xmlns:a14="http://schemas.microsoft.com/office/drawing/2010/main" xmlns:m="http://schemas.openxmlformats.org/officeDocument/2006/math" xmlns="" val="1"/>
             </a:ext>
           </a:extLst>
         </p:spPr>
@@ -5481,13 +7396,56 @@
             </a:pPr>
             <a:r>
               <a:rPr lang="fr-FR" dirty="0" err="1"/>
-              <a:t>dashboardSidebar</a:t>
+              <a:t>sidebarMenu</a:t>
             </a:r>
             <a:r>
               <a:rPr lang="fr-FR" dirty="0"/>
-              <a:t>(</a:t>
-            </a:r>
-          </a:p>
+              <a:t>(...,id = NULL)</a:t>
+            </a:r>
+            <a:endParaRPr dirty="0"/>
+          </a:p>
+        </p:txBody>
+      </p:sp>
+      <p:sp>
+        <p:nvSpPr>
+          <p:cNvPr id="308" name="ggplot(mpg, aes(hwy, cty)) +…">
+            <a:extLst>
+              <a:ext uri="{FF2B5EF4-FFF2-40B4-BE49-F238E27FC236}">
+                <a16:creationId xmlns:a16="http://schemas.microsoft.com/office/drawing/2014/main" id="{EA9DA41E-436F-7E4B-A27D-5A6BFB1F4752}"/>
+              </a:ext>
+            </a:extLst>
+          </p:cNvPr>
+          <p:cNvSpPr txBox="1"/>
+          <p:nvPr/>
+        </p:nvSpPr>
+        <p:spPr>
+          <a:xfrm>
+            <a:off x="6553421" y="8301873"/>
+            <a:ext cx="2251352" cy="1402867"/>
+          </a:xfrm>
+          <a:prstGeom prst="rect">
+            <a:avLst/>
+          </a:prstGeom>
+          <a:solidFill>
+            <a:srgbClr val="FFFFFF"/>
+          </a:solidFill>
+          <a:ln w="12700">
+            <a:solidFill>
+              <a:srgbClr val="A6AAA9"/>
+            </a:solidFill>
+            <a:miter lim="400000"/>
+          </a:ln>
+          <a:extLst>
+            <a:ext uri="{C572A759-6A51-4108-AA02-DFA0A04FC94B}">
+              <ma14:wrappingTextBoxFlag xmlns:ma14="http://schemas.microsoft.com/office/mac/drawingml/2011/main" xmlns:a14="http://schemas.microsoft.com/office/drawing/2010/main" xmlns:m="http://schemas.openxmlformats.org/officeDocument/2006/math" xmlns="" val="1"/>
+            </a:ext>
+          </a:extLst>
+        </p:spPr>
+        <p:txBody>
+          <a:bodyPr wrap="square" lIns="54570" tIns="54570" rIns="54570" bIns="54570" anchor="ctr">
+            <a:spAutoFit/>
+          </a:bodyPr>
+          <a:lstStyle/>
           <a:p>
             <a:pPr>
               <a:spcBef>
@@ -5504,8 +7462,12 @@
               </a:defRPr>
             </a:pPr>
             <a:r>
+              <a:rPr lang="fr-FR" dirty="0" err="1"/>
+              <a:t>menuSubItem</a:t>
+            </a:r>
+            <a:r>
               <a:rPr lang="fr-FR" dirty="0"/>
-              <a:t> ...,</a:t>
+              <a:t>(</a:t>
             </a:r>
           </a:p>
           <a:p>
@@ -5525,15 +7487,7 @@
             </a:pPr>
             <a:r>
               <a:rPr lang="fr-FR" dirty="0"/>
-              <a:t> </a:t>
-            </a:r>
-            <a:r>
-              <a:rPr lang="fr-FR" dirty="0" err="1"/>
-              <a:t>disable</a:t>
-            </a:r>
-            <a:r>
-              <a:rPr lang="fr-FR" dirty="0"/>
-              <a:t> = FALSE,</a:t>
+              <a:t> ..., </a:t>
             </a:r>
           </a:p>
           <a:p>
@@ -5551,18 +7505,7 @@
                 <a:sym typeface="Menlo"/>
               </a:defRPr>
             </a:pPr>
-            <a:r>
-              <a:rPr lang="fr-FR" dirty="0"/>
-              <a:t> </a:t>
-            </a:r>
-            <a:r>
-              <a:rPr lang="fr-FR" dirty="0" err="1"/>
-              <a:t>width</a:t>
-            </a:r>
-            <a:r>
-              <a:rPr lang="fr-FR" dirty="0"/>
-              <a:t> = "50px",</a:t>
-            </a:r>
+            <a:endParaRPr lang="fr-FR" dirty="0"/>
           </a:p>
           <a:p>
             <a:pPr>
@@ -5584,12 +7527,19 @@
               <a:t> </a:t>
             </a:r>
             <a:r>
-              <a:rPr lang="fr-FR" dirty="0" err="1"/>
-              <a:t>collapsed</a:t>
+              <a:rPr lang="fr-FR" dirty="0" err="1">
+                <a:solidFill>
+                  <a:schemeClr val="accent5">
+                    <a:lumMod val="60000"/>
+                    <a:lumOff val="40000"/>
+                  </a:schemeClr>
+                </a:solidFill>
+              </a:rPr>
+              <a:t>tabName</a:t>
             </a:r>
             <a:r>
               <a:rPr lang="fr-FR" dirty="0"/>
-              <a:t> = TRUE</a:t>
+              <a:t> = NULL,</a:t>
             </a:r>
           </a:p>
           <a:p>
@@ -5609,6 +7559,54 @@
             </a:pPr>
             <a:r>
               <a:rPr lang="fr-FR" dirty="0"/>
+              <a:t> </a:t>
+            </a:r>
+          </a:p>
+          <a:p>
+            <a:pPr>
+              <a:spcBef>
+                <a:spcPts val="0"/>
+              </a:spcBef>
+              <a:defRPr b="0">
+                <a:solidFill>
+                  <a:srgbClr val="000000"/>
+                </a:solidFill>
+                <a:latin typeface="Menlo"/>
+                <a:ea typeface="Menlo"/>
+                <a:cs typeface="Menlo"/>
+                <a:sym typeface="Menlo"/>
+              </a:defRPr>
+            </a:pPr>
+            <a:r>
+              <a:rPr lang="fr-FR" dirty="0"/>
+              <a:t> </a:t>
+            </a:r>
+            <a:r>
+              <a:rPr lang="fr-FR" dirty="0" err="1"/>
+              <a:t>href</a:t>
+            </a:r>
+            <a:r>
+              <a:rPr lang="fr-FR" dirty="0"/>
+              <a:t> = NULL</a:t>
+            </a:r>
+          </a:p>
+          <a:p>
+            <a:pPr>
+              <a:spcBef>
+                <a:spcPts val="0"/>
+              </a:spcBef>
+              <a:defRPr b="0">
+                <a:solidFill>
+                  <a:srgbClr val="000000"/>
+                </a:solidFill>
+                <a:latin typeface="Menlo"/>
+                <a:ea typeface="Menlo"/>
+                <a:cs typeface="Menlo"/>
+                <a:sym typeface="Menlo"/>
+              </a:defRPr>
+            </a:pPr>
+            <a:r>
+              <a:rPr lang="fr-FR" dirty="0"/>
               <a:t>)</a:t>
             </a:r>
             <a:endParaRPr dirty="0"/>
@@ -5617,10 +7615,74 @@
       </p:sp>
       <p:sp>
         <p:nvSpPr>
-          <p:cNvPr id="123" name="Group">
+          <p:cNvPr id="309" name="Layout Suggestions">
             <a:extLst>
               <a:ext uri="{FF2B5EF4-FFF2-40B4-BE49-F238E27FC236}">
-                <a16:creationId xmlns:a16="http://schemas.microsoft.com/office/drawing/2014/main" id="{8091908F-D316-9B49-8152-BD1F02D3406C}"/>
+                <a16:creationId xmlns:a16="http://schemas.microsoft.com/office/drawing/2014/main" id="{6CDC33F1-32F0-9E49-BE42-02FE131C5BDA}"/>
+              </a:ext>
+            </a:extLst>
+          </p:cNvPr>
+          <p:cNvSpPr txBox="1"/>
+          <p:nvPr/>
+        </p:nvSpPr>
+        <p:spPr>
+          <a:xfrm>
+            <a:off x="6899905" y="3181339"/>
+            <a:ext cx="1062791" cy="340029"/>
+          </a:xfrm>
+          <a:prstGeom prst="rect">
+            <a:avLst/>
+          </a:prstGeom>
+          <a:ln w="12700">
+            <a:miter lim="400000"/>
+          </a:ln>
+          <a:extLst>
+            <a:ext uri="{C572A759-6A51-4108-AA02-DFA0A04FC94B}">
+              <ma14:wrappingTextBoxFlag xmlns:ma14="http://schemas.microsoft.com/office/mac/drawingml/2011/main" xmlns:a14="http://schemas.microsoft.com/office/drawing/2010/main" xmlns:m="http://schemas.openxmlformats.org/officeDocument/2006/math" xmlns="" val="1"/>
+            </a:ext>
+          </a:extLst>
+        </p:spPr>
+        <p:txBody>
+          <a:bodyPr wrap="none" lIns="12700" tIns="12700" rIns="12700" bIns="12700" anchor="ctr">
+            <a:spAutoFit/>
+          </a:bodyPr>
+          <a:lstStyle/>
+          <a:p>
+            <a:pPr lvl="1" indent="0">
+              <a:lnSpc>
+                <a:spcPct val="80000"/>
+              </a:lnSpc>
+              <a:spcBef>
+                <a:spcPts val="0"/>
+              </a:spcBef>
+              <a:defRPr sz="2500" b="0">
+                <a:solidFill>
+                  <a:srgbClr val="628DB5"/>
+                </a:solidFill>
+              </a:defRPr>
+            </a:pPr>
+            <a:r>
+              <a:rPr lang="fr-FR" dirty="0" err="1">
+                <a:solidFill>
+                  <a:schemeClr val="accent2"/>
+                </a:solidFill>
+              </a:rPr>
+              <a:t>Sidebar</a:t>
+            </a:r>
+            <a:endParaRPr dirty="0">
+              <a:solidFill>
+                <a:schemeClr val="accent2"/>
+              </a:solidFill>
+            </a:endParaRPr>
+          </a:p>
+        </p:txBody>
+      </p:sp>
+      <p:sp>
+        <p:nvSpPr>
+          <p:cNvPr id="312" name="Group">
+            <a:extLst>
+              <a:ext uri="{FF2B5EF4-FFF2-40B4-BE49-F238E27FC236}">
+                <a16:creationId xmlns:a16="http://schemas.microsoft.com/office/drawing/2014/main" id="{BD33059D-7A7D-404E-9E8E-687CAE17B89B}"/>
               </a:ext>
             </a:extLst>
           </p:cNvPr>
@@ -5629,8 +7691,8 @@
         </p:nvSpPr>
         <p:spPr>
           <a:xfrm>
-            <a:off x="302109" y="6058749"/>
-            <a:ext cx="3148808" cy="3600288"/>
+            <a:off x="9098504" y="4192938"/>
+            <a:ext cx="2075345" cy="5740888"/>
           </a:xfrm>
           <a:prstGeom prst="rect">
             <a:avLst/>
@@ -5665,12 +7727,59 @@
           </a:p>
         </p:txBody>
       </p:sp>
+      <p:cxnSp>
+        <p:nvCxnSpPr>
+          <p:cNvPr id="313" name="Connecteur droit avec flèche 312">
+            <a:extLst>
+              <a:ext uri="{FF2B5EF4-FFF2-40B4-BE49-F238E27FC236}">
+                <a16:creationId xmlns:a16="http://schemas.microsoft.com/office/drawing/2014/main" id="{E8C133C3-A18D-1945-B31C-52901BC067C2}"/>
+              </a:ext>
+            </a:extLst>
+          </p:cNvPr>
+          <p:cNvCxnSpPr>
+            <a:cxnSpLocks/>
+          </p:cNvCxnSpPr>
+          <p:nvPr/>
+        </p:nvCxnSpPr>
+        <p:spPr>
+          <a:xfrm flipV="1">
+            <a:off x="9965254" y="2975939"/>
+            <a:ext cx="0" cy="1003630"/>
+          </a:xfrm>
+          <a:prstGeom prst="straightConnector1">
+            <a:avLst/>
+          </a:prstGeom>
+          <a:noFill/>
+          <a:ln w="63500" cap="flat">
+            <a:solidFill>
+              <a:srgbClr val="000000"/>
+            </a:solidFill>
+            <a:prstDash val="solid"/>
+            <a:miter lim="400000"/>
+            <a:tailEnd type="triangle"/>
+          </a:ln>
+          <a:effectLst/>
+          <a:sp3d/>
+        </p:spPr>
+        <p:style>
+          <a:lnRef idx="0">
+            <a:scrgbClr r="0" g="0" b="0"/>
+          </a:lnRef>
+          <a:fillRef idx="0">
+            <a:scrgbClr r="0" g="0" b="0"/>
+          </a:fillRef>
+          <a:effectRef idx="0">
+            <a:scrgbClr r="0" g="0" b="0"/>
+          </a:effectRef>
+          <a:fontRef idx="none"/>
+        </p:style>
+      </p:cxnSp>
       <p:sp>
         <p:nvSpPr>
-          <p:cNvPr id="124" name="ZoneTexte 123">
+          <p:cNvPr id="314" name="Layout Suggestions">
             <a:extLst>
               <a:ext uri="{FF2B5EF4-FFF2-40B4-BE49-F238E27FC236}">
-                <a16:creationId xmlns:a16="http://schemas.microsoft.com/office/drawing/2014/main" id="{68DFD293-892A-454C-BDC9-69F34E37A1DE}"/>
+                <a16:creationId xmlns:a16="http://schemas.microsoft.com/office/drawing/2014/main" id="{D154FB09-F180-7C4E-904D-4F2FEC7DB8D3}"/>
               </a:ext>
             </a:extLst>
           </p:cNvPr>
@@ -5679,8 +7788,394 @@
         </p:nvSpPr>
         <p:spPr>
           <a:xfrm>
-            <a:off x="397043" y="6083298"/>
-            <a:ext cx="2810144" cy="1243849"/>
+            <a:off x="10133399" y="3523625"/>
+            <a:ext cx="714939" cy="340029"/>
+          </a:xfrm>
+          <a:prstGeom prst="rect">
+            <a:avLst/>
+          </a:prstGeom>
+          <a:ln w="12700">
+            <a:miter lim="400000"/>
+          </a:ln>
+          <a:extLst>
+            <a:ext uri="{C572A759-6A51-4108-AA02-DFA0A04FC94B}">
+              <ma14:wrappingTextBoxFlag xmlns:ma14="http://schemas.microsoft.com/office/mac/drawingml/2011/main" xmlns:a14="http://schemas.microsoft.com/office/drawing/2010/main" xmlns:m="http://schemas.openxmlformats.org/officeDocument/2006/math" xmlns="" val="1"/>
+            </a:ext>
+          </a:extLst>
+        </p:spPr>
+        <p:txBody>
+          <a:bodyPr wrap="none" lIns="12700" tIns="12700" rIns="12700" bIns="12700" anchor="ctr">
+            <a:spAutoFit/>
+          </a:bodyPr>
+          <a:lstStyle/>
+          <a:p>
+            <a:pPr lvl="1" indent="0">
+              <a:lnSpc>
+                <a:spcPct val="80000"/>
+              </a:lnSpc>
+              <a:spcBef>
+                <a:spcPts val="0"/>
+              </a:spcBef>
+              <a:defRPr sz="2500" b="0">
+                <a:solidFill>
+                  <a:srgbClr val="628DB5"/>
+                </a:solidFill>
+              </a:defRPr>
+            </a:pPr>
+            <a:r>
+              <a:rPr lang="fr-FR" dirty="0"/>
+              <a:t>Body</a:t>
+            </a:r>
+            <a:endParaRPr dirty="0"/>
+          </a:p>
+        </p:txBody>
+      </p:sp>
+      <p:sp>
+        <p:nvSpPr>
+          <p:cNvPr id="315" name="ggplot(mpg, aes(hwy, cty)) +…">
+            <a:extLst>
+              <a:ext uri="{FF2B5EF4-FFF2-40B4-BE49-F238E27FC236}">
+                <a16:creationId xmlns:a16="http://schemas.microsoft.com/office/drawing/2014/main" id="{0F28849B-7CAD-4E41-A5BF-AF989670E104}"/>
+              </a:ext>
+            </a:extLst>
+          </p:cNvPr>
+          <p:cNvSpPr txBox="1"/>
+          <p:nvPr/>
+        </p:nvSpPr>
+        <p:spPr>
+          <a:xfrm>
+            <a:off x="9208115" y="4323203"/>
+            <a:ext cx="1865194" cy="294872"/>
+          </a:xfrm>
+          <a:prstGeom prst="rect">
+            <a:avLst/>
+          </a:prstGeom>
+          <a:solidFill>
+            <a:srgbClr val="FFFFFF"/>
+          </a:solidFill>
+          <a:ln w="12700">
+            <a:solidFill>
+              <a:srgbClr val="A6AAA9"/>
+            </a:solidFill>
+            <a:miter lim="400000"/>
+          </a:ln>
+          <a:extLst>
+            <a:ext uri="{C572A759-6A51-4108-AA02-DFA0A04FC94B}">
+              <ma14:wrappingTextBoxFlag xmlns:ma14="http://schemas.microsoft.com/office/mac/drawingml/2011/main" xmlns:a14="http://schemas.microsoft.com/office/drawing/2010/main" xmlns:m="http://schemas.openxmlformats.org/officeDocument/2006/math" xmlns="" val="1"/>
+            </a:ext>
+          </a:extLst>
+        </p:spPr>
+        <p:txBody>
+          <a:bodyPr wrap="square" lIns="54570" tIns="54570" rIns="54570" bIns="54570" anchor="ctr">
+            <a:spAutoFit/>
+          </a:bodyPr>
+          <a:lstStyle/>
+          <a:p>
+            <a:pPr>
+              <a:spcBef>
+                <a:spcPts val="0"/>
+              </a:spcBef>
+              <a:defRPr b="0">
+                <a:solidFill>
+                  <a:srgbClr val="000000"/>
+                </a:solidFill>
+                <a:latin typeface="Menlo"/>
+                <a:ea typeface="Menlo"/>
+                <a:cs typeface="Menlo"/>
+                <a:sym typeface="Menlo"/>
+              </a:defRPr>
+            </a:pPr>
+            <a:r>
+              <a:rPr lang="fr-FR" dirty="0" err="1"/>
+              <a:t>dashboardBody</a:t>
+            </a:r>
+            <a:r>
+              <a:rPr lang="fr-FR" dirty="0"/>
+              <a:t>(...)</a:t>
+            </a:r>
+            <a:endParaRPr dirty="0"/>
+          </a:p>
+        </p:txBody>
+      </p:sp>
+      <p:sp>
+        <p:nvSpPr>
+          <p:cNvPr id="316" name="ggplot(mpg, aes(hwy, cty)) +…">
+            <a:extLst>
+              <a:ext uri="{FF2B5EF4-FFF2-40B4-BE49-F238E27FC236}">
+                <a16:creationId xmlns:a16="http://schemas.microsoft.com/office/drawing/2014/main" id="{CDEFB953-F07C-4344-99B4-3FD788C6D3CA}"/>
+              </a:ext>
+            </a:extLst>
+          </p:cNvPr>
+          <p:cNvSpPr txBox="1"/>
+          <p:nvPr/>
+        </p:nvSpPr>
+        <p:spPr>
+          <a:xfrm>
+            <a:off x="9407575" y="5415324"/>
+            <a:ext cx="1451648" cy="294872"/>
+          </a:xfrm>
+          <a:prstGeom prst="rect">
+            <a:avLst/>
+          </a:prstGeom>
+          <a:solidFill>
+            <a:srgbClr val="FFFFFF"/>
+          </a:solidFill>
+          <a:ln w="12700">
+            <a:solidFill>
+              <a:srgbClr val="A6AAA9"/>
+            </a:solidFill>
+            <a:miter lim="400000"/>
+          </a:ln>
+          <a:extLst>
+            <a:ext uri="{C572A759-6A51-4108-AA02-DFA0A04FC94B}">
+              <ma14:wrappingTextBoxFlag xmlns:ma14="http://schemas.microsoft.com/office/mac/drawingml/2011/main" xmlns:a14="http://schemas.microsoft.com/office/drawing/2010/main" xmlns:m="http://schemas.openxmlformats.org/officeDocument/2006/math" xmlns="" val="1"/>
+            </a:ext>
+          </a:extLst>
+        </p:spPr>
+        <p:txBody>
+          <a:bodyPr wrap="square" lIns="54570" tIns="54570" rIns="54570" bIns="54570" anchor="ctr">
+            <a:spAutoFit/>
+          </a:bodyPr>
+          <a:lstStyle/>
+          <a:p>
+            <a:pPr>
+              <a:spcBef>
+                <a:spcPts val="0"/>
+              </a:spcBef>
+              <a:defRPr b="0">
+                <a:solidFill>
+                  <a:srgbClr val="000000"/>
+                </a:solidFill>
+                <a:latin typeface="Menlo"/>
+                <a:ea typeface="Menlo"/>
+                <a:cs typeface="Menlo"/>
+                <a:sym typeface="Menlo"/>
+              </a:defRPr>
+            </a:pPr>
+            <a:r>
+              <a:rPr lang="fr-FR" dirty="0" err="1"/>
+              <a:t>tabItems</a:t>
+            </a:r>
+            <a:r>
+              <a:rPr lang="fr-FR" dirty="0"/>
+              <a:t>(...)</a:t>
+            </a:r>
+            <a:endParaRPr dirty="0"/>
+          </a:p>
+        </p:txBody>
+      </p:sp>
+      <p:sp>
+        <p:nvSpPr>
+          <p:cNvPr id="317" name="ggplot(mpg, aes(hwy, cty)) +…">
+            <a:extLst>
+              <a:ext uri="{FF2B5EF4-FFF2-40B4-BE49-F238E27FC236}">
+                <a16:creationId xmlns:a16="http://schemas.microsoft.com/office/drawing/2014/main" id="{6CC0CAC7-C47B-9148-9EA0-E0AE7AD92627}"/>
+              </a:ext>
+            </a:extLst>
+          </p:cNvPr>
+          <p:cNvSpPr txBox="1"/>
+          <p:nvPr/>
+        </p:nvSpPr>
+        <p:spPr>
+          <a:xfrm>
+            <a:off x="9191493" y="6314856"/>
+            <a:ext cx="1705348" cy="848870"/>
+          </a:xfrm>
+          <a:prstGeom prst="rect">
+            <a:avLst/>
+          </a:prstGeom>
+          <a:solidFill>
+            <a:srgbClr val="FFFFFF"/>
+          </a:solidFill>
+          <a:ln w="12700">
+            <a:solidFill>
+              <a:srgbClr val="A6AAA9"/>
+            </a:solidFill>
+            <a:miter lim="400000"/>
+          </a:ln>
+          <a:extLst>
+            <a:ext uri="{C572A759-6A51-4108-AA02-DFA0A04FC94B}">
+              <ma14:wrappingTextBoxFlag xmlns:ma14="http://schemas.microsoft.com/office/mac/drawingml/2011/main" xmlns:a14="http://schemas.microsoft.com/office/drawing/2010/main" xmlns:m="http://schemas.openxmlformats.org/officeDocument/2006/math" xmlns="" val="1"/>
+            </a:ext>
+          </a:extLst>
+        </p:spPr>
+        <p:txBody>
+          <a:bodyPr wrap="square" lIns="54570" tIns="54570" rIns="54570" bIns="54570" anchor="ctr">
+            <a:spAutoFit/>
+          </a:bodyPr>
+          <a:lstStyle/>
+          <a:p>
+            <a:pPr>
+              <a:spcBef>
+                <a:spcPts val="0"/>
+              </a:spcBef>
+              <a:defRPr b="0">
+                <a:solidFill>
+                  <a:srgbClr val="000000"/>
+                </a:solidFill>
+                <a:latin typeface="Menlo"/>
+                <a:ea typeface="Menlo"/>
+                <a:cs typeface="Menlo"/>
+                <a:sym typeface="Menlo"/>
+              </a:defRPr>
+            </a:pPr>
+            <a:r>
+              <a:rPr lang="fr-FR" dirty="0" err="1"/>
+              <a:t>tabItem</a:t>
+            </a:r>
+            <a:r>
+              <a:rPr lang="fr-FR" dirty="0"/>
+              <a:t>(</a:t>
+            </a:r>
+          </a:p>
+          <a:p>
+            <a:pPr>
+              <a:spcBef>
+                <a:spcPts val="0"/>
+              </a:spcBef>
+              <a:defRPr b="0">
+                <a:solidFill>
+                  <a:srgbClr val="000000"/>
+                </a:solidFill>
+                <a:latin typeface="Menlo"/>
+                <a:ea typeface="Menlo"/>
+                <a:cs typeface="Menlo"/>
+                <a:sym typeface="Menlo"/>
+              </a:defRPr>
+            </a:pPr>
+            <a:r>
+              <a:rPr lang="fr-FR" dirty="0">
+                <a:solidFill>
+                  <a:schemeClr val="accent5">
+                    <a:lumMod val="60000"/>
+                    <a:lumOff val="40000"/>
+                  </a:schemeClr>
+                </a:solidFill>
+              </a:rPr>
+              <a:t> </a:t>
+            </a:r>
+            <a:r>
+              <a:rPr lang="fr-FR" dirty="0" err="1">
+                <a:solidFill>
+                  <a:schemeClr val="accent5">
+                    <a:lumMod val="60000"/>
+                    <a:lumOff val="40000"/>
+                  </a:schemeClr>
+                </a:solidFill>
+              </a:rPr>
+              <a:t>tabName</a:t>
+            </a:r>
+            <a:r>
+              <a:rPr lang="fr-FR" dirty="0"/>
+              <a:t> = NULL, </a:t>
+            </a:r>
+          </a:p>
+          <a:p>
+            <a:pPr>
+              <a:spcBef>
+                <a:spcPts val="0"/>
+              </a:spcBef>
+              <a:defRPr b="0">
+                <a:solidFill>
+                  <a:srgbClr val="000000"/>
+                </a:solidFill>
+                <a:latin typeface="Menlo"/>
+                <a:ea typeface="Menlo"/>
+                <a:cs typeface="Menlo"/>
+                <a:sym typeface="Menlo"/>
+              </a:defRPr>
+            </a:pPr>
+            <a:r>
+              <a:rPr lang="fr-FR" dirty="0"/>
+              <a:t> ...</a:t>
+            </a:r>
+          </a:p>
+          <a:p>
+            <a:pPr>
+              <a:spcBef>
+                <a:spcPts val="0"/>
+              </a:spcBef>
+              <a:defRPr b="0">
+                <a:solidFill>
+                  <a:srgbClr val="000000"/>
+                </a:solidFill>
+                <a:latin typeface="Menlo"/>
+                <a:ea typeface="Menlo"/>
+                <a:cs typeface="Menlo"/>
+                <a:sym typeface="Menlo"/>
+              </a:defRPr>
+            </a:pPr>
+            <a:r>
+              <a:rPr lang="fr-FR" dirty="0"/>
+              <a:t>)</a:t>
+            </a:r>
+            <a:endParaRPr dirty="0"/>
+          </a:p>
+        </p:txBody>
+      </p:sp>
+      <p:cxnSp>
+        <p:nvCxnSpPr>
+          <p:cNvPr id="318" name="Connecteur droit avec flèche 317">
+            <a:extLst>
+              <a:ext uri="{FF2B5EF4-FFF2-40B4-BE49-F238E27FC236}">
+                <a16:creationId xmlns:a16="http://schemas.microsoft.com/office/drawing/2014/main" id="{57BEC00D-841D-4B4B-A8FD-1FC3602C3A83}"/>
+              </a:ext>
+            </a:extLst>
+          </p:cNvPr>
+          <p:cNvCxnSpPr>
+            <a:cxnSpLocks/>
+          </p:cNvCxnSpPr>
+          <p:nvPr/>
+        </p:nvCxnSpPr>
+        <p:spPr>
+          <a:xfrm flipV="1">
+            <a:off x="10111373" y="4675644"/>
+            <a:ext cx="0" cy="477436"/>
+          </a:xfrm>
+          <a:prstGeom prst="straightConnector1">
+            <a:avLst/>
+          </a:prstGeom>
+          <a:noFill/>
+          <a:ln w="63500" cap="flat">
+            <a:solidFill>
+              <a:srgbClr val="000000"/>
+            </a:solidFill>
+            <a:prstDash val="solid"/>
+            <a:miter lim="400000"/>
+            <a:tailEnd type="triangle"/>
+          </a:ln>
+          <a:effectLst/>
+          <a:sp3d/>
+        </p:spPr>
+        <p:style>
+          <a:lnRef idx="0">
+            <a:scrgbClr r="0" g="0" b="0"/>
+          </a:lnRef>
+          <a:fillRef idx="0">
+            <a:scrgbClr r="0" g="0" b="0"/>
+          </a:fillRef>
+          <a:effectRef idx="0">
+            <a:scrgbClr r="0" g="0" b="0"/>
+          </a:effectRef>
+          <a:fontRef idx="none"/>
+        </p:style>
+      </p:cxnSp>
+      <p:sp>
+        <p:nvSpPr>
+          <p:cNvPr id="320" name="ZoneTexte 319">
+            <a:extLst>
+              <a:ext uri="{FF2B5EF4-FFF2-40B4-BE49-F238E27FC236}">
+                <a16:creationId xmlns:a16="http://schemas.microsoft.com/office/drawing/2014/main" id="{4C501C18-D44B-A940-9959-7D135722EE77}"/>
+              </a:ext>
+            </a:extLst>
+          </p:cNvPr>
+          <p:cNvSpPr txBox="1"/>
+          <p:nvPr/>
+        </p:nvSpPr>
+        <p:spPr>
+          <a:xfrm>
+            <a:off x="9174516" y="7490198"/>
+            <a:ext cx="2113794" cy="1243849"/>
           </a:xfrm>
           <a:prstGeom prst="rect">
             <a:avLst/>
@@ -5742,7 +8237,7 @@
                 <a:cs typeface="Source Sans Pro"/>
                 <a:sym typeface="Source Sans Pro"/>
               </a:rPr>
-              <a:t>One </a:t>
+              <a:t>For </a:t>
             </a:r>
             <a:r>
               <a:rPr kumimoji="0" lang="fr-FR" sz="1200" b="1" i="0" u="none" strike="noStrike" cap="none" spc="0" normalizeH="0" baseline="0" dirty="0" err="1">
@@ -5759,7 +8254,7 @@
                 <a:cs typeface="Source Sans Pro"/>
                 <a:sym typeface="Source Sans Pro"/>
               </a:rPr>
-              <a:t>can</a:t>
+              <a:t>each</a:t>
             </a:r>
             <a:r>
               <a:rPr kumimoji="0" lang="fr-FR" sz="1200" b="1" i="0" u="none" strike="noStrike" cap="none" spc="0" normalizeH="0" baseline="0" dirty="0">
@@ -5793,7 +8288,7 @@
                 <a:cs typeface="Source Sans Pro"/>
                 <a:sym typeface="Source Sans Pro"/>
               </a:rPr>
-              <a:t>provide</a:t>
+              <a:t>tabItem</a:t>
             </a:r>
             <a:r>
               <a:rPr kumimoji="0" lang="fr-FR" sz="1200" b="1" i="0" u="none" strike="noStrike" cap="none" spc="0" normalizeH="0" baseline="0" dirty="0">
@@ -5810,7 +8305,7 @@
                 <a:cs typeface="Source Sans Pro"/>
                 <a:sym typeface="Source Sans Pro"/>
               </a:rPr>
-              <a:t> the </a:t>
+              <a:t>, the </a:t>
             </a:r>
             <a:r>
               <a:rPr kumimoji="0" lang="fr-FR" sz="1200" b="1" i="0" u="none" strike="noStrike" cap="none" spc="0" normalizeH="0" baseline="0" dirty="0" err="1">
@@ -5818,7 +8313,10 @@
                   <a:noFill/>
                 </a:ln>
                 <a:solidFill>
-                  <a:srgbClr val="4C4C4C"/>
+                  <a:schemeClr val="accent5">
+                    <a:lumMod val="60000"/>
+                    <a:lumOff val="40000"/>
+                  </a:schemeClr>
                 </a:solidFill>
                 <a:effectLst/>
                 <a:uFillTx/>
@@ -5844,7 +8342,7 @@
                 <a:cs typeface="Source Sans Pro"/>
                 <a:sym typeface="Source Sans Pro"/>
               </a:rPr>
-              <a:t> argument for </a:t>
+              <a:t> argument must correspond to the </a:t>
             </a:r>
             <a:r>
               <a:rPr kumimoji="0" lang="fr-FR" sz="1200" b="1" i="0" u="none" strike="noStrike" cap="none" spc="0" normalizeH="0" baseline="0" dirty="0" err="1">
@@ -5861,7 +8359,7 @@
                 <a:cs typeface="Source Sans Pro"/>
                 <a:sym typeface="Source Sans Pro"/>
               </a:rPr>
-              <a:t>each</a:t>
+              <a:t>related</a:t>
             </a:r>
             <a:r>
               <a:rPr kumimoji="0" lang="fr-FR" sz="1200" b="1" i="0" u="none" strike="noStrike" cap="none" spc="0" normalizeH="0" baseline="0" dirty="0">
@@ -5912,11 +8410,7 @@
                 <a:cs typeface="Source Sans Pro"/>
                 <a:sym typeface="Source Sans Pro"/>
               </a:rPr>
-              <a:t> </a:t>
-            </a:r>
-            <a:r>
-              <a:rPr lang="fr-FR" dirty="0"/>
-              <a:t>/</a:t>
+              <a:t> or </a:t>
             </a:r>
             <a:r>
               <a:rPr kumimoji="0" lang="fr-FR" sz="1200" b="1" i="0" u="none" strike="noStrike" cap="none" spc="0" normalizeH="0" baseline="0" dirty="0" err="1">
@@ -5936,72 +8430,54 @@
               <a:t>menuSubItem</a:t>
             </a:r>
             <a:r>
+              <a:rPr kumimoji="0" lang="fr-FR" sz="1200" b="1" i="0" u="none" strike="noStrike" cap="none" spc="0" normalizeH="0" baseline="0" dirty="0">
+                <a:ln>
+                  <a:noFill/>
+                </a:ln>
+                <a:solidFill>
+                  <a:srgbClr val="4C4C4C"/>
+                </a:solidFill>
+                <a:effectLst/>
+                <a:uFillTx/>
+                <a:latin typeface="Source Sans Pro"/>
+                <a:ea typeface="Source Sans Pro"/>
+                <a:cs typeface="Source Sans Pro"/>
+                <a:sym typeface="Source Sans Pro"/>
+              </a:rPr>
+              <a:t> in the </a:t>
+            </a:r>
+            <a:r>
+              <a:rPr kumimoji="0" lang="fr-FR" sz="1200" b="1" i="0" u="none" strike="noStrike" cap="none" spc="0" normalizeH="0" baseline="0" dirty="0" err="1">
+                <a:ln>
+                  <a:noFill/>
+                </a:ln>
+                <a:solidFill>
+                  <a:srgbClr val="4C4C4C"/>
+                </a:solidFill>
+                <a:effectLst/>
+                <a:uFillTx/>
+                <a:latin typeface="Source Sans Pro"/>
+                <a:ea typeface="Source Sans Pro"/>
+                <a:cs typeface="Source Sans Pro"/>
+                <a:sym typeface="Source Sans Pro"/>
+              </a:rPr>
+              <a:t>sidebar</a:t>
+            </a:r>
+            <a:r>
+              <a:rPr lang="fr-FR" dirty="0" err="1"/>
+              <a:t>Menu</a:t>
+            </a:r>
+            <a:r>
               <a:rPr lang="fr-FR" dirty="0"/>
-              <a:t>, or </a:t>
+              <a:t>, if </a:t>
             </a:r>
             <a:r>
               <a:rPr lang="fr-FR" dirty="0" err="1"/>
-              <a:t>alternatively</a:t>
+              <a:t>provided</a:t>
             </a:r>
             <a:r>
               <a:rPr lang="fr-FR" dirty="0"/>
-              <a:t>, the </a:t>
-            </a:r>
-            <a:r>
-              <a:rPr lang="fr-FR" dirty="0" err="1"/>
-              <a:t>href</a:t>
-            </a:r>
-            <a:r>
-              <a:rPr lang="fr-FR" dirty="0"/>
-              <a:t> argument. </a:t>
-            </a:r>
-            <a:r>
-              <a:rPr lang="fr-FR" dirty="0" err="1"/>
-              <a:t>While</a:t>
-            </a:r>
-            <a:r>
-              <a:rPr lang="fr-FR" dirty="0"/>
-              <a:t> the first solution must </a:t>
-            </a:r>
-            <a:r>
-              <a:rPr lang="fr-FR" dirty="0" err="1"/>
-              <a:t>be</a:t>
-            </a:r>
-            <a:r>
-              <a:rPr lang="fr-FR" dirty="0"/>
-              <a:t> </a:t>
-            </a:r>
-            <a:r>
-              <a:rPr lang="fr-FR" dirty="0" err="1"/>
-              <a:t>used</a:t>
-            </a:r>
-            <a:r>
-              <a:rPr lang="fr-FR" dirty="0"/>
-              <a:t> in combinaison </a:t>
-            </a:r>
-            <a:r>
-              <a:rPr lang="fr-FR" dirty="0" err="1"/>
-              <a:t>with</a:t>
-            </a:r>
-            <a:r>
-              <a:rPr lang="fr-FR" dirty="0"/>
-              <a:t> the </a:t>
-            </a:r>
-            <a:r>
-              <a:rPr lang="fr-FR" dirty="0" err="1"/>
-              <a:t>dashboard</a:t>
-            </a:r>
-            <a:r>
-              <a:rPr lang="fr-FR" dirty="0"/>
-              <a:t> body </a:t>
-            </a:r>
-            <a:r>
-              <a:rPr lang="fr-FR" dirty="0" err="1"/>
-              <a:t>tabItems</a:t>
-            </a:r>
-            <a:r>
-              <a:rPr lang="fr-FR" dirty="0"/>
-              <a:t>, the second opens a new page. </a:t>
+              <a:t>.</a:t>
             </a:r>
             <a:endParaRPr kumimoji="0" lang="fr-FR" sz="1200" b="1" i="0" u="none" strike="noStrike" cap="none" spc="0" normalizeH="0" baseline="0" dirty="0">
               <a:ln>
@@ -6022,10 +8498,10 @@
       </p:sp>
       <p:sp>
         <p:nvSpPr>
-          <p:cNvPr id="125" name="Layout Suggestions">
+          <p:cNvPr id="321" name="ZoneTexte 320">
             <a:extLst>
               <a:ext uri="{FF2B5EF4-FFF2-40B4-BE49-F238E27FC236}">
-                <a16:creationId xmlns:a16="http://schemas.microsoft.com/office/drawing/2014/main" id="{EA448267-4D25-D34B-BD09-3C177DFA5150}"/>
+                <a16:creationId xmlns:a16="http://schemas.microsoft.com/office/drawing/2014/main" id="{011834A2-6A9D-6848-9BA0-AA2664B11FF2}"/>
               </a:ext>
             </a:extLst>
           </p:cNvPr>
@@ -6034,668 +8510,8 @@
         </p:nvSpPr>
         <p:spPr>
           <a:xfrm>
-            <a:off x="344039" y="5553501"/>
-            <a:ext cx="1062791" cy="340029"/>
-          </a:xfrm>
-          <a:prstGeom prst="rect">
-            <a:avLst/>
-          </a:prstGeom>
-          <a:ln w="12700">
-            <a:miter lim="400000"/>
-          </a:ln>
-          <a:extLst>
-            <a:ext uri="{C572A759-6A51-4108-AA02-DFA0A04FC94B}">
-              <ma14:wrappingTextBoxFlag xmlns="" xmlns:m="http://schemas.openxmlformats.org/officeDocument/2006/math" xmlns:a14="http://schemas.microsoft.com/office/drawing/2010/main" xmlns:ma14="http://schemas.microsoft.com/office/mac/drawingml/2011/main" val="1"/>
-            </a:ext>
-          </a:extLst>
-        </p:spPr>
-        <p:txBody>
-          <a:bodyPr wrap="none" lIns="12700" tIns="12700" rIns="12700" bIns="12700" anchor="ctr">
-            <a:spAutoFit/>
-          </a:bodyPr>
-          <a:lstStyle/>
-          <a:p>
-            <a:pPr lvl="1" indent="0">
-              <a:lnSpc>
-                <a:spcPct val="80000"/>
-              </a:lnSpc>
-              <a:spcBef>
-                <a:spcPts val="0"/>
-              </a:spcBef>
-              <a:defRPr sz="2500" b="0">
-                <a:solidFill>
-                  <a:srgbClr val="628DB5"/>
-                </a:solidFill>
-              </a:defRPr>
-            </a:pPr>
-            <a:r>
-              <a:rPr lang="fr-FR" dirty="0" err="1"/>
-              <a:t>Sidebar</a:t>
-            </a:r>
-            <a:endParaRPr dirty="0"/>
-          </a:p>
-        </p:txBody>
-      </p:sp>
-      <p:sp>
-        <p:nvSpPr>
-          <p:cNvPr id="126" name="Line">
-            <a:extLst>
-              <a:ext uri="{FF2B5EF4-FFF2-40B4-BE49-F238E27FC236}">
-                <a16:creationId xmlns:a16="http://schemas.microsoft.com/office/drawing/2014/main" id="{A9E4CA6E-2679-E74E-8382-A30BA1F6AAB6}"/>
-              </a:ext>
-            </a:extLst>
-          </p:cNvPr>
-          <p:cNvSpPr/>
-          <p:nvPr/>
-        </p:nvSpPr>
-        <p:spPr>
-          <a:xfrm>
-            <a:off x="282688" y="5363732"/>
-            <a:ext cx="3079672" cy="0"/>
-          </a:xfrm>
-          <a:prstGeom prst="line">
-            <a:avLst/>
-          </a:prstGeom>
-          <a:ln w="3175">
-            <a:solidFill>
-              <a:srgbClr val="767C85"/>
-            </a:solidFill>
-            <a:miter lim="400000"/>
-          </a:ln>
-        </p:spPr>
-        <p:txBody>
-          <a:bodyPr lIns="54570" tIns="54570" rIns="54570" bIns="54570" anchor="ctr"/>
-          <a:lstStyle/>
-          <a:p>
-            <a:pPr>
-              <a:lnSpc>
-                <a:spcPct val="80000"/>
-              </a:lnSpc>
-              <a:spcBef>
-                <a:spcPts val="600"/>
-              </a:spcBef>
-              <a:defRPr b="0">
-                <a:solidFill>
-                  <a:srgbClr val="000000"/>
-                </a:solidFill>
-              </a:defRPr>
-            </a:pPr>
-            <a:endParaRPr/>
-          </a:p>
-        </p:txBody>
-      </p:sp>
-      <p:sp>
-        <p:nvSpPr>
-          <p:cNvPr id="127" name="ggplot(mpg, aes(hwy, cty)) +…">
-            <a:extLst>
-              <a:ext uri="{FF2B5EF4-FFF2-40B4-BE49-F238E27FC236}">
-                <a16:creationId xmlns:a16="http://schemas.microsoft.com/office/drawing/2014/main" id="{4ED3223B-2698-D845-A17A-692C79BC0552}"/>
-              </a:ext>
-            </a:extLst>
-          </p:cNvPr>
-          <p:cNvSpPr txBox="1"/>
-          <p:nvPr/>
-        </p:nvSpPr>
-        <p:spPr>
-          <a:xfrm>
-            <a:off x="505352" y="8291411"/>
-            <a:ext cx="2251352" cy="479538"/>
-          </a:xfrm>
-          <a:prstGeom prst="rect">
-            <a:avLst/>
-          </a:prstGeom>
-          <a:solidFill>
-            <a:srgbClr val="FFFFFF"/>
-          </a:solidFill>
-          <a:ln w="12700">
-            <a:solidFill>
-              <a:srgbClr val="A6AAA9"/>
-            </a:solidFill>
-            <a:miter lim="400000"/>
-          </a:ln>
-          <a:extLst>
-            <a:ext uri="{C572A759-6A51-4108-AA02-DFA0A04FC94B}">
-              <ma14:wrappingTextBoxFlag xmlns="" xmlns:m="http://schemas.openxmlformats.org/officeDocument/2006/math" xmlns:a14="http://schemas.microsoft.com/office/drawing/2010/main" xmlns:ma14="http://schemas.microsoft.com/office/mac/drawingml/2011/main" val="1"/>
-            </a:ext>
-          </a:extLst>
-        </p:spPr>
-        <p:txBody>
-          <a:bodyPr wrap="square" lIns="54570" tIns="54570" rIns="54570" bIns="54570" anchor="ctr">
-            <a:spAutoFit/>
-          </a:bodyPr>
-          <a:lstStyle/>
-          <a:p>
-            <a:pPr>
-              <a:spcBef>
-                <a:spcPts val="0"/>
-              </a:spcBef>
-              <a:defRPr b="0">
-                <a:solidFill>
-                  <a:srgbClr val="000000"/>
-                </a:solidFill>
-                <a:latin typeface="Menlo"/>
-                <a:ea typeface="Menlo"/>
-                <a:cs typeface="Menlo"/>
-                <a:sym typeface="Menlo"/>
-              </a:defRPr>
-            </a:pPr>
-            <a:r>
-              <a:rPr lang="fr-FR" dirty="0" err="1"/>
-              <a:t>menuItem</a:t>
-            </a:r>
-            <a:r>
-              <a:rPr lang="fr-FR" dirty="0"/>
-              <a:t>(..., </a:t>
-            </a:r>
-            <a:r>
-              <a:rPr lang="fr-FR" dirty="0" err="1"/>
-              <a:t>tabName</a:t>
-            </a:r>
-            <a:r>
-              <a:rPr lang="fr-FR" dirty="0"/>
-              <a:t>, </a:t>
-            </a:r>
-            <a:r>
-              <a:rPr lang="fr-FR" dirty="0" err="1"/>
-              <a:t>href</a:t>
-            </a:r>
-            <a:r>
-              <a:rPr lang="fr-FR" dirty="0"/>
-              <a:t> = NULL)</a:t>
-            </a:r>
-            <a:endParaRPr dirty="0"/>
-          </a:p>
-        </p:txBody>
-      </p:sp>
-      <p:sp>
-        <p:nvSpPr>
-          <p:cNvPr id="148" name="ggplot(mpg, aes(hwy, cty)) +…">
-            <a:extLst>
-              <a:ext uri="{FF2B5EF4-FFF2-40B4-BE49-F238E27FC236}">
-                <a16:creationId xmlns:a16="http://schemas.microsoft.com/office/drawing/2014/main" id="{7067C7B0-6BA3-C14E-8853-74F82EBE7D95}"/>
-              </a:ext>
-            </a:extLst>
-          </p:cNvPr>
-          <p:cNvSpPr txBox="1"/>
-          <p:nvPr/>
-        </p:nvSpPr>
-        <p:spPr>
-          <a:xfrm>
-            <a:off x="506615" y="7483606"/>
-            <a:ext cx="1640515" cy="664204"/>
-          </a:xfrm>
-          <a:prstGeom prst="rect">
-            <a:avLst/>
-          </a:prstGeom>
-          <a:solidFill>
-            <a:srgbClr val="FFFFFF"/>
-          </a:solidFill>
-          <a:ln w="12700">
-            <a:solidFill>
-              <a:srgbClr val="A6AAA9"/>
-            </a:solidFill>
-            <a:miter lim="400000"/>
-          </a:ln>
-          <a:extLst>
-            <a:ext uri="{C572A759-6A51-4108-AA02-DFA0A04FC94B}">
-              <ma14:wrappingTextBoxFlag xmlns="" xmlns:m="http://schemas.openxmlformats.org/officeDocument/2006/math" xmlns:a14="http://schemas.microsoft.com/office/drawing/2010/main" xmlns:ma14="http://schemas.microsoft.com/office/mac/drawingml/2011/main" val="1"/>
-            </a:ext>
-          </a:extLst>
-        </p:spPr>
-        <p:txBody>
-          <a:bodyPr wrap="square" lIns="54570" tIns="54570" rIns="54570" bIns="54570" anchor="ctr">
-            <a:spAutoFit/>
-          </a:bodyPr>
-          <a:lstStyle/>
-          <a:p>
-            <a:pPr>
-              <a:spcBef>
-                <a:spcPts val="0"/>
-              </a:spcBef>
-              <a:defRPr b="0">
-                <a:solidFill>
-                  <a:srgbClr val="000000"/>
-                </a:solidFill>
-                <a:latin typeface="Menlo"/>
-                <a:ea typeface="Menlo"/>
-                <a:cs typeface="Menlo"/>
-                <a:sym typeface="Menlo"/>
-              </a:defRPr>
-            </a:pPr>
-            <a:r>
-              <a:rPr lang="fr-FR" dirty="0" err="1"/>
-              <a:t>sidebarMenu</a:t>
-            </a:r>
-            <a:r>
-              <a:rPr lang="fr-FR" dirty="0"/>
-              <a:t>(..., id = NULL, .</a:t>
-            </a:r>
-            <a:r>
-              <a:rPr lang="fr-FR" dirty="0" err="1"/>
-              <a:t>list</a:t>
-            </a:r>
-            <a:r>
-              <a:rPr lang="fr-FR" dirty="0"/>
-              <a:t> = NULL)</a:t>
-            </a:r>
-            <a:endParaRPr dirty="0"/>
-          </a:p>
-        </p:txBody>
-      </p:sp>
-      <p:sp>
-        <p:nvSpPr>
-          <p:cNvPr id="154" name="ggplot(mpg, aes(hwy, cty)) +…">
-            <a:extLst>
-              <a:ext uri="{FF2B5EF4-FFF2-40B4-BE49-F238E27FC236}">
-                <a16:creationId xmlns:a16="http://schemas.microsoft.com/office/drawing/2014/main" id="{7A0C0F46-D8A3-A642-88DC-F67A4A3323E6}"/>
-              </a:ext>
-            </a:extLst>
-          </p:cNvPr>
-          <p:cNvSpPr txBox="1"/>
-          <p:nvPr/>
-        </p:nvSpPr>
-        <p:spPr>
-          <a:xfrm>
-            <a:off x="505352" y="8992917"/>
-            <a:ext cx="2251352" cy="479538"/>
-          </a:xfrm>
-          <a:prstGeom prst="rect">
-            <a:avLst/>
-          </a:prstGeom>
-          <a:solidFill>
-            <a:srgbClr val="FFFFFF"/>
-          </a:solidFill>
-          <a:ln w="12700">
-            <a:solidFill>
-              <a:srgbClr val="A6AAA9"/>
-            </a:solidFill>
-            <a:miter lim="400000"/>
-          </a:ln>
-          <a:extLst>
-            <a:ext uri="{C572A759-6A51-4108-AA02-DFA0A04FC94B}">
-              <ma14:wrappingTextBoxFlag xmlns="" xmlns:m="http://schemas.openxmlformats.org/officeDocument/2006/math" xmlns:a14="http://schemas.microsoft.com/office/drawing/2010/main" xmlns:ma14="http://schemas.microsoft.com/office/mac/drawingml/2011/main" val="1"/>
-            </a:ext>
-          </a:extLst>
-        </p:spPr>
-        <p:txBody>
-          <a:bodyPr wrap="square" lIns="54570" tIns="54570" rIns="54570" bIns="54570" anchor="ctr">
-            <a:spAutoFit/>
-          </a:bodyPr>
-          <a:lstStyle/>
-          <a:p>
-            <a:pPr>
-              <a:spcBef>
-                <a:spcPts val="0"/>
-              </a:spcBef>
-              <a:defRPr b="0">
-                <a:solidFill>
-                  <a:srgbClr val="000000"/>
-                </a:solidFill>
-                <a:latin typeface="Menlo"/>
-                <a:ea typeface="Menlo"/>
-                <a:cs typeface="Menlo"/>
-                <a:sym typeface="Menlo"/>
-              </a:defRPr>
-            </a:pPr>
-            <a:r>
-              <a:rPr lang="fr-FR" dirty="0" err="1"/>
-              <a:t>menuSubItem</a:t>
-            </a:r>
-            <a:r>
-              <a:rPr lang="fr-FR" dirty="0"/>
-              <a:t>(..., </a:t>
-            </a:r>
-            <a:r>
-              <a:rPr lang="fr-FR" dirty="0" err="1"/>
-              <a:t>tabName</a:t>
-            </a:r>
-            <a:r>
-              <a:rPr lang="fr-FR" dirty="0"/>
-              <a:t>, </a:t>
-            </a:r>
-            <a:r>
-              <a:rPr lang="fr-FR" dirty="0" err="1"/>
-              <a:t>href</a:t>
-            </a:r>
-            <a:r>
-              <a:rPr lang="fr-FR" dirty="0"/>
-              <a:t> = NULL)</a:t>
-            </a:r>
-            <a:endParaRPr dirty="0"/>
-          </a:p>
-        </p:txBody>
-      </p:sp>
-      <p:sp>
-        <p:nvSpPr>
-          <p:cNvPr id="156" name="Group">
-            <a:extLst>
-              <a:ext uri="{FF2B5EF4-FFF2-40B4-BE49-F238E27FC236}">
-                <a16:creationId xmlns:a16="http://schemas.microsoft.com/office/drawing/2014/main" id="{70C72133-0C6A-5346-84B9-0C0D002FFE01}"/>
-              </a:ext>
-            </a:extLst>
-          </p:cNvPr>
-          <p:cNvSpPr/>
-          <p:nvPr/>
-        </p:nvSpPr>
-        <p:spPr>
-          <a:xfrm>
-            <a:off x="6985000" y="7022253"/>
-            <a:ext cx="6676408" cy="2942655"/>
-          </a:xfrm>
-          <a:prstGeom prst="rect">
-            <a:avLst/>
-          </a:prstGeom>
-          <a:solidFill>
-            <a:srgbClr val="79B0DC">
-              <a:alpha val="23776"/>
-            </a:srgbClr>
-          </a:solidFill>
-          <a:ln w="12700">
-            <a:miter lim="400000"/>
-          </a:ln>
-        </p:spPr>
-        <p:txBody>
-          <a:bodyPr lIns="54570" tIns="54570" rIns="54570" bIns="54570" anchor="ctr"/>
-          <a:lstStyle/>
-          <a:p>
-            <a:pPr>
-              <a:lnSpc>
-                <a:spcPct val="80000"/>
-              </a:lnSpc>
-              <a:spcBef>
-                <a:spcPts val="0"/>
-              </a:spcBef>
-              <a:defRPr sz="1000" b="0">
-                <a:solidFill>
-                  <a:srgbClr val="000000"/>
-                </a:solidFill>
-              </a:defRPr>
-            </a:pPr>
-            <a:endParaRPr dirty="0"/>
-          </a:p>
-        </p:txBody>
-      </p:sp>
-      <p:sp>
-        <p:nvSpPr>
-          <p:cNvPr id="157" name="Layout Suggestions">
-            <a:extLst>
-              <a:ext uri="{FF2B5EF4-FFF2-40B4-BE49-F238E27FC236}">
-                <a16:creationId xmlns:a16="http://schemas.microsoft.com/office/drawing/2014/main" id="{5B7FFA20-328E-0146-A494-C14E60FF40C2}"/>
-              </a:ext>
-            </a:extLst>
-          </p:cNvPr>
-          <p:cNvSpPr txBox="1"/>
-          <p:nvPr/>
-        </p:nvSpPr>
-        <p:spPr>
-          <a:xfrm>
-            <a:off x="9803013" y="6540890"/>
-            <a:ext cx="714939" cy="340029"/>
-          </a:xfrm>
-          <a:prstGeom prst="rect">
-            <a:avLst/>
-          </a:prstGeom>
-          <a:ln w="12700">
-            <a:miter lim="400000"/>
-          </a:ln>
-          <a:extLst>
-            <a:ext uri="{C572A759-6A51-4108-AA02-DFA0A04FC94B}">
-              <ma14:wrappingTextBoxFlag xmlns="" xmlns:m="http://schemas.openxmlformats.org/officeDocument/2006/math" xmlns:a14="http://schemas.microsoft.com/office/drawing/2010/main" xmlns:ma14="http://schemas.microsoft.com/office/mac/drawingml/2011/main" val="1"/>
-            </a:ext>
-          </a:extLst>
-        </p:spPr>
-        <p:txBody>
-          <a:bodyPr wrap="none" lIns="12700" tIns="12700" rIns="12700" bIns="12700" anchor="ctr">
-            <a:spAutoFit/>
-          </a:bodyPr>
-          <a:lstStyle/>
-          <a:p>
-            <a:pPr lvl="1" indent="0">
-              <a:lnSpc>
-                <a:spcPct val="80000"/>
-              </a:lnSpc>
-              <a:spcBef>
-                <a:spcPts val="0"/>
-              </a:spcBef>
-              <a:defRPr sz="2500" b="0">
-                <a:solidFill>
-                  <a:srgbClr val="628DB5"/>
-                </a:solidFill>
-              </a:defRPr>
-            </a:pPr>
-            <a:r>
-              <a:rPr lang="fr-FR" dirty="0"/>
-              <a:t>Body</a:t>
-            </a:r>
-            <a:endParaRPr dirty="0"/>
-          </a:p>
-        </p:txBody>
-      </p:sp>
-      <p:sp>
-        <p:nvSpPr>
-          <p:cNvPr id="158" name="ggplot(mpg, aes(hwy, cty)) +…">
-            <a:extLst>
-              <a:ext uri="{FF2B5EF4-FFF2-40B4-BE49-F238E27FC236}">
-                <a16:creationId xmlns:a16="http://schemas.microsoft.com/office/drawing/2014/main" id="{3D0ED619-F634-F44A-B2F2-E69A0DE2599C}"/>
-              </a:ext>
-            </a:extLst>
-          </p:cNvPr>
-          <p:cNvSpPr txBox="1"/>
-          <p:nvPr/>
-        </p:nvSpPr>
-        <p:spPr>
-          <a:xfrm>
-            <a:off x="7383904" y="7212510"/>
-            <a:ext cx="1976563" cy="294872"/>
-          </a:xfrm>
-          <a:prstGeom prst="rect">
-            <a:avLst/>
-          </a:prstGeom>
-          <a:solidFill>
-            <a:srgbClr val="FFFFFF"/>
-          </a:solidFill>
-          <a:ln w="12700">
-            <a:solidFill>
-              <a:srgbClr val="A6AAA9"/>
-            </a:solidFill>
-            <a:miter lim="400000"/>
-          </a:ln>
-          <a:extLst>
-            <a:ext uri="{C572A759-6A51-4108-AA02-DFA0A04FC94B}">
-              <ma14:wrappingTextBoxFlag xmlns="" xmlns:m="http://schemas.openxmlformats.org/officeDocument/2006/math" xmlns:a14="http://schemas.microsoft.com/office/drawing/2010/main" xmlns:ma14="http://schemas.microsoft.com/office/mac/drawingml/2011/main" val="1"/>
-            </a:ext>
-          </a:extLst>
-        </p:spPr>
-        <p:txBody>
-          <a:bodyPr wrap="square" lIns="54570" tIns="54570" rIns="54570" bIns="54570" anchor="ctr">
-            <a:spAutoFit/>
-          </a:bodyPr>
-          <a:lstStyle/>
-          <a:p>
-            <a:pPr>
-              <a:spcBef>
-                <a:spcPts val="0"/>
-              </a:spcBef>
-              <a:defRPr b="0">
-                <a:solidFill>
-                  <a:srgbClr val="000000"/>
-                </a:solidFill>
-                <a:latin typeface="Menlo"/>
-                <a:ea typeface="Menlo"/>
-                <a:cs typeface="Menlo"/>
-                <a:sym typeface="Menlo"/>
-              </a:defRPr>
-            </a:pPr>
-            <a:r>
-              <a:rPr lang="fr-FR" dirty="0" err="1"/>
-              <a:t>dashboardBody</a:t>
-            </a:r>
-            <a:r>
-              <a:rPr lang="fr-FR" dirty="0"/>
-              <a:t>(...)</a:t>
-            </a:r>
-            <a:endParaRPr dirty="0"/>
-          </a:p>
-        </p:txBody>
-      </p:sp>
-      <p:sp>
-        <p:nvSpPr>
-          <p:cNvPr id="159" name="ggplot(mpg, aes(hwy, cty)) +…">
-            <a:extLst>
-              <a:ext uri="{FF2B5EF4-FFF2-40B4-BE49-F238E27FC236}">
-                <a16:creationId xmlns:a16="http://schemas.microsoft.com/office/drawing/2014/main" id="{508CDB14-BBBE-0147-9033-62CBEB37BC7A}"/>
-              </a:ext>
-            </a:extLst>
-          </p:cNvPr>
-          <p:cNvSpPr txBox="1"/>
-          <p:nvPr/>
-        </p:nvSpPr>
-        <p:spPr>
-          <a:xfrm>
-            <a:off x="7360393" y="8147810"/>
-            <a:ext cx="1976563" cy="294872"/>
-          </a:xfrm>
-          <a:prstGeom prst="rect">
-            <a:avLst/>
-          </a:prstGeom>
-          <a:solidFill>
-            <a:srgbClr val="FFFFFF"/>
-          </a:solidFill>
-          <a:ln w="12700">
-            <a:solidFill>
-              <a:srgbClr val="A6AAA9"/>
-            </a:solidFill>
-            <a:miter lim="400000"/>
-          </a:ln>
-          <a:extLst>
-            <a:ext uri="{C572A759-6A51-4108-AA02-DFA0A04FC94B}">
-              <ma14:wrappingTextBoxFlag xmlns="" xmlns:m="http://schemas.openxmlformats.org/officeDocument/2006/math" xmlns:a14="http://schemas.microsoft.com/office/drawing/2010/main" xmlns:ma14="http://schemas.microsoft.com/office/mac/drawingml/2011/main" val="1"/>
-            </a:ext>
-          </a:extLst>
-        </p:spPr>
-        <p:txBody>
-          <a:bodyPr wrap="square" lIns="54570" tIns="54570" rIns="54570" bIns="54570" anchor="ctr">
-            <a:spAutoFit/>
-          </a:bodyPr>
-          <a:lstStyle/>
-          <a:p>
-            <a:pPr>
-              <a:spcBef>
-                <a:spcPts val="0"/>
-              </a:spcBef>
-              <a:defRPr b="0">
-                <a:solidFill>
-                  <a:srgbClr val="000000"/>
-                </a:solidFill>
-                <a:latin typeface="Menlo"/>
-                <a:ea typeface="Menlo"/>
-                <a:cs typeface="Menlo"/>
-                <a:sym typeface="Menlo"/>
-              </a:defRPr>
-            </a:pPr>
-            <a:r>
-              <a:rPr lang="fr-FR" dirty="0" err="1"/>
-              <a:t>tabItems</a:t>
-            </a:r>
-            <a:r>
-              <a:rPr lang="fr-FR" dirty="0"/>
-              <a:t>(...)</a:t>
-            </a:r>
-            <a:endParaRPr dirty="0"/>
-          </a:p>
-        </p:txBody>
-      </p:sp>
-      <p:sp>
-        <p:nvSpPr>
-          <p:cNvPr id="163" name="ggplot(mpg, aes(hwy, cty)) +…">
-            <a:extLst>
-              <a:ext uri="{FF2B5EF4-FFF2-40B4-BE49-F238E27FC236}">
-                <a16:creationId xmlns:a16="http://schemas.microsoft.com/office/drawing/2014/main" id="{25FD38CA-8641-7D49-B9A6-01EF21E0C735}"/>
-              </a:ext>
-            </a:extLst>
-          </p:cNvPr>
-          <p:cNvSpPr txBox="1"/>
-          <p:nvPr/>
-        </p:nvSpPr>
-        <p:spPr>
-          <a:xfrm>
-            <a:off x="7383904" y="9190126"/>
-            <a:ext cx="2706602" cy="294872"/>
-          </a:xfrm>
-          <a:prstGeom prst="rect">
-            <a:avLst/>
-          </a:prstGeom>
-          <a:solidFill>
-            <a:srgbClr val="FFFFFF"/>
-          </a:solidFill>
-          <a:ln w="12700">
-            <a:solidFill>
-              <a:srgbClr val="A6AAA9"/>
-            </a:solidFill>
-            <a:miter lim="400000"/>
-          </a:ln>
-          <a:extLst>
-            <a:ext uri="{C572A759-6A51-4108-AA02-DFA0A04FC94B}">
-              <ma14:wrappingTextBoxFlag xmlns="" xmlns:m="http://schemas.openxmlformats.org/officeDocument/2006/math" xmlns:a14="http://schemas.microsoft.com/office/drawing/2010/main" xmlns:ma14="http://schemas.microsoft.com/office/mac/drawingml/2011/main" val="1"/>
-            </a:ext>
-          </a:extLst>
-        </p:spPr>
-        <p:txBody>
-          <a:bodyPr wrap="square" lIns="54570" tIns="54570" rIns="54570" bIns="54570" anchor="ctr">
-            <a:spAutoFit/>
-          </a:bodyPr>
-          <a:lstStyle/>
-          <a:p>
-            <a:pPr>
-              <a:spcBef>
-                <a:spcPts val="0"/>
-              </a:spcBef>
-              <a:defRPr b="0">
-                <a:solidFill>
-                  <a:srgbClr val="000000"/>
-                </a:solidFill>
-                <a:latin typeface="Menlo"/>
-                <a:ea typeface="Menlo"/>
-                <a:cs typeface="Menlo"/>
-                <a:sym typeface="Menlo"/>
-              </a:defRPr>
-            </a:pPr>
-            <a:r>
-              <a:rPr lang="fr-FR" dirty="0" err="1"/>
-              <a:t>tabItem</a:t>
-            </a:r>
-            <a:r>
-              <a:rPr lang="fr-FR" dirty="0"/>
-              <a:t>(</a:t>
-            </a:r>
-            <a:r>
-              <a:rPr lang="fr-FR" dirty="0" err="1"/>
-              <a:t>tabName</a:t>
-            </a:r>
-            <a:r>
-              <a:rPr lang="fr-FR" dirty="0"/>
-              <a:t> = NULL, ...)</a:t>
-            </a:r>
-            <a:endParaRPr dirty="0"/>
-          </a:p>
-        </p:txBody>
-      </p:sp>
-      <p:sp>
-        <p:nvSpPr>
-          <p:cNvPr id="164" name="ZoneTexte 163">
-            <a:extLst>
-              <a:ext uri="{FF2B5EF4-FFF2-40B4-BE49-F238E27FC236}">
-                <a16:creationId xmlns:a16="http://schemas.microsoft.com/office/drawing/2014/main" id="{70E895FA-F4DF-784C-B6B3-889F72349E27}"/>
-              </a:ext>
-            </a:extLst>
-          </p:cNvPr>
-          <p:cNvSpPr txBox="1"/>
-          <p:nvPr/>
-        </p:nvSpPr>
-        <p:spPr>
-          <a:xfrm>
-            <a:off x="10729668" y="7735779"/>
-            <a:ext cx="1950658" cy="1243849"/>
+            <a:off x="3889507" y="6877927"/>
+            <a:ext cx="2308802" cy="1613181"/>
           </a:xfrm>
           <a:prstGeom prst="rect">
             <a:avLst/>
@@ -6748,7 +8564,9 @@
                   <a:noFill/>
                 </a:ln>
                 <a:solidFill>
-                  <a:srgbClr val="4C4C4C"/>
+                  <a:schemeClr val="bg2">
+                    <a:lumMod val="10000"/>
+                  </a:schemeClr>
                 </a:solidFill>
                 <a:effectLst/>
                 <a:uFillTx/>
@@ -6757,7 +8575,7 @@
                 <a:cs typeface="Source Sans Pro"/>
                 <a:sym typeface="Source Sans Pro"/>
               </a:rPr>
-              <a:t>For </a:t>
+              <a:t>One </a:t>
             </a:r>
             <a:r>
               <a:rPr kumimoji="0" lang="fr-FR" sz="1200" b="1" i="0" u="none" strike="noStrike" cap="none" spc="0" normalizeH="0" baseline="0" dirty="0" err="1">
@@ -6765,7 +8583,123 @@
                   <a:noFill/>
                 </a:ln>
                 <a:solidFill>
-                  <a:srgbClr val="4C4C4C"/>
+                  <a:schemeClr val="bg2">
+                    <a:lumMod val="10000"/>
+                  </a:schemeClr>
+                </a:solidFill>
+                <a:effectLst/>
+                <a:uFillTx/>
+                <a:latin typeface="Source Sans Pro"/>
+                <a:ea typeface="Source Sans Pro"/>
+                <a:cs typeface="Source Sans Pro"/>
+                <a:sym typeface="Source Sans Pro"/>
+              </a:rPr>
+              <a:t>can</a:t>
+            </a:r>
+            <a:r>
+              <a:rPr kumimoji="0" lang="fr-FR" sz="1200" b="1" i="0" u="none" strike="noStrike" cap="none" spc="0" normalizeH="0" baseline="0" dirty="0">
+                <a:ln>
+                  <a:noFill/>
+                </a:ln>
+                <a:solidFill>
+                  <a:schemeClr val="bg2">
+                    <a:lumMod val="10000"/>
+                  </a:schemeClr>
+                </a:solidFill>
+                <a:effectLst/>
+                <a:uFillTx/>
+                <a:latin typeface="Source Sans Pro"/>
+                <a:ea typeface="Source Sans Pro"/>
+                <a:cs typeface="Source Sans Pro"/>
+                <a:sym typeface="Source Sans Pro"/>
+              </a:rPr>
+              <a:t> </a:t>
+            </a:r>
+            <a:r>
+              <a:rPr kumimoji="0" lang="fr-FR" sz="1200" b="1" i="0" u="none" strike="noStrike" cap="none" spc="0" normalizeH="0" baseline="0" dirty="0" err="1">
+                <a:ln>
+                  <a:noFill/>
+                </a:ln>
+                <a:solidFill>
+                  <a:schemeClr val="bg2">
+                    <a:lumMod val="10000"/>
+                  </a:schemeClr>
+                </a:solidFill>
+                <a:effectLst/>
+                <a:uFillTx/>
+                <a:latin typeface="Source Sans Pro"/>
+                <a:ea typeface="Source Sans Pro"/>
+                <a:cs typeface="Source Sans Pro"/>
+                <a:sym typeface="Source Sans Pro"/>
+              </a:rPr>
+              <a:t>provide</a:t>
+            </a:r>
+            <a:r>
+              <a:rPr kumimoji="0" lang="fr-FR" sz="1200" b="1" i="0" u="none" strike="noStrike" cap="none" spc="0" normalizeH="0" baseline="0" dirty="0">
+                <a:ln>
+                  <a:noFill/>
+                </a:ln>
+                <a:solidFill>
+                  <a:schemeClr val="bg2">
+                    <a:lumMod val="10000"/>
+                  </a:schemeClr>
+                </a:solidFill>
+                <a:effectLst/>
+                <a:uFillTx/>
+                <a:latin typeface="Source Sans Pro"/>
+                <a:ea typeface="Source Sans Pro"/>
+                <a:cs typeface="Source Sans Pro"/>
+                <a:sym typeface="Source Sans Pro"/>
+              </a:rPr>
+              <a:t> the </a:t>
+            </a:r>
+            <a:r>
+              <a:rPr kumimoji="0" lang="fr-FR" sz="1200" b="1" i="0" u="none" strike="noStrike" cap="none" spc="0" normalizeH="0" baseline="0" dirty="0" err="1">
+                <a:ln>
+                  <a:noFill/>
+                </a:ln>
+                <a:solidFill>
+                  <a:schemeClr val="bg2">
+                    <a:lumMod val="10000"/>
+                  </a:schemeClr>
+                </a:solidFill>
+                <a:effectLst/>
+                <a:uFillTx/>
+                <a:latin typeface="Source Sans Pro"/>
+                <a:ea typeface="Source Sans Pro"/>
+                <a:cs typeface="Source Sans Pro"/>
+                <a:sym typeface="Source Sans Pro"/>
+              </a:rPr>
+              <a:t>tabName</a:t>
+            </a:r>
+            <a:r>
+              <a:rPr kumimoji="0" lang="fr-FR" sz="1200" b="1" i="0" u="none" strike="noStrike" cap="none" spc="0" normalizeH="0" baseline="0" dirty="0">
+                <a:ln>
+                  <a:noFill/>
+                </a:ln>
+                <a:solidFill>
+                  <a:schemeClr val="bg2">
+                    <a:lumMod val="10000"/>
+                  </a:schemeClr>
+                </a:solidFill>
+                <a:effectLst/>
+                <a:uFillTx/>
+                <a:latin typeface="Source Sans Pro"/>
+                <a:ea typeface="Source Sans Pro"/>
+                <a:cs typeface="Source Sans Pro"/>
+                <a:sym typeface="Source Sans Pro"/>
+              </a:rPr>
+              <a:t> argument for </a:t>
+            </a:r>
+            <a:r>
+              <a:rPr kumimoji="0" lang="fr-FR" sz="1200" b="1" i="0" u="none" strike="noStrike" cap="none" spc="0" normalizeH="0" baseline="0" dirty="0" err="1">
+                <a:ln>
+                  <a:noFill/>
+                </a:ln>
+                <a:solidFill>
+                  <a:schemeClr val="bg2">
+                    <a:lumMod val="10000"/>
+                  </a:schemeClr>
                 </a:solidFill>
                 <a:effectLst/>
                 <a:uFillTx/>
@@ -6782,7 +8716,9 @@
                   <a:noFill/>
                 </a:ln>
                 <a:solidFill>
-                  <a:srgbClr val="4C4C4C"/>
+                  <a:schemeClr val="bg2">
+                    <a:lumMod val="10000"/>
+                  </a:schemeClr>
                 </a:solidFill>
                 <a:effectLst/>
                 <a:uFillTx/>
@@ -6799,7 +8735,9 @@
                   <a:noFill/>
                 </a:ln>
                 <a:solidFill>
-                  <a:srgbClr val="4C4C4C"/>
+                  <a:schemeClr val="bg2">
+                    <a:lumMod val="10000"/>
+                  </a:schemeClr>
                 </a:solidFill>
                 <a:effectLst/>
                 <a:uFillTx/>
@@ -6808,7 +8746,7 @@
                 <a:cs typeface="Source Sans Pro"/>
                 <a:sym typeface="Source Sans Pro"/>
               </a:rPr>
-              <a:t>tabItem</a:t>
+              <a:t>menuItem</a:t>
             </a:r>
             <a:r>
               <a:rPr kumimoji="0" lang="fr-FR" sz="1200" b="1" i="0" u="none" strike="noStrike" cap="none" spc="0" normalizeH="0" baseline="0" dirty="0">
@@ -6816,75 +8754,9 @@
                   <a:noFill/>
                 </a:ln>
                 <a:solidFill>
-                  <a:srgbClr val="4C4C4C"/>
-                </a:solidFill>
-                <a:effectLst/>
-                <a:uFillTx/>
-                <a:latin typeface="Source Sans Pro"/>
-                <a:ea typeface="Source Sans Pro"/>
-                <a:cs typeface="Source Sans Pro"/>
-                <a:sym typeface="Source Sans Pro"/>
-              </a:rPr>
-              <a:t>, the </a:t>
-            </a:r>
-            <a:r>
-              <a:rPr kumimoji="0" lang="fr-FR" sz="1200" b="1" i="0" u="none" strike="noStrike" cap="none" spc="0" normalizeH="0" baseline="0" dirty="0" err="1">
-                <a:ln>
-                  <a:noFill/>
-                </a:ln>
-                <a:solidFill>
-                  <a:srgbClr val="4C4C4C"/>
-                </a:solidFill>
-                <a:effectLst/>
-                <a:uFillTx/>
-                <a:latin typeface="Source Sans Pro"/>
-                <a:ea typeface="Source Sans Pro"/>
-                <a:cs typeface="Source Sans Pro"/>
-                <a:sym typeface="Source Sans Pro"/>
-              </a:rPr>
-              <a:t>tabName</a:t>
-            </a:r>
-            <a:r>
-              <a:rPr kumimoji="0" lang="fr-FR" sz="1200" b="1" i="0" u="none" strike="noStrike" cap="none" spc="0" normalizeH="0" baseline="0" dirty="0">
-                <a:ln>
-                  <a:noFill/>
-                </a:ln>
-                <a:solidFill>
-                  <a:srgbClr val="4C4C4C"/>
-                </a:solidFill>
-                <a:effectLst/>
-                <a:uFillTx/>
-                <a:latin typeface="Source Sans Pro"/>
-                <a:ea typeface="Source Sans Pro"/>
-                <a:cs typeface="Source Sans Pro"/>
-                <a:sym typeface="Source Sans Pro"/>
-              </a:rPr>
-              <a:t> argument must correspond to the </a:t>
-            </a:r>
-            <a:r>
-              <a:rPr kumimoji="0" lang="fr-FR" sz="1200" b="1" i="0" u="none" strike="noStrike" cap="none" spc="0" normalizeH="0" baseline="0" dirty="0" err="1">
-                <a:ln>
-                  <a:noFill/>
-                </a:ln>
-                <a:solidFill>
-                  <a:srgbClr val="4C4C4C"/>
-                </a:solidFill>
-                <a:effectLst/>
-                <a:uFillTx/>
-                <a:latin typeface="Source Sans Pro"/>
-                <a:ea typeface="Source Sans Pro"/>
-                <a:cs typeface="Source Sans Pro"/>
-                <a:sym typeface="Source Sans Pro"/>
-              </a:rPr>
-              <a:t>related</a:t>
-            </a:r>
-            <a:r>
-              <a:rPr kumimoji="0" lang="fr-FR" sz="1200" b="1" i="0" u="none" strike="noStrike" cap="none" spc="0" normalizeH="0" baseline="0" dirty="0">
-                <a:ln>
-                  <a:noFill/>
-                </a:ln>
-                <a:solidFill>
-                  <a:srgbClr val="4C4C4C"/>
+                  <a:schemeClr val="bg2">
+                    <a:lumMod val="10000"/>
+                  </a:schemeClr>
                 </a:solidFill>
                 <a:effectLst/>
                 <a:uFillTx/>
@@ -6896,46 +8768,24 @@
               <a:t> </a:t>
             </a:r>
             <a:r>
+              <a:rPr lang="fr-FR" dirty="0">
+                <a:solidFill>
+                  <a:schemeClr val="bg2">
+                    <a:lumMod val="10000"/>
+                  </a:schemeClr>
+                </a:solidFill>
+              </a:rPr>
+              <a:t>/</a:t>
+            </a:r>
+            <a:r>
               <a:rPr kumimoji="0" lang="fr-FR" sz="1200" b="1" i="0" u="none" strike="noStrike" cap="none" spc="0" normalizeH="0" baseline="0" dirty="0" err="1">
                 <a:ln>
                   <a:noFill/>
                 </a:ln>
                 <a:solidFill>
-                  <a:srgbClr val="4C4C4C"/>
-                </a:solidFill>
-                <a:effectLst/>
-                <a:uFillTx/>
-                <a:latin typeface="Source Sans Pro"/>
-                <a:ea typeface="Source Sans Pro"/>
-                <a:cs typeface="Source Sans Pro"/>
-                <a:sym typeface="Source Sans Pro"/>
-              </a:rPr>
-              <a:t>menuItem</a:t>
-            </a:r>
-            <a:r>
-              <a:rPr kumimoji="0" lang="fr-FR" sz="1200" b="1" i="0" u="none" strike="noStrike" cap="none" spc="0" normalizeH="0" baseline="0" dirty="0">
-                <a:ln>
-                  <a:noFill/>
-                </a:ln>
-                <a:solidFill>
-                  <a:srgbClr val="4C4C4C"/>
-                </a:solidFill>
-                <a:effectLst/>
-                <a:uFillTx/>
-                <a:latin typeface="Source Sans Pro"/>
-                <a:ea typeface="Source Sans Pro"/>
-                <a:cs typeface="Source Sans Pro"/>
-                <a:sym typeface="Source Sans Pro"/>
-              </a:rPr>
-              <a:t> of </a:t>
-            </a:r>
-            <a:r>
-              <a:rPr kumimoji="0" lang="fr-FR" sz="1200" b="1" i="0" u="none" strike="noStrike" cap="none" spc="0" normalizeH="0" baseline="0" dirty="0" err="1">
-                <a:ln>
-                  <a:noFill/>
-                </a:ln>
-                <a:solidFill>
-                  <a:srgbClr val="4C4C4C"/>
+                  <a:schemeClr val="bg2">
+                    <a:lumMod val="10000"/>
+                  </a:schemeClr>
                 </a:solidFill>
                 <a:effectLst/>
                 <a:uFillTx/>
@@ -6947,74 +8797,264 @@
               <a:t>menuSubItem</a:t>
             </a:r>
             <a:r>
-              <a:rPr kumimoji="0" lang="fr-FR" sz="1200" b="1" i="0" u="none" strike="noStrike" cap="none" spc="0" normalizeH="0" baseline="0" dirty="0">
-                <a:ln>
-                  <a:noFill/>
-                </a:ln>
-                <a:solidFill>
-                  <a:srgbClr val="4C4C4C"/>
-                </a:solidFill>
-                <a:effectLst/>
-                <a:uFillTx/>
-                <a:latin typeface="Source Sans Pro"/>
-                <a:ea typeface="Source Sans Pro"/>
-                <a:cs typeface="Source Sans Pro"/>
-                <a:sym typeface="Source Sans Pro"/>
+              <a:rPr lang="fr-FR" dirty="0">
+                <a:solidFill>
+                  <a:schemeClr val="bg2">
+                    <a:lumMod val="10000"/>
+                  </a:schemeClr>
+                </a:solidFill>
               </a:rPr>
-              <a:t> in the </a:t>
-            </a:r>
-            <a:r>
-              <a:rPr kumimoji="0" lang="fr-FR" sz="1200" b="1" i="0" u="none" strike="noStrike" cap="none" spc="0" normalizeH="0" baseline="0" dirty="0" err="1">
-                <a:ln>
-                  <a:noFill/>
-                </a:ln>
-                <a:solidFill>
-                  <a:srgbClr val="4C4C4C"/>
-                </a:solidFill>
-                <a:effectLst/>
-                <a:uFillTx/>
-                <a:latin typeface="Source Sans Pro"/>
-                <a:ea typeface="Source Sans Pro"/>
-                <a:cs typeface="Source Sans Pro"/>
-                <a:sym typeface="Source Sans Pro"/>
+              <a:t>, or </a:t>
+            </a:r>
+            <a:r>
+              <a:rPr lang="fr-FR" dirty="0" err="1">
+                <a:solidFill>
+                  <a:schemeClr val="bg2">
+                    <a:lumMod val="10000"/>
+                  </a:schemeClr>
+                </a:solidFill>
               </a:rPr>
-              <a:t>sidebar</a:t>
-            </a:r>
-            <a:r>
-              <a:rPr lang="fr-FR" dirty="0" err="1"/>
-              <a:t>Menu</a:t>
-            </a:r>
-            <a:r>
-              <a:rPr lang="fr-FR" dirty="0"/>
-              <a:t>, if </a:t>
-            </a:r>
-            <a:r>
-              <a:rPr lang="fr-FR" dirty="0" err="1"/>
-              <a:t>provided</a:t>
+              <a:t>alternatively</a:t>
+            </a:r>
+            <a:r>
+              <a:rPr lang="fr-FR" dirty="0">
+                <a:solidFill>
+                  <a:schemeClr val="bg2">
+                    <a:lumMod val="10000"/>
+                  </a:schemeClr>
+                </a:solidFill>
+              </a:rPr>
+              <a:t>, the </a:t>
+            </a:r>
+            <a:r>
+              <a:rPr lang="fr-FR" dirty="0" err="1">
+                <a:solidFill>
+                  <a:schemeClr val="bg2">
+                    <a:lumMod val="10000"/>
+                  </a:schemeClr>
+                </a:solidFill>
+              </a:rPr>
+              <a:t>href</a:t>
+            </a:r>
+            <a:r>
+              <a:rPr lang="fr-FR" dirty="0">
+                <a:solidFill>
+                  <a:schemeClr val="bg2">
+                    <a:lumMod val="10000"/>
+                  </a:schemeClr>
+                </a:solidFill>
+              </a:rPr>
+              <a:t> argument. </a:t>
+            </a:r>
+            <a:r>
+              <a:rPr lang="fr-FR" dirty="0" err="1">
+                <a:solidFill>
+                  <a:schemeClr val="bg2">
+                    <a:lumMod val="10000"/>
+                  </a:schemeClr>
+                </a:solidFill>
+              </a:rPr>
+              <a:t>While</a:t>
+            </a:r>
+            <a:r>
+              <a:rPr lang="fr-FR" dirty="0">
+                <a:solidFill>
+                  <a:schemeClr val="bg2">
+                    <a:lumMod val="10000"/>
+                  </a:schemeClr>
+                </a:solidFill>
+              </a:rPr>
+              <a:t> the first solution must </a:t>
+            </a:r>
+            <a:r>
+              <a:rPr lang="fr-FR" dirty="0" err="1">
+                <a:solidFill>
+                  <a:schemeClr val="bg2">
+                    <a:lumMod val="10000"/>
+                  </a:schemeClr>
+                </a:solidFill>
+              </a:rPr>
+              <a:t>be</a:t>
+            </a:r>
+            <a:r>
+              <a:rPr lang="fr-FR" dirty="0">
+                <a:solidFill>
+                  <a:schemeClr val="bg2">
+                    <a:lumMod val="10000"/>
+                  </a:schemeClr>
+                </a:solidFill>
+              </a:rPr>
+              <a:t> </a:t>
+            </a:r>
+            <a:r>
+              <a:rPr lang="fr-FR" dirty="0" err="1">
+                <a:solidFill>
+                  <a:schemeClr val="bg2">
+                    <a:lumMod val="10000"/>
+                  </a:schemeClr>
+                </a:solidFill>
+              </a:rPr>
+              <a:t>used</a:t>
+            </a:r>
+            <a:r>
+              <a:rPr lang="fr-FR" dirty="0">
+                <a:solidFill>
+                  <a:schemeClr val="bg2">
+                    <a:lumMod val="10000"/>
+                  </a:schemeClr>
+                </a:solidFill>
+              </a:rPr>
+              <a:t> in combinaison </a:t>
+            </a:r>
+            <a:r>
+              <a:rPr lang="fr-FR" dirty="0" err="1">
+                <a:solidFill>
+                  <a:schemeClr val="bg2">
+                    <a:lumMod val="10000"/>
+                  </a:schemeClr>
+                </a:solidFill>
+              </a:rPr>
+              <a:t>with</a:t>
+            </a:r>
+            <a:r>
+              <a:rPr lang="fr-FR" dirty="0">
+                <a:solidFill>
+                  <a:schemeClr val="bg2">
+                    <a:lumMod val="10000"/>
+                  </a:schemeClr>
+                </a:solidFill>
+              </a:rPr>
+              <a:t> the </a:t>
+            </a:r>
+            <a:r>
+              <a:rPr lang="fr-FR" dirty="0" err="1">
+                <a:solidFill>
+                  <a:schemeClr val="bg2">
+                    <a:lumMod val="10000"/>
+                  </a:schemeClr>
+                </a:solidFill>
+              </a:rPr>
+              <a:t>dashboard</a:t>
+            </a:r>
+            <a:r>
+              <a:rPr lang="fr-FR" dirty="0">
+                <a:solidFill>
+                  <a:schemeClr val="bg2">
+                    <a:lumMod val="10000"/>
+                  </a:schemeClr>
+                </a:solidFill>
+              </a:rPr>
+              <a:t> </a:t>
+            </a:r>
+            <a:r>
+              <a:rPr lang="fr-FR" dirty="0" err="1">
+                <a:solidFill>
+                  <a:schemeClr val="bg2">
+                    <a:lumMod val="10000"/>
+                  </a:schemeClr>
+                </a:solidFill>
+              </a:rPr>
+              <a:t>body’s</a:t>
+            </a:r>
+            <a:r>
+              <a:rPr lang="fr-FR" dirty="0">
+                <a:solidFill>
+                  <a:schemeClr val="bg2">
+                    <a:lumMod val="10000"/>
+                  </a:schemeClr>
+                </a:solidFill>
+              </a:rPr>
+              <a:t> </a:t>
+            </a:r>
+            <a:r>
+              <a:rPr lang="fr-FR" dirty="0" err="1">
+                <a:solidFill>
+                  <a:schemeClr val="bg2">
+                    <a:lumMod val="10000"/>
+                  </a:schemeClr>
+                </a:solidFill>
+              </a:rPr>
+              <a:t>tabItems</a:t>
+            </a:r>
+            <a:r>
+              <a:rPr lang="fr-FR" dirty="0">
+                <a:solidFill>
+                  <a:schemeClr val="bg2">
+                    <a:lumMod val="10000"/>
+                  </a:schemeClr>
+                </a:solidFill>
+              </a:rPr>
+              <a:t>, the second opens a new page. </a:t>
             </a:r>
             <a:endParaRPr kumimoji="0" lang="fr-FR" sz="1200" b="1" i="0" u="none" strike="noStrike" cap="none" spc="0" normalizeH="0" baseline="0" dirty="0">
               <a:ln>
                 <a:noFill/>
               </a:ln>
               <a:solidFill>
-                <a:srgbClr val="4C4C4C"/>
+                <a:schemeClr val="bg2">
+                  <a:lumMod val="10000"/>
+                </a:schemeClr>
               </a:solidFill>
               <a:effectLst/>
               <a:uFillTx/>
-              <a:latin typeface="Source Sans Pro"/>
-              <a:ea typeface="Source Sans Pro"/>
-              <a:cs typeface="Source Sans Pro"/>
               <a:sym typeface="Source Sans Pro"/>
             </a:endParaRPr>
           </a:p>
         </p:txBody>
       </p:sp>
+      <p:cxnSp>
+        <p:nvCxnSpPr>
+          <p:cNvPr id="322" name="Connecteur droit avec flèche 321">
+            <a:extLst>
+              <a:ext uri="{FF2B5EF4-FFF2-40B4-BE49-F238E27FC236}">
+                <a16:creationId xmlns:a16="http://schemas.microsoft.com/office/drawing/2014/main" id="{85345DE6-7E26-3947-B76E-AAC325B2276F}"/>
+              </a:ext>
+            </a:extLst>
+          </p:cNvPr>
+          <p:cNvCxnSpPr>
+            <a:cxnSpLocks/>
+          </p:cNvCxnSpPr>
+          <p:nvPr/>
+        </p:nvCxnSpPr>
+        <p:spPr>
+          <a:xfrm flipH="1" flipV="1">
+            <a:off x="10755055" y="2649878"/>
+            <a:ext cx="1651434" cy="1044894"/>
+          </a:xfrm>
+          <a:prstGeom prst="straightConnector1">
+            <a:avLst/>
+          </a:prstGeom>
+          <a:noFill/>
+          <a:ln w="63500" cap="flat">
+            <a:solidFill>
+              <a:srgbClr val="000000"/>
+            </a:solidFill>
+            <a:prstDash val="solid"/>
+            <a:miter lim="400000"/>
+            <a:tailEnd type="triangle"/>
+          </a:ln>
+          <a:effectLst/>
+          <a:sp3d/>
+        </p:spPr>
+        <p:style>
+          <a:lnRef idx="0">
+            <a:scrgbClr r="0" g="0" b="0"/>
+          </a:lnRef>
+          <a:fillRef idx="0">
+            <a:scrgbClr r="0" g="0" b="0"/>
+          </a:fillRef>
+          <a:effectRef idx="0">
+            <a:scrgbClr r="0" g="0" b="0"/>
+          </a:effectRef>
+          <a:fontRef idx="none"/>
+        </p:style>
+      </p:cxnSp>
       <p:sp>
         <p:nvSpPr>
-          <p:cNvPr id="167" name="Layout Suggestions">
+          <p:cNvPr id="323" name="Layout Suggestions">
             <a:extLst>
               <a:ext uri="{FF2B5EF4-FFF2-40B4-BE49-F238E27FC236}">
-                <a16:creationId xmlns:a16="http://schemas.microsoft.com/office/drawing/2014/main" id="{D17F4CFF-AD93-4141-963C-E956B0693D6A}"/>
+                <a16:creationId xmlns:a16="http://schemas.microsoft.com/office/drawing/2014/main" id="{3E365E12-4303-0D44-9849-A49C0F10EF15}"/>
               </a:ext>
             </a:extLst>
           </p:cNvPr>
@@ -7023,7 +9063,7 @@
         </p:nvSpPr>
         <p:spPr>
           <a:xfrm>
-            <a:off x="11031179" y="2372525"/>
+            <a:off x="11940961" y="2957017"/>
             <a:ext cx="1001877" cy="340029"/>
           </a:xfrm>
           <a:prstGeom prst="rect">
@@ -7034,7 +9074,7 @@
           </a:ln>
           <a:extLst>
             <a:ext uri="{C572A759-6A51-4108-AA02-DFA0A04FC94B}">
-              <ma14:wrappingTextBoxFlag xmlns="" xmlns:m="http://schemas.openxmlformats.org/officeDocument/2006/math" xmlns:a14="http://schemas.microsoft.com/office/drawing/2010/main" xmlns:ma14="http://schemas.microsoft.com/office/mac/drawingml/2011/main" val="1"/>
+              <ma14:wrappingTextBoxFlag xmlns:ma14="http://schemas.microsoft.com/office/mac/drawingml/2011/main" xmlns:a14="http://schemas.microsoft.com/office/drawing/2010/main" xmlns:m="http://schemas.openxmlformats.org/officeDocument/2006/math" xmlns="" val="1"/>
             </a:ext>
           </a:extLst>
         </p:spPr>
@@ -7058,19 +9098,74 @@
               </a:defRPr>
             </a:pPr>
             <a:r>
-              <a:rPr lang="fr-FR" dirty="0"/>
+              <a:rPr lang="fr-FR" dirty="0">
+                <a:solidFill>
+                  <a:schemeClr val="accent6"/>
+                </a:solidFill>
+              </a:rPr>
               <a:t>Header</a:t>
             </a:r>
-            <a:endParaRPr dirty="0"/>
+            <a:endParaRPr dirty="0">
+              <a:solidFill>
+                <a:schemeClr val="accent6"/>
+              </a:solidFill>
+            </a:endParaRPr>
           </a:p>
         </p:txBody>
       </p:sp>
+      <p:cxnSp>
+        <p:nvCxnSpPr>
+          <p:cNvPr id="324" name="Connecteur droit avec flèche 323">
+            <a:extLst>
+              <a:ext uri="{FF2B5EF4-FFF2-40B4-BE49-F238E27FC236}">
+                <a16:creationId xmlns:a16="http://schemas.microsoft.com/office/drawing/2014/main" id="{A6737CA4-6D84-9B45-A83F-4A407C30ECC9}"/>
+              </a:ext>
+            </a:extLst>
+          </p:cNvPr>
+          <p:cNvCxnSpPr>
+            <a:cxnSpLocks/>
+          </p:cNvCxnSpPr>
+          <p:nvPr/>
+        </p:nvCxnSpPr>
+        <p:spPr>
+          <a:xfrm flipV="1">
+            <a:off x="12441899" y="4675644"/>
+            <a:ext cx="0" cy="477436"/>
+          </a:xfrm>
+          <a:prstGeom prst="straightConnector1">
+            <a:avLst/>
+          </a:prstGeom>
+          <a:noFill/>
+          <a:ln w="63500" cap="flat">
+            <a:solidFill>
+              <a:srgbClr val="000000"/>
+            </a:solidFill>
+            <a:prstDash val="solid"/>
+            <a:miter lim="400000"/>
+            <a:tailEnd type="triangle"/>
+          </a:ln>
+          <a:effectLst/>
+          <a:sp3d/>
+        </p:spPr>
+        <p:style>
+          <a:lnRef idx="0">
+            <a:scrgbClr r="0" g="0" b="0"/>
+          </a:lnRef>
+          <a:fillRef idx="0">
+            <a:scrgbClr r="0" g="0" b="0"/>
+          </a:fillRef>
+          <a:effectRef idx="0">
+            <a:scrgbClr r="0" g="0" b="0"/>
+          </a:effectRef>
+          <a:fontRef idx="none"/>
+        </p:style>
+      </p:cxnSp>
       <p:sp>
         <p:nvSpPr>
-          <p:cNvPr id="169" name="Group">
+          <p:cNvPr id="326" name="Group">
             <a:extLst>
               <a:ext uri="{FF2B5EF4-FFF2-40B4-BE49-F238E27FC236}">
-                <a16:creationId xmlns:a16="http://schemas.microsoft.com/office/drawing/2014/main" id="{F22DD001-6BB5-DE4F-BE69-C32E940FD4E6}"/>
+                <a16:creationId xmlns:a16="http://schemas.microsoft.com/office/drawing/2014/main" id="{7840911D-9A6D-054D-ACC7-147074A27717}"/>
               </a:ext>
             </a:extLst>
           </p:cNvPr>
@@ -7079,16 +9174,16 @@
         </p:nvSpPr>
         <p:spPr>
           <a:xfrm>
-            <a:off x="9803013" y="2654798"/>
-            <a:ext cx="3899473" cy="3428796"/>
+            <a:off x="3788575" y="3863655"/>
+            <a:ext cx="2535890" cy="2494266"/>
           </a:xfrm>
           <a:prstGeom prst="rect">
             <a:avLst/>
           </a:prstGeom>
           <a:solidFill>
-            <a:srgbClr val="79B0DC">
+            <a:schemeClr val="accent2">
               <a:alpha val="23776"/>
-            </a:srgbClr>
+            </a:schemeClr>
           </a:solidFill>
           <a:ln w="12700">
             <a:miter lim="400000"/>
@@ -7117,357 +9212,384 @@
       </p:sp>
       <p:sp>
         <p:nvSpPr>
-          <p:cNvPr id="170" name="ggplot(mpg, aes(hwy, cty)) +…">
+          <p:cNvPr id="327" name="Group">
             <a:extLst>
               <a:ext uri="{FF2B5EF4-FFF2-40B4-BE49-F238E27FC236}">
-                <a16:creationId xmlns:a16="http://schemas.microsoft.com/office/drawing/2014/main" id="{2F1DAA5B-8BA7-2541-8E99-A2BCD6A55A36}"/>
+                <a16:creationId xmlns:a16="http://schemas.microsoft.com/office/drawing/2014/main" id="{74B58E01-B0B3-3448-88AF-936120486F1D}"/>
               </a:ext>
             </a:extLst>
           </p:cNvPr>
-          <p:cNvSpPr txBox="1"/>
+          <p:cNvSpPr/>
           <p:nvPr/>
         </p:nvSpPr>
         <p:spPr>
-          <a:xfrm>
-            <a:off x="10037735" y="2868101"/>
-            <a:ext cx="1976563" cy="1033536"/>
+          <a:xfrm rot="16200000">
+            <a:off x="8483361" y="-2994374"/>
+            <a:ext cx="542251" cy="9931823"/>
           </a:xfrm>
           <a:prstGeom prst="rect">
             <a:avLst/>
           </a:prstGeom>
           <a:solidFill>
-            <a:srgbClr val="FFFFFF"/>
+            <a:schemeClr val="accent6">
+              <a:alpha val="23776"/>
+            </a:schemeClr>
           </a:solidFill>
           <a:ln w="12700">
-            <a:solidFill>
-              <a:srgbClr val="A6AAA9"/>
-            </a:solidFill>
             <a:miter lim="400000"/>
           </a:ln>
-          <a:extLst>
-            <a:ext uri="{C572A759-6A51-4108-AA02-DFA0A04FC94B}">
-              <ma14:wrappingTextBoxFlag xmlns="" xmlns:m="http://schemas.openxmlformats.org/officeDocument/2006/math" xmlns:a14="http://schemas.microsoft.com/office/drawing/2010/main" xmlns:ma14="http://schemas.microsoft.com/office/mac/drawingml/2011/main" val="1"/>
-            </a:ext>
-          </a:extLst>
         </p:spPr>
         <p:txBody>
-          <a:bodyPr wrap="square" lIns="54570" tIns="54570" rIns="54570" bIns="54570" anchor="ctr">
-            <a:spAutoFit/>
-          </a:bodyPr>
+          <a:bodyPr lIns="54570" tIns="54570" rIns="54570" bIns="54570" anchor="ctr"/>
           <a:lstStyle/>
           <a:p>
             <a:pPr>
+              <a:lnSpc>
+                <a:spcPct val="80000"/>
+              </a:lnSpc>
               <a:spcBef>
                 <a:spcPts val="0"/>
               </a:spcBef>
-              <a:defRPr b="0">
+              <a:defRPr sz="1000" b="0">
                 <a:solidFill>
                   <a:srgbClr val="000000"/>
                 </a:solidFill>
-                <a:latin typeface="Menlo"/>
-                <a:ea typeface="Menlo"/>
-                <a:cs typeface="Menlo"/>
-                <a:sym typeface="Menlo"/>
               </a:defRPr>
             </a:pPr>
-            <a:r>
-              <a:rPr lang="fr-FR" b="0" dirty="0" err="1">
-                <a:sym typeface="Menlo"/>
-              </a:rPr>
-              <a:t>dashboardHeader</a:t>
-            </a:r>
-            <a:r>
-              <a:rPr lang="fr-FR" b="0" dirty="0">
-                <a:sym typeface="Menlo"/>
-              </a:rPr>
-              <a:t>(..., </a:t>
-            </a:r>
-            <a:r>
-              <a:rPr lang="fr-FR" b="0" dirty="0" err="1">
-                <a:sym typeface="Menlo"/>
-              </a:rPr>
-              <a:t>title</a:t>
-            </a:r>
-            <a:r>
-              <a:rPr lang="fr-FR" b="0" dirty="0">
-                <a:sym typeface="Menlo"/>
-              </a:rPr>
-              <a:t> = NULL, </a:t>
-            </a:r>
-            <a:r>
-              <a:rPr lang="fr-FR" b="0" dirty="0" err="1">
-                <a:sym typeface="Menlo"/>
-              </a:rPr>
-              <a:t>titleWidth</a:t>
-            </a:r>
-            <a:r>
-              <a:rPr lang="fr-FR" b="0" dirty="0">
-                <a:sym typeface="Menlo"/>
-              </a:rPr>
-              <a:t> = NULL, </a:t>
-            </a:r>
-            <a:r>
-              <a:rPr lang="fr-FR" b="0" dirty="0" err="1">
-                <a:sym typeface="Menlo"/>
-              </a:rPr>
-              <a:t>disable</a:t>
-            </a:r>
-            <a:r>
-              <a:rPr lang="fr-FR" b="0" dirty="0">
-                <a:sym typeface="Menlo"/>
-              </a:rPr>
-              <a:t> = FALSE, .</a:t>
-            </a:r>
-            <a:r>
-              <a:rPr lang="fr-FR" b="0" dirty="0" err="1">
-                <a:sym typeface="Menlo"/>
-              </a:rPr>
-              <a:t>list</a:t>
-            </a:r>
-            <a:r>
-              <a:rPr lang="fr-FR" b="0" dirty="0">
-                <a:sym typeface="Menlo"/>
-              </a:rPr>
-              <a:t> = NULL)</a:t>
-            </a:r>
             <a:endParaRPr dirty="0"/>
           </a:p>
         </p:txBody>
       </p:sp>
-      <p:sp>
-        <p:nvSpPr>
-          <p:cNvPr id="171" name="ggplot(mpg, aes(hwy, cty)) +…">
+      <p:cxnSp>
+        <p:nvCxnSpPr>
+          <p:cNvPr id="20" name="Connecteur droit avec flèche 19">
             <a:extLst>
               <a:ext uri="{FF2B5EF4-FFF2-40B4-BE49-F238E27FC236}">
-                <a16:creationId xmlns:a16="http://schemas.microsoft.com/office/drawing/2014/main" id="{65556556-72AB-3F4C-AE0C-DEE05D3BFEB9}"/>
+                <a16:creationId xmlns:a16="http://schemas.microsoft.com/office/drawing/2014/main" id="{822392A7-2FE8-594E-BB99-BE3B6BE9C1A3}"/>
               </a:ext>
             </a:extLst>
           </p:cNvPr>
-          <p:cNvSpPr txBox="1"/>
+          <p:cNvCxnSpPr/>
           <p:nvPr/>
-        </p:nvSpPr>
+        </p:nvCxnSpPr>
         <p:spPr>
-          <a:xfrm>
-            <a:off x="10056493" y="4085350"/>
-            <a:ext cx="1976563" cy="1402867"/>
+          <a:xfrm flipV="1">
+            <a:off x="8277101" y="6638306"/>
+            <a:ext cx="931014" cy="278568"/>
           </a:xfrm>
-          <a:prstGeom prst="rect">
+          <a:prstGeom prst="straightConnector1">
             <a:avLst/>
           </a:prstGeom>
-          <a:solidFill>
-            <a:srgbClr val="FFFFFF"/>
-          </a:solidFill>
-          <a:ln w="12700">
+          <a:noFill/>
+          <a:ln w="44450" cap="flat">
             <a:solidFill>
-              <a:srgbClr val="A6AAA9"/>
+              <a:schemeClr val="accent4"/>
             </a:solidFill>
+            <a:prstDash val="solid"/>
             <a:miter lim="400000"/>
+            <a:headEnd type="triangle"/>
+            <a:tailEnd type="triangle"/>
           </a:ln>
-          <a:extLst>
-            <a:ext uri="{C572A759-6A51-4108-AA02-DFA0A04FC94B}">
-              <ma14:wrappingTextBoxFlag xmlns="" xmlns:m="http://schemas.openxmlformats.org/officeDocument/2006/math" xmlns:a14="http://schemas.microsoft.com/office/drawing/2010/main" xmlns:ma14="http://schemas.microsoft.com/office/mac/drawingml/2011/main" val="1"/>
-            </a:ext>
-          </a:extLst>
+          <a:effectLst/>
+          <a:sp3d/>
         </p:spPr>
-        <p:txBody>
-          <a:bodyPr wrap="square" lIns="54570" tIns="54570" rIns="54570" bIns="54570" anchor="ctr">
-            <a:spAutoFit/>
-          </a:bodyPr>
-          <a:lstStyle/>
-          <a:p>
-            <a:pPr>
-              <a:spcBef>
-                <a:spcPts val="0"/>
-              </a:spcBef>
-              <a:defRPr b="0">
-                <a:solidFill>
-                  <a:srgbClr val="000000"/>
-                </a:solidFill>
-                <a:latin typeface="Menlo"/>
-                <a:ea typeface="Menlo"/>
-                <a:cs typeface="Menlo"/>
-                <a:sym typeface="Menlo"/>
-              </a:defRPr>
-            </a:pPr>
-            <a:r>
-              <a:rPr lang="fr-FR" b="0" dirty="0" err="1">
-                <a:sym typeface="Menlo"/>
-              </a:rPr>
-              <a:t>dropdownMenu</a:t>
-            </a:r>
-            <a:r>
-              <a:rPr lang="fr-FR" b="0" dirty="0">
-                <a:sym typeface="Menlo"/>
-              </a:rPr>
-              <a:t>(..., type = c("messages", "notifications", "</a:t>
-            </a:r>
-            <a:r>
-              <a:rPr lang="fr-FR" b="0" dirty="0" err="1">
-                <a:sym typeface="Menlo"/>
-              </a:rPr>
-              <a:t>tasks</a:t>
-            </a:r>
-            <a:r>
-              <a:rPr lang="fr-FR" b="0" dirty="0">
-                <a:sym typeface="Menlo"/>
-              </a:rPr>
-              <a:t>"), </a:t>
-            </a:r>
-            <a:r>
-              <a:rPr lang="fr-FR" b="0" dirty="0" err="1">
-                <a:sym typeface="Menlo"/>
-              </a:rPr>
-              <a:t>badgeStatus</a:t>
-            </a:r>
-            <a:r>
-              <a:rPr lang="fr-FR" b="0" dirty="0">
-                <a:sym typeface="Menlo"/>
-              </a:rPr>
-              <a:t> = "</a:t>
-            </a:r>
-            <a:r>
-              <a:rPr lang="fr-FR" b="0" dirty="0" err="1">
-                <a:sym typeface="Menlo"/>
-              </a:rPr>
-              <a:t>primary</a:t>
-            </a:r>
-            <a:r>
-              <a:rPr lang="fr-FR" b="0" dirty="0">
-                <a:sym typeface="Menlo"/>
-              </a:rPr>
-              <a:t>", .</a:t>
-            </a:r>
-            <a:r>
-              <a:rPr lang="fr-FR" b="0" dirty="0" err="1">
-                <a:sym typeface="Menlo"/>
-              </a:rPr>
-              <a:t>list</a:t>
-            </a:r>
-            <a:r>
-              <a:rPr lang="fr-FR" b="0" dirty="0">
-                <a:sym typeface="Menlo"/>
-              </a:rPr>
-              <a:t> = NULL)</a:t>
-            </a:r>
-            <a:endParaRPr dirty="0"/>
-          </a:p>
-        </p:txBody>
-      </p:sp>
-      <p:sp>
-        <p:nvSpPr>
-          <p:cNvPr id="172" name="ggplot(mpg, aes(hwy, cty)) +…">
+        <p:style>
+          <a:lnRef idx="0">
+            <a:scrgbClr r="0" g="0" b="0"/>
+          </a:lnRef>
+          <a:fillRef idx="0">
+            <a:scrgbClr r="0" g="0" b="0"/>
+          </a:fillRef>
+          <a:effectRef idx="0">
+            <a:scrgbClr r="0" g="0" b="0"/>
+          </a:effectRef>
+          <a:fontRef idx="none"/>
+        </p:style>
+      </p:cxnSp>
+      <p:cxnSp>
+        <p:nvCxnSpPr>
+          <p:cNvPr id="328" name="Connecteur droit avec flèche 327">
             <a:extLst>
               <a:ext uri="{FF2B5EF4-FFF2-40B4-BE49-F238E27FC236}">
-                <a16:creationId xmlns:a16="http://schemas.microsoft.com/office/drawing/2014/main" id="{34AE3FB5-667E-DD4B-8E01-1697D0BF344A}"/>
+                <a16:creationId xmlns:a16="http://schemas.microsoft.com/office/drawing/2014/main" id="{1BB7350C-BA4A-FE4A-A161-597647355032}"/>
               </a:ext>
             </a:extLst>
           </p:cNvPr>
-          <p:cNvSpPr txBox="1"/>
+          <p:cNvCxnSpPr>
+            <a:cxnSpLocks/>
+            <a:endCxn id="317" idx="1"/>
+          </p:cNvCxnSpPr>
           <p:nvPr/>
-        </p:nvSpPr>
+        </p:nvCxnSpPr>
         <p:spPr>
-          <a:xfrm>
-            <a:off x="12652631" y="3108027"/>
-            <a:ext cx="2177099" cy="664204"/>
+          <a:xfrm flipV="1">
+            <a:off x="7823472" y="6739291"/>
+            <a:ext cx="1368021" cy="2151998"/>
           </a:xfrm>
-          <a:prstGeom prst="rect">
+          <a:prstGeom prst="straightConnector1">
             <a:avLst/>
           </a:prstGeom>
-          <a:solidFill>
-            <a:srgbClr val="FFFFFF"/>
-          </a:solidFill>
-          <a:ln w="12700">
+          <a:noFill/>
+          <a:ln w="44450" cap="flat">
             <a:solidFill>
-              <a:srgbClr val="A6AAA9"/>
+              <a:schemeClr val="accent4"/>
             </a:solidFill>
+            <a:prstDash val="solid"/>
             <a:miter lim="400000"/>
+            <a:headEnd type="triangle"/>
+            <a:tailEnd type="triangle"/>
           </a:ln>
-          <a:extLst>
-            <a:ext uri="{C572A759-6A51-4108-AA02-DFA0A04FC94B}">
-              <ma14:wrappingTextBoxFlag xmlns="" xmlns:m="http://schemas.openxmlformats.org/officeDocument/2006/math" xmlns:a14="http://schemas.microsoft.com/office/drawing/2010/main" xmlns:ma14="http://schemas.microsoft.com/office/mac/drawingml/2011/main" val="1"/>
-            </a:ext>
-          </a:extLst>
+          <a:effectLst/>
+          <a:sp3d/>
         </p:spPr>
-        <p:txBody>
-          <a:bodyPr wrap="square" lIns="54570" tIns="54570" rIns="54570" bIns="54570" anchor="ctr">
-            <a:spAutoFit/>
-          </a:bodyPr>
-          <a:lstStyle/>
-          <a:p>
-            <a:pPr>
-              <a:spcBef>
-                <a:spcPts val="0"/>
-              </a:spcBef>
-              <a:defRPr b="0">
-                <a:solidFill>
-                  <a:srgbClr val="000000"/>
-                </a:solidFill>
-                <a:latin typeface="Menlo"/>
-                <a:ea typeface="Menlo"/>
-                <a:cs typeface="Menlo"/>
-                <a:sym typeface="Menlo"/>
-              </a:defRPr>
-            </a:pPr>
-            <a:r>
-              <a:rPr lang="fr-FR" dirty="0" err="1"/>
-              <a:t>messageItems</a:t>
-            </a:r>
-            <a:r>
-              <a:rPr lang="fr-FR" dirty="0"/>
-              <a:t>(...)</a:t>
-            </a:r>
-          </a:p>
-          <a:p>
-            <a:pPr>
-              <a:spcBef>
-                <a:spcPts val="0"/>
-              </a:spcBef>
-              <a:defRPr b="0">
-                <a:solidFill>
-                  <a:srgbClr val="000000"/>
-                </a:solidFill>
-                <a:latin typeface="Menlo"/>
-                <a:ea typeface="Menlo"/>
-                <a:cs typeface="Menlo"/>
-                <a:sym typeface="Menlo"/>
-              </a:defRPr>
-            </a:pPr>
-            <a:r>
-              <a:rPr lang="fr-FR" dirty="0" err="1"/>
-              <a:t>notificationItems</a:t>
-            </a:r>
-            <a:r>
-              <a:rPr lang="fr-FR" dirty="0"/>
-              <a:t>(...)</a:t>
-            </a:r>
-          </a:p>
-          <a:p>
-            <a:pPr>
-              <a:spcBef>
-                <a:spcPts val="0"/>
-              </a:spcBef>
-              <a:defRPr b="0">
-                <a:solidFill>
-                  <a:srgbClr val="000000"/>
-                </a:solidFill>
-                <a:latin typeface="Menlo"/>
-                <a:ea typeface="Menlo"/>
-                <a:cs typeface="Menlo"/>
-                <a:sym typeface="Menlo"/>
-              </a:defRPr>
-            </a:pPr>
-            <a:r>
-              <a:rPr lang="fr-FR" dirty="0" err="1"/>
-              <a:t>taskItems</a:t>
-            </a:r>
-            <a:r>
-              <a:rPr lang="fr-FR" dirty="0"/>
-              <a:t>(...)</a:t>
-            </a:r>
-            <a:endParaRPr dirty="0"/>
-          </a:p>
-        </p:txBody>
-      </p:sp>
+        <p:style>
+          <a:lnRef idx="0">
+            <a:scrgbClr r="0" g="0" b="0"/>
+          </a:lnRef>
+          <a:fillRef idx="0">
+            <a:scrgbClr r="0" g="0" b="0"/>
+          </a:fillRef>
+          <a:effectRef idx="0">
+            <a:scrgbClr r="0" g="0" b="0"/>
+          </a:effectRef>
+          <a:fontRef idx="none"/>
+        </p:style>
+      </p:cxnSp>
+      <p:cxnSp>
+        <p:nvCxnSpPr>
+          <p:cNvPr id="331" name="Connecteur droit avec flèche 330">
+            <a:extLst>
+              <a:ext uri="{FF2B5EF4-FFF2-40B4-BE49-F238E27FC236}">
+                <a16:creationId xmlns:a16="http://schemas.microsoft.com/office/drawing/2014/main" id="{6BFE8182-461C-6641-B061-530D22E01390}"/>
+              </a:ext>
+            </a:extLst>
+          </p:cNvPr>
+          <p:cNvCxnSpPr>
+            <a:cxnSpLocks/>
+          </p:cNvCxnSpPr>
+          <p:nvPr/>
+        </p:nvCxnSpPr>
+        <p:spPr>
+          <a:xfrm flipV="1">
+            <a:off x="7652381" y="4663769"/>
+            <a:ext cx="0" cy="477436"/>
+          </a:xfrm>
+          <a:prstGeom prst="straightConnector1">
+            <a:avLst/>
+          </a:prstGeom>
+          <a:noFill/>
+          <a:ln w="63500" cap="flat">
+            <a:solidFill>
+              <a:srgbClr val="000000"/>
+            </a:solidFill>
+            <a:prstDash val="solid"/>
+            <a:miter lim="400000"/>
+            <a:tailEnd type="triangle"/>
+          </a:ln>
+          <a:effectLst/>
+          <a:sp3d/>
+        </p:spPr>
+        <p:style>
+          <a:lnRef idx="0">
+            <a:scrgbClr r="0" g="0" b="0"/>
+          </a:lnRef>
+          <a:fillRef idx="0">
+            <a:scrgbClr r="0" g="0" b="0"/>
+          </a:fillRef>
+          <a:effectRef idx="0">
+            <a:scrgbClr r="0" g="0" b="0"/>
+          </a:effectRef>
+          <a:fontRef idx="none"/>
+        </p:style>
+      </p:cxnSp>
+      <p:cxnSp>
+        <p:nvCxnSpPr>
+          <p:cNvPr id="332" name="Connecteur droit avec flèche 331">
+            <a:extLst>
+              <a:ext uri="{FF2B5EF4-FFF2-40B4-BE49-F238E27FC236}">
+                <a16:creationId xmlns:a16="http://schemas.microsoft.com/office/drawing/2014/main" id="{321DF583-B20A-C443-B665-5231C1E6AB2C}"/>
+              </a:ext>
+            </a:extLst>
+          </p:cNvPr>
+          <p:cNvCxnSpPr>
+            <a:cxnSpLocks/>
+          </p:cNvCxnSpPr>
+          <p:nvPr/>
+        </p:nvCxnSpPr>
+        <p:spPr>
+          <a:xfrm flipV="1">
+            <a:off x="10111373" y="5774903"/>
+            <a:ext cx="0" cy="477436"/>
+          </a:xfrm>
+          <a:prstGeom prst="straightConnector1">
+            <a:avLst/>
+          </a:prstGeom>
+          <a:noFill/>
+          <a:ln w="63500" cap="flat">
+            <a:solidFill>
+              <a:srgbClr val="000000"/>
+            </a:solidFill>
+            <a:prstDash val="solid"/>
+            <a:miter lim="400000"/>
+            <a:tailEnd type="triangle"/>
+          </a:ln>
+          <a:effectLst/>
+          <a:sp3d/>
+        </p:spPr>
+        <p:style>
+          <a:lnRef idx="0">
+            <a:scrgbClr r="0" g="0" b="0"/>
+          </a:lnRef>
+          <a:fillRef idx="0">
+            <a:scrgbClr r="0" g="0" b="0"/>
+          </a:fillRef>
+          <a:effectRef idx="0">
+            <a:scrgbClr r="0" g="0" b="0"/>
+          </a:effectRef>
+          <a:fontRef idx="none"/>
+        </p:style>
+      </p:cxnSp>
+      <p:cxnSp>
+        <p:nvCxnSpPr>
+          <p:cNvPr id="333" name="Connecteur droit avec flèche 332">
+            <a:extLst>
+              <a:ext uri="{FF2B5EF4-FFF2-40B4-BE49-F238E27FC236}">
+                <a16:creationId xmlns:a16="http://schemas.microsoft.com/office/drawing/2014/main" id="{5EAF0D83-1CA4-B44F-B6C2-1252F2FA225C}"/>
+              </a:ext>
+            </a:extLst>
+          </p:cNvPr>
+          <p:cNvCxnSpPr>
+            <a:cxnSpLocks/>
+          </p:cNvCxnSpPr>
+          <p:nvPr/>
+        </p:nvCxnSpPr>
+        <p:spPr>
+          <a:xfrm flipV="1">
+            <a:off x="12441899" y="5774903"/>
+            <a:ext cx="0" cy="477436"/>
+          </a:xfrm>
+          <a:prstGeom prst="straightConnector1">
+            <a:avLst/>
+          </a:prstGeom>
+          <a:noFill/>
+          <a:ln w="63500" cap="flat">
+            <a:solidFill>
+              <a:srgbClr val="000000"/>
+            </a:solidFill>
+            <a:prstDash val="solid"/>
+            <a:miter lim="400000"/>
+            <a:tailEnd type="triangle"/>
+          </a:ln>
+          <a:effectLst/>
+          <a:sp3d/>
+        </p:spPr>
+        <p:style>
+          <a:lnRef idx="0">
+            <a:scrgbClr r="0" g="0" b="0"/>
+          </a:lnRef>
+          <a:fillRef idx="0">
+            <a:scrgbClr r="0" g="0" b="0"/>
+          </a:fillRef>
+          <a:effectRef idx="0">
+            <a:scrgbClr r="0" g="0" b="0"/>
+          </a:effectRef>
+          <a:fontRef idx="none"/>
+        </p:style>
+      </p:cxnSp>
+      <p:cxnSp>
+        <p:nvCxnSpPr>
+          <p:cNvPr id="334" name="Connecteur droit avec flèche 333">
+            <a:extLst>
+              <a:ext uri="{FF2B5EF4-FFF2-40B4-BE49-F238E27FC236}">
+                <a16:creationId xmlns:a16="http://schemas.microsoft.com/office/drawing/2014/main" id="{FAC6A727-C33C-764E-9FC8-F448DA2AFF9F}"/>
+              </a:ext>
+            </a:extLst>
+          </p:cNvPr>
+          <p:cNvCxnSpPr>
+            <a:cxnSpLocks/>
+          </p:cNvCxnSpPr>
+          <p:nvPr/>
+        </p:nvCxnSpPr>
+        <p:spPr>
+          <a:xfrm flipV="1">
+            <a:off x="7652381" y="5751153"/>
+            <a:ext cx="0" cy="477436"/>
+          </a:xfrm>
+          <a:prstGeom prst="straightConnector1">
+            <a:avLst/>
+          </a:prstGeom>
+          <a:noFill/>
+          <a:ln w="63500" cap="flat">
+            <a:solidFill>
+              <a:srgbClr val="000000"/>
+            </a:solidFill>
+            <a:prstDash val="solid"/>
+            <a:miter lim="400000"/>
+            <a:tailEnd type="triangle"/>
+          </a:ln>
+          <a:effectLst/>
+          <a:sp3d/>
+        </p:spPr>
+        <p:style>
+          <a:lnRef idx="0">
+            <a:scrgbClr r="0" g="0" b="0"/>
+          </a:lnRef>
+          <a:fillRef idx="0">
+            <a:scrgbClr r="0" g="0" b="0"/>
+          </a:fillRef>
+          <a:effectRef idx="0">
+            <a:scrgbClr r="0" g="0" b="0"/>
+          </a:effectRef>
+          <a:fontRef idx="none"/>
+        </p:style>
+      </p:cxnSp>
+      <p:cxnSp>
+        <p:nvCxnSpPr>
+          <p:cNvPr id="335" name="Connecteur droit avec flèche 334">
+            <a:extLst>
+              <a:ext uri="{FF2B5EF4-FFF2-40B4-BE49-F238E27FC236}">
+                <a16:creationId xmlns:a16="http://schemas.microsoft.com/office/drawing/2014/main" id="{265C420B-BF8E-5F41-A967-906BADE23900}"/>
+              </a:ext>
+            </a:extLst>
+          </p:cNvPr>
+          <p:cNvCxnSpPr>
+            <a:cxnSpLocks/>
+          </p:cNvCxnSpPr>
+          <p:nvPr/>
+        </p:nvCxnSpPr>
+        <p:spPr>
+          <a:xfrm flipV="1">
+            <a:off x="7643198" y="7760718"/>
+            <a:ext cx="0" cy="477436"/>
+          </a:xfrm>
+          <a:prstGeom prst="straightConnector1">
+            <a:avLst/>
+          </a:prstGeom>
+          <a:noFill/>
+          <a:ln w="63500" cap="flat">
+            <a:solidFill>
+              <a:srgbClr val="000000"/>
+            </a:solidFill>
+            <a:prstDash val="solid"/>
+            <a:miter lim="400000"/>
+            <a:tailEnd type="triangle"/>
+          </a:ln>
+          <a:effectLst/>
+          <a:sp3d/>
+        </p:spPr>
+        <p:style>
+          <a:lnRef idx="0">
+            <a:scrgbClr r="0" g="0" b="0"/>
+          </a:lnRef>
+          <a:fillRef idx="0">
+            <a:scrgbClr r="0" g="0" b="0"/>
+          </a:fillRef>
+          <a:effectRef idx="0">
+            <a:scrgbClr r="0" g="0" b="0"/>
+          </a:effectRef>
+          <a:fontRef idx="none"/>
+        </p:style>
+      </p:cxnSp>
     </p:spTree>
     <p:extLst>
       <p:ext uri="{BB962C8B-B14F-4D97-AF65-F5344CB8AC3E}">
@@ -8430,7 +10552,7 @@
             <p:nvPr/>
           </p:nvPicPr>
           <p:blipFill>
-            <a:blip r:embed="rId2"/>
+            <a:blip r:embed="rId3"/>
             <a:stretch>
               <a:fillRect/>
             </a:stretch>
@@ -8501,66 +10623,10 @@
       </p:sp>
       <p:sp>
         <p:nvSpPr>
-          <p:cNvPr id="45" name="Basics">
+          <p:cNvPr id="49" name="Group">
             <a:extLst>
               <a:ext uri="{FF2B5EF4-FFF2-40B4-BE49-F238E27FC236}">
-                <a16:creationId xmlns:a16="http://schemas.microsoft.com/office/drawing/2014/main" id="{B581A8B9-A833-D441-9184-9AC110C3CBCD}"/>
-              </a:ext>
-            </a:extLst>
-          </p:cNvPr>
-          <p:cNvSpPr txBox="1"/>
-          <p:nvPr/>
-        </p:nvSpPr>
-        <p:spPr>
-          <a:xfrm>
-            <a:off x="258957" y="6665560"/>
-            <a:ext cx="1689565" cy="340029"/>
-          </a:xfrm>
-          <a:prstGeom prst="rect">
-            <a:avLst/>
-          </a:prstGeom>
-          <a:ln w="12700">
-            <a:miter lim="400000"/>
-          </a:ln>
-          <a:extLst>
-            <a:ext uri="{C572A759-6A51-4108-AA02-DFA0A04FC94B}">
-              <ma14:wrappingTextBoxFlag xmlns="" xmlns:m="http://schemas.openxmlformats.org/officeDocument/2006/math" xmlns:a14="http://schemas.microsoft.com/office/drawing/2010/main" xmlns:ma14="http://schemas.microsoft.com/office/mac/drawingml/2011/main" val="1"/>
-            </a:ext>
-          </a:extLst>
-        </p:spPr>
-        <p:txBody>
-          <a:bodyPr wrap="none" lIns="12700" tIns="12700" rIns="12700" bIns="12700" anchor="ctr">
-            <a:spAutoFit/>
-          </a:bodyPr>
-          <a:lstStyle/>
-          <a:p>
-            <a:pPr lvl="1" indent="0">
-              <a:lnSpc>
-                <a:spcPct val="80000"/>
-              </a:lnSpc>
-              <a:spcBef>
-                <a:spcPts val="0"/>
-              </a:spcBef>
-              <a:defRPr sz="2500" b="0">
-                <a:solidFill>
-                  <a:srgbClr val="628DB5"/>
-                </a:solidFill>
-              </a:defRPr>
-            </a:pPr>
-            <a:r>
-              <a:rPr lang="fr-FR" dirty="0"/>
-              <a:t>Social boxes</a:t>
-            </a:r>
-            <a:endParaRPr dirty="0"/>
-          </a:p>
-        </p:txBody>
-      </p:sp>
-      <p:sp>
-        <p:nvSpPr>
-          <p:cNvPr id="46" name="Line">
-            <a:extLst>
-              <a:ext uri="{FF2B5EF4-FFF2-40B4-BE49-F238E27FC236}">
-                <a16:creationId xmlns:a16="http://schemas.microsoft.com/office/drawing/2014/main" id="{17D989FE-BD70-204B-A3C8-2ADB8CD7E42B}"/>
+                <a16:creationId xmlns:a16="http://schemas.microsoft.com/office/drawing/2014/main" id="{0D720CB6-21E4-C54C-923A-EF38B9BC9E9A}"/>
               </a:ext>
             </a:extLst>
           </p:cNvPr>
@@ -8569,56 +10635,8 @@
         </p:nvSpPr>
         <p:spPr>
           <a:xfrm>
-            <a:off x="267608" y="6619675"/>
-            <a:ext cx="3079672" cy="0"/>
-          </a:xfrm>
-          <a:prstGeom prst="line">
-            <a:avLst/>
-          </a:prstGeom>
-          <a:ln w="3175">
-            <a:solidFill>
-              <a:srgbClr val="767C85"/>
-            </a:solidFill>
-            <a:miter lim="400000"/>
-          </a:ln>
-        </p:spPr>
-        <p:txBody>
-          <a:bodyPr lIns="54570" tIns="54570" rIns="54570" bIns="54570" anchor="ctr"/>
-          <a:lstStyle/>
-          <a:p>
-            <a:pPr>
-              <a:lnSpc>
-                <a:spcPct val="80000"/>
-              </a:lnSpc>
-              <a:spcBef>
-                <a:spcPts val="600"/>
-              </a:spcBef>
-              <a:defRPr b="0">
-                <a:solidFill>
-                  <a:srgbClr val="000000"/>
-                </a:solidFill>
-              </a:defRPr>
-            </a:pPr>
-            <a:endParaRPr/>
-          </a:p>
-        </p:txBody>
-      </p:sp>
-      <p:sp>
-        <p:nvSpPr>
-          <p:cNvPr id="47" name="Group">
-            <a:extLst>
-              <a:ext uri="{FF2B5EF4-FFF2-40B4-BE49-F238E27FC236}">
-                <a16:creationId xmlns:a16="http://schemas.microsoft.com/office/drawing/2014/main" id="{0003786D-6155-2041-AC35-B158C110543A}"/>
-              </a:ext>
-            </a:extLst>
-          </p:cNvPr>
-          <p:cNvSpPr/>
-          <p:nvPr/>
-        </p:nvSpPr>
-        <p:spPr>
-          <a:xfrm>
-            <a:off x="258958" y="7087268"/>
-            <a:ext cx="3438880" cy="3445836"/>
+            <a:off x="4276483" y="898674"/>
+            <a:ext cx="9365857" cy="5772729"/>
           </a:xfrm>
           <a:prstGeom prst="rect">
             <a:avLst/>
@@ -8655,106 +10673,6 @@
       </p:sp>
       <p:sp>
         <p:nvSpPr>
-          <p:cNvPr id="49" name="Group">
-            <a:extLst>
-              <a:ext uri="{FF2B5EF4-FFF2-40B4-BE49-F238E27FC236}">
-                <a16:creationId xmlns:a16="http://schemas.microsoft.com/office/drawing/2014/main" id="{0D720CB6-21E4-C54C-923A-EF38B9BC9E9A}"/>
-              </a:ext>
-            </a:extLst>
-          </p:cNvPr>
-          <p:cNvSpPr/>
-          <p:nvPr/>
-        </p:nvSpPr>
-        <p:spPr>
-          <a:xfrm>
-            <a:off x="4276483" y="898674"/>
-            <a:ext cx="4118291" cy="9660477"/>
-          </a:xfrm>
-          <a:prstGeom prst="rect">
-            <a:avLst/>
-          </a:prstGeom>
-          <a:solidFill>
-            <a:srgbClr val="79B0DC">
-              <a:alpha val="23776"/>
-            </a:srgbClr>
-          </a:solidFill>
-          <a:ln w="12700">
-            <a:miter lim="400000"/>
-          </a:ln>
-        </p:spPr>
-        <p:txBody>
-          <a:bodyPr lIns="54570" tIns="54570" rIns="54570" bIns="54570" anchor="ctr"/>
-          <a:lstStyle/>
-          <a:p>
-            <a:pPr>
-              <a:lnSpc>
-                <a:spcPct val="80000"/>
-              </a:lnSpc>
-              <a:spcBef>
-                <a:spcPts val="0"/>
-              </a:spcBef>
-              <a:defRPr sz="1000" b="0">
-                <a:solidFill>
-                  <a:srgbClr val="000000"/>
-                </a:solidFill>
-              </a:defRPr>
-            </a:pPr>
-            <a:endParaRPr dirty="0"/>
-          </a:p>
-        </p:txBody>
-      </p:sp>
-      <p:sp>
-        <p:nvSpPr>
-          <p:cNvPr id="52" name="Group">
-            <a:extLst>
-              <a:ext uri="{FF2B5EF4-FFF2-40B4-BE49-F238E27FC236}">
-                <a16:creationId xmlns:a16="http://schemas.microsoft.com/office/drawing/2014/main" id="{BA9B9EF8-1BDE-DB47-BDC1-D52775C00955}"/>
-              </a:ext>
-            </a:extLst>
-          </p:cNvPr>
-          <p:cNvSpPr/>
-          <p:nvPr/>
-        </p:nvSpPr>
-        <p:spPr>
-          <a:xfrm>
-            <a:off x="8997231" y="898674"/>
-            <a:ext cx="4645109" cy="9660477"/>
-          </a:xfrm>
-          <a:prstGeom prst="rect">
-            <a:avLst/>
-          </a:prstGeom>
-          <a:solidFill>
-            <a:srgbClr val="79B0DC">
-              <a:alpha val="23776"/>
-            </a:srgbClr>
-          </a:solidFill>
-          <a:ln w="12700">
-            <a:miter lim="400000"/>
-          </a:ln>
-        </p:spPr>
-        <p:txBody>
-          <a:bodyPr lIns="54570" tIns="54570" rIns="54570" bIns="54570" anchor="ctr"/>
-          <a:lstStyle/>
-          <a:p>
-            <a:pPr>
-              <a:lnSpc>
-                <a:spcPct val="80000"/>
-              </a:lnSpc>
-              <a:spcBef>
-                <a:spcPts val="0"/>
-              </a:spcBef>
-              <a:defRPr sz="1000" b="0">
-                <a:solidFill>
-                  <a:srgbClr val="000000"/>
-                </a:solidFill>
-              </a:defRPr>
-            </a:pPr>
-            <a:endParaRPr dirty="0"/>
-          </a:p>
-        </p:txBody>
-      </p:sp>
-      <p:sp>
-        <p:nvSpPr>
           <p:cNvPr id="54" name="Basics">
             <a:extLst>
               <a:ext uri="{FF2B5EF4-FFF2-40B4-BE49-F238E27FC236}">
@@ -8767,8 +10685,8 @@
         </p:nvSpPr>
         <p:spPr>
           <a:xfrm>
-            <a:off x="4973548" y="450359"/>
-            <a:ext cx="2603277" cy="340029"/>
+            <a:off x="4700416" y="450359"/>
+            <a:ext cx="3382336" cy="340029"/>
           </a:xfrm>
           <a:prstGeom prst="rect">
             <a:avLst/>
@@ -8778,7 +10696,7 @@
           </a:ln>
           <a:extLst>
             <a:ext uri="{C572A759-6A51-4108-AA02-DFA0A04FC94B}">
-              <ma14:wrappingTextBoxFlag xmlns="" xmlns:m="http://schemas.openxmlformats.org/officeDocument/2006/math" xmlns:a14="http://schemas.microsoft.com/office/drawing/2010/main" xmlns:ma14="http://schemas.microsoft.com/office/mac/drawingml/2011/main" val="1"/>
+              <ma14:wrappingTextBoxFlag xmlns:ma14="http://schemas.microsoft.com/office/mac/drawingml/2011/main" xmlns:a14="http://schemas.microsoft.com/office/drawing/2010/main" xmlns:m="http://schemas.openxmlformats.org/officeDocument/2006/math" xmlns="" val="1"/>
             </a:ext>
           </a:extLst>
         </p:spPr>
@@ -8802,12 +10720,16 @@
               </a:defRPr>
             </a:pPr>
             <a:r>
+              <a:rPr lang="fr-FR" dirty="0" err="1"/>
+              <a:t>Render</a:t>
+            </a:r>
+            <a:r>
               <a:rPr lang="fr-FR" dirty="0"/>
-              <a:t>Extra Box </a:t>
+              <a:t>/Output </a:t>
             </a:r>
             <a:r>
               <a:rPr lang="fr-FR" dirty="0" err="1"/>
-              <a:t>Elements</a:t>
+              <a:t>functions</a:t>
             </a:r>
             <a:endParaRPr dirty="0"/>
           </a:p>
@@ -8875,7 +10797,7 @@
         </p:nvSpPr>
         <p:spPr>
           <a:xfrm>
-            <a:off x="296751" y="484299"/>
+            <a:off x="296751" y="448674"/>
             <a:ext cx="823944" cy="340029"/>
           </a:xfrm>
           <a:prstGeom prst="rect">
@@ -8886,7 +10808,7 @@
           </a:ln>
           <a:extLst>
             <a:ext uri="{C572A759-6A51-4108-AA02-DFA0A04FC94B}">
-              <ma14:wrappingTextBoxFlag xmlns="" xmlns:m="http://schemas.openxmlformats.org/officeDocument/2006/math" xmlns:a14="http://schemas.microsoft.com/office/drawing/2010/main" xmlns:ma14="http://schemas.microsoft.com/office/mac/drawingml/2011/main" val="1"/>
+              <ma14:wrappingTextBoxFlag xmlns:ma14="http://schemas.microsoft.com/office/mac/drawingml/2011/main" xmlns:a14="http://schemas.microsoft.com/office/drawing/2010/main" xmlns:m="http://schemas.openxmlformats.org/officeDocument/2006/math" xmlns="" val="1"/>
             </a:ext>
           </a:extLst>
         </p:spPr>
@@ -8931,8 +10853,8 @@
         </p:nvSpPr>
         <p:spPr>
           <a:xfrm>
-            <a:off x="258957" y="898674"/>
-            <a:ext cx="3438881" cy="4984521"/>
+            <a:off x="258957" y="898673"/>
+            <a:ext cx="3438881" cy="9660471"/>
           </a:xfrm>
           <a:prstGeom prst="rect">
             <a:avLst/>
@@ -8967,12 +10889,156 @@
           </a:p>
         </p:txBody>
       </p:sp>
+      <p:pic>
+        <p:nvPicPr>
+          <p:cNvPr id="3" name="Image 2">
+            <a:extLst>
+              <a:ext uri="{FF2B5EF4-FFF2-40B4-BE49-F238E27FC236}">
+                <a16:creationId xmlns:a16="http://schemas.microsoft.com/office/drawing/2014/main" id="{D43BD3AC-7563-A744-8484-460379B01C1A}"/>
+              </a:ext>
+            </a:extLst>
+          </p:cNvPr>
+          <p:cNvPicPr>
+            <a:picLocks noChangeAspect="1"/>
+          </p:cNvPicPr>
+          <p:nvPr/>
+        </p:nvPicPr>
+        <p:blipFill>
+          <a:blip r:embed="rId4">
+            <a:extLst>
+              <a:ext uri="{28A0092B-C50C-407E-A947-70E740481C1C}">
+                <a14:useLocalDpi xmlns:a14="http://schemas.microsoft.com/office/drawing/2010/main" val="0"/>
+              </a:ext>
+            </a:extLst>
+          </a:blip>
+          <a:stretch>
+            <a:fillRect/>
+          </a:stretch>
+        </p:blipFill>
+        <p:spPr>
+          <a:xfrm>
+            <a:off x="506897" y="1436391"/>
+            <a:ext cx="2659380" cy="2362200"/>
+          </a:xfrm>
+          <a:prstGeom prst="rect">
+            <a:avLst/>
+          </a:prstGeom>
+        </p:spPr>
+      </p:pic>
+      <p:pic>
+        <p:nvPicPr>
+          <p:cNvPr id="25" name="Image 24">
+            <a:extLst>
+              <a:ext uri="{FF2B5EF4-FFF2-40B4-BE49-F238E27FC236}">
+                <a16:creationId xmlns:a16="http://schemas.microsoft.com/office/drawing/2014/main" id="{1E7C5FE5-4F40-4C46-ACEE-AFA85C353064}"/>
+              </a:ext>
+            </a:extLst>
+          </p:cNvPr>
+          <p:cNvPicPr>
+            <a:picLocks noChangeAspect="1"/>
+          </p:cNvPicPr>
+          <p:nvPr/>
+        </p:nvPicPr>
+        <p:blipFill>
+          <a:blip r:embed="rId5">
+            <a:extLst>
+              <a:ext uri="{28A0092B-C50C-407E-A947-70E740481C1C}">
+                <a14:useLocalDpi xmlns:a14="http://schemas.microsoft.com/office/drawing/2010/main" val="0"/>
+              </a:ext>
+            </a:extLst>
+          </a:blip>
+          <a:stretch>
+            <a:fillRect/>
+          </a:stretch>
+        </p:blipFill>
+        <p:spPr>
+          <a:xfrm>
+            <a:off x="453733" y="9278295"/>
+            <a:ext cx="2844800" cy="1143000"/>
+          </a:xfrm>
+          <a:prstGeom prst="rect">
+            <a:avLst/>
+          </a:prstGeom>
+        </p:spPr>
+      </p:pic>
+      <p:pic>
+        <p:nvPicPr>
+          <p:cNvPr id="27" name="Image 26">
+            <a:extLst>
+              <a:ext uri="{FF2B5EF4-FFF2-40B4-BE49-F238E27FC236}">
+                <a16:creationId xmlns:a16="http://schemas.microsoft.com/office/drawing/2014/main" id="{C1053FEC-A434-0149-853C-DF75EF83FD17}"/>
+              </a:ext>
+            </a:extLst>
+          </p:cNvPr>
+          <p:cNvPicPr>
+            <a:picLocks noChangeAspect="1"/>
+          </p:cNvPicPr>
+          <p:nvPr/>
+        </p:nvPicPr>
+        <p:blipFill>
+          <a:blip r:embed="rId6">
+            <a:extLst>
+              <a:ext uri="{28A0092B-C50C-407E-A947-70E740481C1C}">
+                <a14:useLocalDpi xmlns:a14="http://schemas.microsoft.com/office/drawing/2010/main" val="0"/>
+              </a:ext>
+            </a:extLst>
+          </a:blip>
+          <a:stretch>
+            <a:fillRect/>
+          </a:stretch>
+        </p:blipFill>
+        <p:spPr>
+          <a:xfrm>
+            <a:off x="453733" y="7388377"/>
+            <a:ext cx="2844800" cy="1257300"/>
+          </a:xfrm>
+          <a:prstGeom prst="rect">
+            <a:avLst/>
+          </a:prstGeom>
+        </p:spPr>
+      </p:pic>
+      <p:pic>
+        <p:nvPicPr>
+          <p:cNvPr id="29" name="Image 28" descr="Une image contenant capture d’écran&#10;&#10;Description générée automatiquement">
+            <a:extLst>
+              <a:ext uri="{FF2B5EF4-FFF2-40B4-BE49-F238E27FC236}">
+                <a16:creationId xmlns:a16="http://schemas.microsoft.com/office/drawing/2014/main" id="{66300CB8-871B-044B-A23E-9075CDEE28A9}"/>
+              </a:ext>
+            </a:extLst>
+          </p:cNvPr>
+          <p:cNvPicPr>
+            <a:picLocks noChangeAspect="1"/>
+          </p:cNvPicPr>
+          <p:nvPr/>
+        </p:nvPicPr>
+        <p:blipFill>
+          <a:blip r:embed="rId7">
+            <a:extLst>
+              <a:ext uri="{28A0092B-C50C-407E-A947-70E740481C1C}">
+                <a14:useLocalDpi xmlns:a14="http://schemas.microsoft.com/office/drawing/2010/main" val="0"/>
+              </a:ext>
+            </a:extLst>
+          </a:blip>
+          <a:stretch>
+            <a:fillRect/>
+          </a:stretch>
+        </p:blipFill>
+        <p:spPr>
+          <a:xfrm>
+            <a:off x="538823" y="4545434"/>
+            <a:ext cx="2674620" cy="1920240"/>
+          </a:xfrm>
+          <a:prstGeom prst="rect">
+            <a:avLst/>
+          </a:prstGeom>
+        </p:spPr>
+      </p:pic>
       <p:sp>
         <p:nvSpPr>
-          <p:cNvPr id="61" name="ZoneTexte 60">
+          <p:cNvPr id="41" name="ggplot(mpg, aes(hwy, cty)) +…">
             <a:extLst>
               <a:ext uri="{FF2B5EF4-FFF2-40B4-BE49-F238E27FC236}">
-                <a16:creationId xmlns:a16="http://schemas.microsoft.com/office/drawing/2014/main" id="{8CF823AC-6F2F-8B4F-8F4D-CD8D08E92824}"/>
+                <a16:creationId xmlns:a16="http://schemas.microsoft.com/office/drawing/2014/main" id="{ED0CC9C1-060C-2343-BAD2-FB4409466510}"/>
               </a:ext>
             </a:extLst>
           </p:cNvPr>
@@ -8981,8 +11047,875 @@
         </p:nvSpPr>
         <p:spPr>
           <a:xfrm>
-            <a:off x="9504431" y="1242842"/>
-            <a:ext cx="3025059" cy="505186"/>
+            <a:off x="538823" y="995017"/>
+            <a:ext cx="1045449" cy="294872"/>
+          </a:xfrm>
+          <a:prstGeom prst="rect">
+            <a:avLst/>
+          </a:prstGeom>
+          <a:solidFill>
+            <a:srgbClr val="FFFFFF"/>
+          </a:solidFill>
+          <a:ln w="12700">
+            <a:solidFill>
+              <a:srgbClr val="A6AAA9"/>
+            </a:solidFill>
+            <a:miter lim="400000"/>
+          </a:ln>
+          <a:extLst>
+            <a:ext uri="{C572A759-6A51-4108-AA02-DFA0A04FC94B}">
+              <ma14:wrappingTextBoxFlag xmlns:ma14="http://schemas.microsoft.com/office/mac/drawingml/2011/main" xmlns:a14="http://schemas.microsoft.com/office/drawing/2010/main" xmlns:m="http://schemas.openxmlformats.org/officeDocument/2006/math" xmlns="" val="1"/>
+            </a:ext>
+          </a:extLst>
+        </p:spPr>
+        <p:txBody>
+          <a:bodyPr wrap="square" lIns="54570" tIns="54570" rIns="54570" bIns="54570" anchor="ctr">
+            <a:spAutoFit/>
+          </a:bodyPr>
+          <a:lstStyle/>
+          <a:p>
+            <a:pPr>
+              <a:spcBef>
+                <a:spcPts val="0"/>
+              </a:spcBef>
+              <a:defRPr b="0">
+                <a:solidFill>
+                  <a:srgbClr val="000000"/>
+                </a:solidFill>
+                <a:latin typeface="Menlo"/>
+                <a:ea typeface="Menlo"/>
+                <a:cs typeface="Menlo"/>
+                <a:sym typeface="Menlo"/>
+              </a:defRPr>
+            </a:pPr>
+            <a:r>
+              <a:rPr lang="fr-FR" dirty="0"/>
+              <a:t>box(...)</a:t>
+            </a:r>
+            <a:endParaRPr dirty="0"/>
+          </a:p>
+        </p:txBody>
+      </p:sp>
+      <p:sp>
+        <p:nvSpPr>
+          <p:cNvPr id="42" name="ggplot(mpg, aes(hwy, cty)) +…">
+            <a:extLst>
+              <a:ext uri="{FF2B5EF4-FFF2-40B4-BE49-F238E27FC236}">
+                <a16:creationId xmlns:a16="http://schemas.microsoft.com/office/drawing/2014/main" id="{2DAEA7C5-801B-994D-A487-B18A15D9D505}"/>
+              </a:ext>
+            </a:extLst>
+          </p:cNvPr>
+          <p:cNvSpPr txBox="1"/>
+          <p:nvPr/>
+        </p:nvSpPr>
+        <p:spPr>
+          <a:xfrm>
+            <a:off x="506897" y="3974205"/>
+            <a:ext cx="2224428" cy="294872"/>
+          </a:xfrm>
+          <a:prstGeom prst="rect">
+            <a:avLst/>
+          </a:prstGeom>
+          <a:solidFill>
+            <a:srgbClr val="FFFFFF"/>
+          </a:solidFill>
+          <a:ln w="12700">
+            <a:solidFill>
+              <a:srgbClr val="A6AAA9"/>
+            </a:solidFill>
+            <a:miter lim="400000"/>
+          </a:ln>
+          <a:extLst>
+            <a:ext uri="{C572A759-6A51-4108-AA02-DFA0A04FC94B}">
+              <ma14:wrappingTextBoxFlag xmlns:ma14="http://schemas.microsoft.com/office/mac/drawingml/2011/main" xmlns:a14="http://schemas.microsoft.com/office/drawing/2010/main" xmlns:m="http://schemas.openxmlformats.org/officeDocument/2006/math" xmlns="" val="1"/>
+            </a:ext>
+          </a:extLst>
+        </p:spPr>
+        <p:txBody>
+          <a:bodyPr wrap="square" lIns="54570" tIns="54570" rIns="54570" bIns="54570" anchor="ctr">
+            <a:spAutoFit/>
+          </a:bodyPr>
+          <a:lstStyle/>
+          <a:p>
+            <a:pPr>
+              <a:spcBef>
+                <a:spcPts val="0"/>
+              </a:spcBef>
+              <a:defRPr b="0">
+                <a:solidFill>
+                  <a:srgbClr val="000000"/>
+                </a:solidFill>
+                <a:latin typeface="Menlo"/>
+                <a:ea typeface="Menlo"/>
+                <a:cs typeface="Menlo"/>
+                <a:sym typeface="Menlo"/>
+              </a:defRPr>
+            </a:pPr>
+            <a:r>
+              <a:rPr lang="fr-FR" dirty="0" err="1"/>
+              <a:t>tabBox</a:t>
+            </a:r>
+            <a:r>
+              <a:rPr lang="fr-FR" dirty="0"/>
+              <a:t>(..., id = NULL)</a:t>
+            </a:r>
+            <a:endParaRPr dirty="0"/>
+          </a:p>
+        </p:txBody>
+      </p:sp>
+      <p:sp>
+        <p:nvSpPr>
+          <p:cNvPr id="48" name="ggplot(mpg, aes(hwy, cty)) +…">
+            <a:extLst>
+              <a:ext uri="{FF2B5EF4-FFF2-40B4-BE49-F238E27FC236}">
+                <a16:creationId xmlns:a16="http://schemas.microsoft.com/office/drawing/2014/main" id="{10BC2117-9891-E34B-B250-BF32D953A657}"/>
+              </a:ext>
+            </a:extLst>
+          </p:cNvPr>
+          <p:cNvSpPr txBox="1"/>
+          <p:nvPr/>
+        </p:nvSpPr>
+        <p:spPr>
+          <a:xfrm>
+            <a:off x="453733" y="6953568"/>
+            <a:ext cx="1458194" cy="294872"/>
+          </a:xfrm>
+          <a:prstGeom prst="rect">
+            <a:avLst/>
+          </a:prstGeom>
+          <a:solidFill>
+            <a:srgbClr val="FFFFFF"/>
+          </a:solidFill>
+          <a:ln w="12700">
+            <a:solidFill>
+              <a:srgbClr val="A6AAA9"/>
+            </a:solidFill>
+            <a:miter lim="400000"/>
+          </a:ln>
+          <a:extLst>
+            <a:ext uri="{C572A759-6A51-4108-AA02-DFA0A04FC94B}">
+              <ma14:wrappingTextBoxFlag xmlns:ma14="http://schemas.microsoft.com/office/mac/drawingml/2011/main" xmlns:a14="http://schemas.microsoft.com/office/drawing/2010/main" xmlns:m="http://schemas.openxmlformats.org/officeDocument/2006/math" xmlns="" val="1"/>
+            </a:ext>
+          </a:extLst>
+        </p:spPr>
+        <p:txBody>
+          <a:bodyPr wrap="square" lIns="54570" tIns="54570" rIns="54570" bIns="54570" anchor="ctr">
+            <a:spAutoFit/>
+          </a:bodyPr>
+          <a:lstStyle/>
+          <a:p>
+            <a:pPr>
+              <a:spcBef>
+                <a:spcPts val="0"/>
+              </a:spcBef>
+              <a:defRPr b="0">
+                <a:solidFill>
+                  <a:srgbClr val="000000"/>
+                </a:solidFill>
+                <a:latin typeface="Menlo"/>
+                <a:ea typeface="Menlo"/>
+                <a:cs typeface="Menlo"/>
+                <a:sym typeface="Menlo"/>
+              </a:defRPr>
+            </a:pPr>
+            <a:r>
+              <a:rPr lang="fr-FR" dirty="0" err="1"/>
+              <a:t>valueBox</a:t>
+            </a:r>
+            <a:r>
+              <a:rPr lang="fr-FR" dirty="0"/>
+              <a:t>(...)</a:t>
+            </a:r>
+            <a:endParaRPr dirty="0"/>
+          </a:p>
+        </p:txBody>
+      </p:sp>
+      <p:sp>
+        <p:nvSpPr>
+          <p:cNvPr id="50" name="ggplot(mpg, aes(hwy, cty)) +…">
+            <a:extLst>
+              <a:ext uri="{FF2B5EF4-FFF2-40B4-BE49-F238E27FC236}">
+                <a16:creationId xmlns:a16="http://schemas.microsoft.com/office/drawing/2014/main" id="{9EB9B401-7134-3C4A-B335-657517187EAD}"/>
+              </a:ext>
+            </a:extLst>
+          </p:cNvPr>
+          <p:cNvSpPr txBox="1"/>
+          <p:nvPr/>
+        </p:nvSpPr>
+        <p:spPr>
+          <a:xfrm>
+            <a:off x="453733" y="8820394"/>
+            <a:ext cx="1239074" cy="294872"/>
+          </a:xfrm>
+          <a:prstGeom prst="rect">
+            <a:avLst/>
+          </a:prstGeom>
+          <a:solidFill>
+            <a:srgbClr val="FFFFFF"/>
+          </a:solidFill>
+          <a:ln w="12700">
+            <a:solidFill>
+              <a:srgbClr val="A6AAA9"/>
+            </a:solidFill>
+            <a:miter lim="400000"/>
+          </a:ln>
+          <a:extLst>
+            <a:ext uri="{C572A759-6A51-4108-AA02-DFA0A04FC94B}">
+              <ma14:wrappingTextBoxFlag xmlns:ma14="http://schemas.microsoft.com/office/mac/drawingml/2011/main" xmlns:a14="http://schemas.microsoft.com/office/drawing/2010/main" xmlns:m="http://schemas.openxmlformats.org/officeDocument/2006/math" xmlns="" val="1"/>
+            </a:ext>
+          </a:extLst>
+        </p:spPr>
+        <p:txBody>
+          <a:bodyPr wrap="square" lIns="54570" tIns="54570" rIns="54570" bIns="54570" anchor="ctr">
+            <a:spAutoFit/>
+          </a:bodyPr>
+          <a:lstStyle/>
+          <a:p>
+            <a:pPr>
+              <a:spcBef>
+                <a:spcPts val="0"/>
+              </a:spcBef>
+              <a:defRPr b="0">
+                <a:solidFill>
+                  <a:srgbClr val="000000"/>
+                </a:solidFill>
+                <a:latin typeface="Menlo"/>
+                <a:ea typeface="Menlo"/>
+                <a:cs typeface="Menlo"/>
+                <a:sym typeface="Menlo"/>
+              </a:defRPr>
+            </a:pPr>
+            <a:r>
+              <a:rPr lang="fr-FR" dirty="0" err="1"/>
+              <a:t>infoBox</a:t>
+            </a:r>
+            <a:r>
+              <a:rPr lang="fr-FR" dirty="0"/>
+              <a:t>(...)</a:t>
+            </a:r>
+            <a:endParaRPr dirty="0"/>
+          </a:p>
+        </p:txBody>
+      </p:sp>
+      <p:sp>
+        <p:nvSpPr>
+          <p:cNvPr id="53" name="ggplot(mpg, aes(hwy, cty)) +…">
+            <a:extLst>
+              <a:ext uri="{FF2B5EF4-FFF2-40B4-BE49-F238E27FC236}">
+                <a16:creationId xmlns:a16="http://schemas.microsoft.com/office/drawing/2014/main" id="{D7453739-98D6-C444-8B68-9BDDF19A92C8}"/>
+              </a:ext>
+            </a:extLst>
+          </p:cNvPr>
+          <p:cNvSpPr txBox="1"/>
+          <p:nvPr/>
+        </p:nvSpPr>
+        <p:spPr>
+          <a:xfrm>
+            <a:off x="4294480" y="1242842"/>
+            <a:ext cx="1859240" cy="294872"/>
+          </a:xfrm>
+          <a:prstGeom prst="rect">
+            <a:avLst/>
+          </a:prstGeom>
+          <a:solidFill>
+            <a:srgbClr val="FFFFFF"/>
+          </a:solidFill>
+          <a:ln w="12700">
+            <a:solidFill>
+              <a:srgbClr val="A6AAA9"/>
+            </a:solidFill>
+            <a:miter lim="400000"/>
+          </a:ln>
+          <a:extLst>
+            <a:ext uri="{C572A759-6A51-4108-AA02-DFA0A04FC94B}">
+              <ma14:wrappingTextBoxFlag xmlns:ma14="http://schemas.microsoft.com/office/mac/drawingml/2011/main" xmlns:a14="http://schemas.microsoft.com/office/drawing/2010/main" xmlns:m="http://schemas.openxmlformats.org/officeDocument/2006/math" xmlns="" val="1"/>
+            </a:ext>
+          </a:extLst>
+        </p:spPr>
+        <p:txBody>
+          <a:bodyPr wrap="square" lIns="54570" tIns="54570" rIns="54570" bIns="54570" anchor="ctr">
+            <a:spAutoFit/>
+          </a:bodyPr>
+          <a:lstStyle/>
+          <a:p>
+            <a:pPr>
+              <a:spcBef>
+                <a:spcPts val="0"/>
+              </a:spcBef>
+              <a:defRPr b="0">
+                <a:solidFill>
+                  <a:srgbClr val="000000"/>
+                </a:solidFill>
+                <a:latin typeface="Menlo"/>
+                <a:ea typeface="Menlo"/>
+                <a:cs typeface="Menlo"/>
+                <a:sym typeface="Menlo"/>
+              </a:defRPr>
+            </a:pPr>
+            <a:r>
+              <a:rPr lang="fr-FR" dirty="0" err="1"/>
+              <a:t>renderInfobox</a:t>
+            </a:r>
+            <a:r>
+              <a:rPr lang="fr-FR" dirty="0"/>
+              <a:t>(...)</a:t>
+            </a:r>
+            <a:endParaRPr dirty="0"/>
+          </a:p>
+        </p:txBody>
+      </p:sp>
+      <p:sp>
+        <p:nvSpPr>
+          <p:cNvPr id="57" name="ggplot(mpg, aes(hwy, cty)) +…">
+            <a:extLst>
+              <a:ext uri="{FF2B5EF4-FFF2-40B4-BE49-F238E27FC236}">
+                <a16:creationId xmlns:a16="http://schemas.microsoft.com/office/drawing/2014/main" id="{C5DB857D-A4C8-9E4C-8D07-34050805C0E8}"/>
+              </a:ext>
+            </a:extLst>
+          </p:cNvPr>
+          <p:cNvSpPr txBox="1"/>
+          <p:nvPr/>
+        </p:nvSpPr>
+        <p:spPr>
+          <a:xfrm>
+            <a:off x="4318227" y="3098112"/>
+            <a:ext cx="1859240" cy="294872"/>
+          </a:xfrm>
+          <a:prstGeom prst="rect">
+            <a:avLst/>
+          </a:prstGeom>
+          <a:solidFill>
+            <a:srgbClr val="FFFFFF"/>
+          </a:solidFill>
+          <a:ln w="12700">
+            <a:solidFill>
+              <a:srgbClr val="A6AAA9"/>
+            </a:solidFill>
+            <a:miter lim="400000"/>
+          </a:ln>
+          <a:extLst>
+            <a:ext uri="{C572A759-6A51-4108-AA02-DFA0A04FC94B}">
+              <ma14:wrappingTextBoxFlag xmlns:ma14="http://schemas.microsoft.com/office/mac/drawingml/2011/main" xmlns:a14="http://schemas.microsoft.com/office/drawing/2010/main" xmlns:m="http://schemas.openxmlformats.org/officeDocument/2006/math" xmlns="" val="1"/>
+            </a:ext>
+          </a:extLst>
+        </p:spPr>
+        <p:txBody>
+          <a:bodyPr wrap="square" lIns="54570" tIns="54570" rIns="54570" bIns="54570" anchor="ctr">
+            <a:spAutoFit/>
+          </a:bodyPr>
+          <a:lstStyle/>
+          <a:p>
+            <a:pPr>
+              <a:spcBef>
+                <a:spcPts val="0"/>
+              </a:spcBef>
+              <a:defRPr b="0">
+                <a:solidFill>
+                  <a:srgbClr val="000000"/>
+                </a:solidFill>
+                <a:latin typeface="Menlo"/>
+                <a:ea typeface="Menlo"/>
+                <a:cs typeface="Menlo"/>
+                <a:sym typeface="Menlo"/>
+              </a:defRPr>
+            </a:pPr>
+            <a:r>
+              <a:rPr lang="fr-FR" dirty="0" err="1"/>
+              <a:t>renderValuebox</a:t>
+            </a:r>
+            <a:r>
+              <a:rPr lang="fr-FR" dirty="0"/>
+              <a:t>(...)</a:t>
+            </a:r>
+            <a:endParaRPr dirty="0"/>
+          </a:p>
+        </p:txBody>
+      </p:sp>
+      <p:sp>
+        <p:nvSpPr>
+          <p:cNvPr id="58" name="ggplot(mpg, aes(hwy, cty)) +…">
+            <a:extLst>
+              <a:ext uri="{FF2B5EF4-FFF2-40B4-BE49-F238E27FC236}">
+                <a16:creationId xmlns:a16="http://schemas.microsoft.com/office/drawing/2014/main" id="{C8411246-8AA5-0140-AFBF-C8D36F21CBEC}"/>
+              </a:ext>
+            </a:extLst>
+          </p:cNvPr>
+          <p:cNvSpPr txBox="1"/>
+          <p:nvPr/>
+        </p:nvSpPr>
+        <p:spPr>
+          <a:xfrm>
+            <a:off x="4318227" y="5412632"/>
+            <a:ext cx="1537926" cy="294872"/>
+          </a:xfrm>
+          <a:prstGeom prst="rect">
+            <a:avLst/>
+          </a:prstGeom>
+          <a:solidFill>
+            <a:srgbClr val="FFFFFF"/>
+          </a:solidFill>
+          <a:ln w="12700">
+            <a:solidFill>
+              <a:srgbClr val="A6AAA9"/>
+            </a:solidFill>
+            <a:miter lim="400000"/>
+          </a:ln>
+          <a:extLst>
+            <a:ext uri="{C572A759-6A51-4108-AA02-DFA0A04FC94B}">
+              <ma14:wrappingTextBoxFlag xmlns:ma14="http://schemas.microsoft.com/office/mac/drawingml/2011/main" xmlns:a14="http://schemas.microsoft.com/office/drawing/2010/main" xmlns:m="http://schemas.openxmlformats.org/officeDocument/2006/math" xmlns="" val="1"/>
+            </a:ext>
+          </a:extLst>
+        </p:spPr>
+        <p:txBody>
+          <a:bodyPr wrap="square" lIns="54570" tIns="54570" rIns="54570" bIns="54570" anchor="ctr">
+            <a:spAutoFit/>
+          </a:bodyPr>
+          <a:lstStyle/>
+          <a:p>
+            <a:pPr>
+              <a:spcBef>
+                <a:spcPts val="0"/>
+              </a:spcBef>
+              <a:defRPr b="0">
+                <a:solidFill>
+                  <a:srgbClr val="000000"/>
+                </a:solidFill>
+                <a:latin typeface="Menlo"/>
+                <a:ea typeface="Menlo"/>
+                <a:cs typeface="Menlo"/>
+                <a:sym typeface="Menlo"/>
+              </a:defRPr>
+            </a:pPr>
+            <a:r>
+              <a:rPr lang="fr-FR" dirty="0" err="1"/>
+              <a:t>renderMenu</a:t>
+            </a:r>
+            <a:r>
+              <a:rPr lang="fr-FR" dirty="0"/>
+              <a:t>(...)</a:t>
+            </a:r>
+            <a:endParaRPr dirty="0"/>
+          </a:p>
+        </p:txBody>
+      </p:sp>
+      <p:sp>
+        <p:nvSpPr>
+          <p:cNvPr id="59" name="ggplot(mpg, aes(hwy, cty)) +…">
+            <a:extLst>
+              <a:ext uri="{FF2B5EF4-FFF2-40B4-BE49-F238E27FC236}">
+                <a16:creationId xmlns:a16="http://schemas.microsoft.com/office/drawing/2014/main" id="{8EAF84F0-2C6B-014E-BECC-FF2DD10853FA}"/>
+              </a:ext>
+            </a:extLst>
+          </p:cNvPr>
+          <p:cNvSpPr txBox="1"/>
+          <p:nvPr/>
+        </p:nvSpPr>
+        <p:spPr>
+          <a:xfrm>
+            <a:off x="6035629" y="4668005"/>
+            <a:ext cx="2229405" cy="294872"/>
+          </a:xfrm>
+          <a:prstGeom prst="rect">
+            <a:avLst/>
+          </a:prstGeom>
+          <a:solidFill>
+            <a:srgbClr val="FFFFFF"/>
+          </a:solidFill>
+          <a:ln w="12700">
+            <a:solidFill>
+              <a:srgbClr val="A6AAA9"/>
+            </a:solidFill>
+            <a:miter lim="400000"/>
+          </a:ln>
+          <a:extLst>
+            <a:ext uri="{C572A759-6A51-4108-AA02-DFA0A04FC94B}">
+              <ma14:wrappingTextBoxFlag xmlns:ma14="http://schemas.microsoft.com/office/mac/drawingml/2011/main" xmlns:a14="http://schemas.microsoft.com/office/drawing/2010/main" xmlns:m="http://schemas.openxmlformats.org/officeDocument/2006/math" xmlns="" val="1"/>
+            </a:ext>
+          </a:extLst>
+        </p:spPr>
+        <p:txBody>
+          <a:bodyPr wrap="square" lIns="54570" tIns="54570" rIns="54570" bIns="54570" anchor="ctr">
+            <a:spAutoFit/>
+          </a:bodyPr>
+          <a:lstStyle/>
+          <a:p>
+            <a:pPr>
+              <a:spcBef>
+                <a:spcPts val="0"/>
+              </a:spcBef>
+              <a:defRPr b="0">
+                <a:solidFill>
+                  <a:srgbClr val="000000"/>
+                </a:solidFill>
+                <a:latin typeface="Menlo"/>
+                <a:ea typeface="Menlo"/>
+                <a:cs typeface="Menlo"/>
+                <a:sym typeface="Menlo"/>
+              </a:defRPr>
+            </a:pPr>
+            <a:r>
+              <a:rPr lang="fr-FR" dirty="0" err="1"/>
+              <a:t>sidebarMenuOutput</a:t>
+            </a:r>
+            <a:r>
+              <a:rPr lang="fr-FR" dirty="0"/>
+              <a:t>(...)</a:t>
+            </a:r>
+            <a:endParaRPr dirty="0"/>
+          </a:p>
+        </p:txBody>
+      </p:sp>
+      <p:sp>
+        <p:nvSpPr>
+          <p:cNvPr id="60" name="ggplot(mpg, aes(hwy, cty)) +…">
+            <a:extLst>
+              <a:ext uri="{FF2B5EF4-FFF2-40B4-BE49-F238E27FC236}">
+                <a16:creationId xmlns:a16="http://schemas.microsoft.com/office/drawing/2014/main" id="{E9AF129B-D7B2-A044-A247-EF7E81790779}"/>
+              </a:ext>
+            </a:extLst>
+          </p:cNvPr>
+          <p:cNvSpPr txBox="1"/>
+          <p:nvPr/>
+        </p:nvSpPr>
+        <p:spPr>
+          <a:xfrm>
+            <a:off x="6568301" y="1243145"/>
+            <a:ext cx="1800098" cy="294872"/>
+          </a:xfrm>
+          <a:prstGeom prst="rect">
+            <a:avLst/>
+          </a:prstGeom>
+          <a:solidFill>
+            <a:srgbClr val="FFFFFF"/>
+          </a:solidFill>
+          <a:ln w="12700">
+            <a:solidFill>
+              <a:srgbClr val="A6AAA9"/>
+            </a:solidFill>
+            <a:miter lim="400000"/>
+          </a:ln>
+          <a:extLst>
+            <a:ext uri="{C572A759-6A51-4108-AA02-DFA0A04FC94B}">
+              <ma14:wrappingTextBoxFlag xmlns:ma14="http://schemas.microsoft.com/office/mac/drawingml/2011/main" xmlns:a14="http://schemas.microsoft.com/office/drawing/2010/main" xmlns:m="http://schemas.openxmlformats.org/officeDocument/2006/math" xmlns="" val="1"/>
+            </a:ext>
+          </a:extLst>
+        </p:spPr>
+        <p:txBody>
+          <a:bodyPr wrap="square" lIns="54570" tIns="54570" rIns="54570" bIns="54570" anchor="ctr">
+            <a:spAutoFit/>
+          </a:bodyPr>
+          <a:lstStyle/>
+          <a:p>
+            <a:pPr>
+              <a:spcBef>
+                <a:spcPts val="0"/>
+              </a:spcBef>
+              <a:defRPr b="0">
+                <a:solidFill>
+                  <a:srgbClr val="000000"/>
+                </a:solidFill>
+                <a:latin typeface="Menlo"/>
+                <a:ea typeface="Menlo"/>
+                <a:cs typeface="Menlo"/>
+                <a:sym typeface="Menlo"/>
+              </a:defRPr>
+            </a:pPr>
+            <a:r>
+              <a:rPr lang="fr-FR" dirty="0" err="1"/>
+              <a:t>infoBoxOutput</a:t>
+            </a:r>
+            <a:r>
+              <a:rPr lang="fr-FR" dirty="0"/>
+              <a:t>(...)</a:t>
+            </a:r>
+            <a:endParaRPr dirty="0"/>
+          </a:p>
+        </p:txBody>
+      </p:sp>
+      <p:sp>
+        <p:nvSpPr>
+          <p:cNvPr id="63" name="ggplot(mpg, aes(hwy, cty)) +…">
+            <a:extLst>
+              <a:ext uri="{FF2B5EF4-FFF2-40B4-BE49-F238E27FC236}">
+                <a16:creationId xmlns:a16="http://schemas.microsoft.com/office/drawing/2014/main" id="{78699117-59ED-F346-AF9E-D1B15A535BBB}"/>
+              </a:ext>
+            </a:extLst>
+          </p:cNvPr>
+          <p:cNvSpPr txBox="1"/>
+          <p:nvPr/>
+        </p:nvSpPr>
+        <p:spPr>
+          <a:xfrm>
+            <a:off x="6699476" y="3101264"/>
+            <a:ext cx="1859240" cy="294872"/>
+          </a:xfrm>
+          <a:prstGeom prst="rect">
+            <a:avLst/>
+          </a:prstGeom>
+          <a:solidFill>
+            <a:srgbClr val="FFFFFF"/>
+          </a:solidFill>
+          <a:ln w="12700">
+            <a:solidFill>
+              <a:srgbClr val="A6AAA9"/>
+            </a:solidFill>
+            <a:miter lim="400000"/>
+          </a:ln>
+          <a:extLst>
+            <a:ext uri="{C572A759-6A51-4108-AA02-DFA0A04FC94B}">
+              <ma14:wrappingTextBoxFlag xmlns:ma14="http://schemas.microsoft.com/office/mac/drawingml/2011/main" xmlns:a14="http://schemas.microsoft.com/office/drawing/2010/main" xmlns:m="http://schemas.openxmlformats.org/officeDocument/2006/math" xmlns="" val="1"/>
+            </a:ext>
+          </a:extLst>
+        </p:spPr>
+        <p:txBody>
+          <a:bodyPr wrap="square" lIns="54570" tIns="54570" rIns="54570" bIns="54570" anchor="ctr">
+            <a:spAutoFit/>
+          </a:bodyPr>
+          <a:lstStyle/>
+          <a:p>
+            <a:pPr>
+              <a:spcBef>
+                <a:spcPts val="0"/>
+              </a:spcBef>
+              <a:defRPr b="0">
+                <a:solidFill>
+                  <a:srgbClr val="000000"/>
+                </a:solidFill>
+                <a:latin typeface="Menlo"/>
+                <a:ea typeface="Menlo"/>
+                <a:cs typeface="Menlo"/>
+                <a:sym typeface="Menlo"/>
+              </a:defRPr>
+            </a:pPr>
+            <a:r>
+              <a:rPr lang="fr-FR" dirty="0" err="1"/>
+              <a:t>valueBoxOutput</a:t>
+            </a:r>
+            <a:r>
+              <a:rPr lang="fr-FR" dirty="0"/>
+              <a:t>(...)</a:t>
+            </a:r>
+            <a:endParaRPr dirty="0"/>
+          </a:p>
+        </p:txBody>
+      </p:sp>
+      <p:sp>
+        <p:nvSpPr>
+          <p:cNvPr id="64" name="ggplot(mpg, aes(hwy, cty)) +…">
+            <a:extLst>
+              <a:ext uri="{FF2B5EF4-FFF2-40B4-BE49-F238E27FC236}">
+                <a16:creationId xmlns:a16="http://schemas.microsoft.com/office/drawing/2014/main" id="{92633F0A-D8E8-6447-880E-80DDDEA5BFE5}"/>
+              </a:ext>
+            </a:extLst>
+          </p:cNvPr>
+          <p:cNvSpPr txBox="1"/>
+          <p:nvPr/>
+        </p:nvSpPr>
+        <p:spPr>
+          <a:xfrm>
+            <a:off x="6225634" y="6164356"/>
+            <a:ext cx="1929627" cy="294872"/>
+          </a:xfrm>
+          <a:prstGeom prst="rect">
+            <a:avLst/>
+          </a:prstGeom>
+          <a:solidFill>
+            <a:srgbClr val="FFFFFF"/>
+          </a:solidFill>
+          <a:ln w="12700">
+            <a:solidFill>
+              <a:srgbClr val="A6AAA9"/>
+            </a:solidFill>
+            <a:miter lim="400000"/>
+          </a:ln>
+          <a:extLst>
+            <a:ext uri="{C572A759-6A51-4108-AA02-DFA0A04FC94B}">
+              <ma14:wrappingTextBoxFlag xmlns:ma14="http://schemas.microsoft.com/office/mac/drawingml/2011/main" xmlns:a14="http://schemas.microsoft.com/office/drawing/2010/main" xmlns:m="http://schemas.openxmlformats.org/officeDocument/2006/math" xmlns="" val="1"/>
+            </a:ext>
+          </a:extLst>
+        </p:spPr>
+        <p:txBody>
+          <a:bodyPr wrap="square" lIns="54570" tIns="54570" rIns="54570" bIns="54570" anchor="ctr">
+            <a:spAutoFit/>
+          </a:bodyPr>
+          <a:lstStyle/>
+          <a:p>
+            <a:pPr>
+              <a:spcBef>
+                <a:spcPts val="0"/>
+              </a:spcBef>
+              <a:defRPr b="0">
+                <a:solidFill>
+                  <a:srgbClr val="000000"/>
+                </a:solidFill>
+                <a:latin typeface="Menlo"/>
+                <a:ea typeface="Menlo"/>
+                <a:cs typeface="Menlo"/>
+                <a:sym typeface="Menlo"/>
+              </a:defRPr>
+            </a:pPr>
+            <a:r>
+              <a:rPr lang="fr-FR" dirty="0" err="1"/>
+              <a:t>menuItemOutput</a:t>
+            </a:r>
+            <a:r>
+              <a:rPr lang="fr-FR" dirty="0"/>
+              <a:t>(...)</a:t>
+            </a:r>
+            <a:endParaRPr dirty="0"/>
+          </a:p>
+        </p:txBody>
+      </p:sp>
+      <p:sp>
+        <p:nvSpPr>
+          <p:cNvPr id="65" name="ggplot(mpg, aes(hwy, cty)) +…">
+            <a:extLst>
+              <a:ext uri="{FF2B5EF4-FFF2-40B4-BE49-F238E27FC236}">
+                <a16:creationId xmlns:a16="http://schemas.microsoft.com/office/drawing/2014/main" id="{C001A7CD-83AE-F444-900F-C50C70173F93}"/>
+              </a:ext>
+            </a:extLst>
+          </p:cNvPr>
+          <p:cNvSpPr txBox="1"/>
+          <p:nvPr/>
+        </p:nvSpPr>
+        <p:spPr>
+          <a:xfrm>
+            <a:off x="6439387" y="5416475"/>
+            <a:ext cx="2285582" cy="294872"/>
+          </a:xfrm>
+          <a:prstGeom prst="rect">
+            <a:avLst/>
+          </a:prstGeom>
+          <a:solidFill>
+            <a:srgbClr val="FFFFFF"/>
+          </a:solidFill>
+          <a:ln w="12700">
+            <a:solidFill>
+              <a:srgbClr val="A6AAA9"/>
+            </a:solidFill>
+            <a:miter lim="400000"/>
+          </a:ln>
+          <a:extLst>
+            <a:ext uri="{C572A759-6A51-4108-AA02-DFA0A04FC94B}">
+              <ma14:wrappingTextBoxFlag xmlns:ma14="http://schemas.microsoft.com/office/mac/drawingml/2011/main" xmlns:a14="http://schemas.microsoft.com/office/drawing/2010/main" xmlns:m="http://schemas.openxmlformats.org/officeDocument/2006/math" xmlns="" val="1"/>
+            </a:ext>
+          </a:extLst>
+        </p:spPr>
+        <p:txBody>
+          <a:bodyPr wrap="square" lIns="54570" tIns="54570" rIns="54570" bIns="54570" anchor="ctr">
+            <a:spAutoFit/>
+          </a:bodyPr>
+          <a:lstStyle/>
+          <a:p>
+            <a:pPr>
+              <a:spcBef>
+                <a:spcPts val="0"/>
+              </a:spcBef>
+              <a:defRPr b="0">
+                <a:solidFill>
+                  <a:srgbClr val="000000"/>
+                </a:solidFill>
+                <a:latin typeface="Menlo"/>
+                <a:ea typeface="Menlo"/>
+                <a:cs typeface="Menlo"/>
+                <a:sym typeface="Menlo"/>
+              </a:defRPr>
+            </a:pPr>
+            <a:r>
+              <a:rPr lang="fr-FR" dirty="0" err="1"/>
+              <a:t>dropdownMenuOutput</a:t>
+            </a:r>
+            <a:r>
+              <a:rPr lang="fr-FR" dirty="0"/>
+              <a:t>(...)</a:t>
+            </a:r>
+            <a:endParaRPr dirty="0"/>
+          </a:p>
+        </p:txBody>
+      </p:sp>
+      <p:sp>
+        <p:nvSpPr>
+          <p:cNvPr id="66" name="ggplot(mpg, aes(hwy, cty)) +…">
+            <a:extLst>
+              <a:ext uri="{FF2B5EF4-FFF2-40B4-BE49-F238E27FC236}">
+                <a16:creationId xmlns:a16="http://schemas.microsoft.com/office/drawing/2014/main" id="{568CE0B0-6113-CD4C-A037-79C826618493}"/>
+              </a:ext>
+            </a:extLst>
+          </p:cNvPr>
+          <p:cNvSpPr txBox="1"/>
+          <p:nvPr/>
+        </p:nvSpPr>
+        <p:spPr>
+          <a:xfrm>
+            <a:off x="9232364" y="5412632"/>
+            <a:ext cx="1537926" cy="294872"/>
+          </a:xfrm>
+          <a:prstGeom prst="rect">
+            <a:avLst/>
+          </a:prstGeom>
+          <a:solidFill>
+            <a:srgbClr val="FFFFFF"/>
+          </a:solidFill>
+          <a:ln w="12700">
+            <a:solidFill>
+              <a:srgbClr val="A6AAA9"/>
+            </a:solidFill>
+            <a:miter lim="400000"/>
+          </a:ln>
+          <a:extLst>
+            <a:ext uri="{C572A759-6A51-4108-AA02-DFA0A04FC94B}">
+              <ma14:wrappingTextBoxFlag xmlns:ma14="http://schemas.microsoft.com/office/mac/drawingml/2011/main" xmlns:a14="http://schemas.microsoft.com/office/drawing/2010/main" xmlns:m="http://schemas.openxmlformats.org/officeDocument/2006/math" xmlns="" val="1"/>
+            </a:ext>
+          </a:extLst>
+        </p:spPr>
+        <p:txBody>
+          <a:bodyPr wrap="square" lIns="54570" tIns="54570" rIns="54570" bIns="54570" anchor="ctr">
+            <a:spAutoFit/>
+          </a:bodyPr>
+          <a:lstStyle/>
+          <a:p>
+            <a:pPr>
+              <a:spcBef>
+                <a:spcPts val="0"/>
+              </a:spcBef>
+              <a:defRPr b="0">
+                <a:solidFill>
+                  <a:srgbClr val="000000"/>
+                </a:solidFill>
+                <a:latin typeface="Menlo"/>
+                <a:ea typeface="Menlo"/>
+                <a:cs typeface="Menlo"/>
+                <a:sym typeface="Menlo"/>
+              </a:defRPr>
+            </a:pPr>
+            <a:r>
+              <a:rPr lang="fr-FR" dirty="0" err="1"/>
+              <a:t>menuOutput</a:t>
+            </a:r>
+            <a:r>
+              <a:rPr lang="fr-FR" dirty="0"/>
+              <a:t>(...)</a:t>
+            </a:r>
+            <a:endParaRPr dirty="0"/>
+          </a:p>
+        </p:txBody>
+      </p:sp>
+      <p:sp>
+        <p:nvSpPr>
+          <p:cNvPr id="30" name="ZoneTexte 29">
+            <a:extLst>
+              <a:ext uri="{FF2B5EF4-FFF2-40B4-BE49-F238E27FC236}">
+                <a16:creationId xmlns:a16="http://schemas.microsoft.com/office/drawing/2014/main" id="{40E8F21E-EC22-E948-8A2B-99577ACFDFBE}"/>
+              </a:ext>
+            </a:extLst>
+          </p:cNvPr>
+          <p:cNvSpPr txBox="1"/>
+          <p:nvPr/>
+        </p:nvSpPr>
+        <p:spPr>
+          <a:xfrm>
+            <a:off x="4843663" y="881086"/>
+            <a:ext cx="941766" cy="320520"/>
           </a:xfrm>
           <a:prstGeom prst="rect">
             <a:avLst/>
@@ -9013,7 +11946,7 @@
           </a:bodyPr>
           <a:lstStyle/>
           <a:p>
-            <a:pPr marL="171450" marR="0" indent="-171450" algn="l" defTabSz="584200" rtl="0" fontAlgn="auto" latinLnBrk="0" hangingPunct="0">
+            <a:pPr marL="0" marR="0" indent="0" algn="l" defTabSz="584200" rtl="0" fontAlgn="auto" latinLnBrk="0" hangingPunct="0">
               <a:lnSpc>
                 <a:spcPct val="100000"/>
               </a:lnSpc>
@@ -9025,303 +11958,40 @@
               </a:spcAft>
               <a:buClrTx/>
               <a:buSzTx/>
-              <a:buFont typeface="Arial" panose="020B0604020202020204" pitchFamily="34" charset="0"/>
-              <a:buChar char="•"/>
+              <a:buFontTx/>
+              <a:buNone/>
               <a:tabLst/>
             </a:pPr>
             <a:r>
-              <a:rPr kumimoji="0" lang="fr-FR" sz="1200" b="0" i="0" u="none" strike="noStrike" cap="none" spc="0" normalizeH="0" baseline="0" dirty="0" err="1">
-                <a:ln>
-                  <a:noFill/>
-                </a:ln>
-                <a:solidFill>
-                  <a:schemeClr val="bg2">
-                    <a:lumMod val="10000"/>
+              <a:rPr lang="fr-FR" dirty="0">
+                <a:solidFill>
+                  <a:schemeClr val="accent5">
+                    <a:lumMod val="60000"/>
+                    <a:lumOff val="40000"/>
                   </a:schemeClr>
                 </a:solidFill>
-                <a:effectLst/>
-                <a:uFillTx/>
-                <a:latin typeface="Source Sans Pro"/>
-                <a:ea typeface="Source Sans Pro"/>
-                <a:cs typeface="Source Sans Pro"/>
-                <a:sym typeface="Source Sans Pro"/>
               </a:rPr>
-              <a:t>Alternatively</a:t>
-            </a:r>
-            <a:r>
-              <a:rPr kumimoji="0" lang="fr-FR" sz="1200" b="0" i="0" u="none" strike="noStrike" cap="none" spc="0" normalizeH="0" baseline="0" dirty="0">
-                <a:ln>
-                  <a:noFill/>
-                </a:ln>
-                <a:solidFill>
-                  <a:schemeClr val="bg2">
-                    <a:lumMod val="10000"/>
+              <a:t>Server </a:t>
+            </a:r>
+            <a:r>
+              <a:rPr lang="fr-FR" dirty="0" err="1">
+                <a:solidFill>
+                  <a:schemeClr val="accent5">
+                    <a:lumMod val="60000"/>
+                    <a:lumOff val="40000"/>
                   </a:schemeClr>
                 </a:solidFill>
-                <a:effectLst/>
-                <a:uFillTx/>
-                <a:latin typeface="Source Sans Pro"/>
-                <a:ea typeface="Source Sans Pro"/>
-                <a:cs typeface="Source Sans Pro"/>
-                <a:sym typeface="Source Sans Pro"/>
               </a:rPr>
-              <a:t>, </a:t>
-            </a:r>
-            <a:r>
-              <a:rPr kumimoji="0" lang="fr-FR" sz="1200" b="0" i="0" u="none" strike="noStrike" cap="none" spc="0" normalizeH="0" baseline="0" dirty="0" err="1">
-                <a:ln>
-                  <a:noFill/>
-                </a:ln>
-                <a:solidFill>
-                  <a:schemeClr val="bg2">
-                    <a:lumMod val="10000"/>
-                  </a:schemeClr>
-                </a:solidFill>
-                <a:effectLst/>
-                <a:uFillTx/>
-                <a:latin typeface="Source Sans Pro"/>
-                <a:ea typeface="Source Sans Pro"/>
-                <a:cs typeface="Source Sans Pro"/>
-                <a:sym typeface="Source Sans Pro"/>
-              </a:rPr>
-              <a:t>you</a:t>
-            </a:r>
-            <a:r>
-              <a:rPr kumimoji="0" lang="fr-FR" sz="1200" b="0" i="0" u="none" strike="noStrike" cap="none" spc="0" normalizeH="0" baseline="0" dirty="0">
-                <a:ln>
-                  <a:noFill/>
-                </a:ln>
-                <a:solidFill>
-                  <a:schemeClr val="bg2">
-                    <a:lumMod val="10000"/>
-                  </a:schemeClr>
-                </a:solidFill>
-                <a:effectLst/>
-                <a:uFillTx/>
-                <a:latin typeface="Source Sans Pro"/>
-                <a:ea typeface="Source Sans Pro"/>
-                <a:cs typeface="Source Sans Pro"/>
-                <a:sym typeface="Source Sans Pro"/>
-              </a:rPr>
-              <a:t> </a:t>
-            </a:r>
-            <a:r>
-              <a:rPr lang="fr-FR" b="0" dirty="0" err="1">
-                <a:solidFill>
-                  <a:schemeClr val="bg2">
-                    <a:lumMod val="10000"/>
-                  </a:schemeClr>
-                </a:solidFill>
-              </a:rPr>
-              <a:t>can</a:t>
-            </a:r>
-            <a:r>
-              <a:rPr kumimoji="0" lang="fr-FR" sz="1200" b="0" i="0" u="none" strike="noStrike" cap="none" spc="0" normalizeH="0" baseline="0" dirty="0">
-                <a:ln>
-                  <a:noFill/>
-                </a:ln>
-                <a:solidFill>
-                  <a:schemeClr val="bg2">
-                    <a:lumMod val="10000"/>
-                  </a:schemeClr>
-                </a:solidFill>
-                <a:effectLst/>
-                <a:uFillTx/>
-                <a:latin typeface="Source Sans Pro"/>
-                <a:ea typeface="Source Sans Pro"/>
-                <a:cs typeface="Source Sans Pro"/>
-                <a:sym typeface="Source Sans Pro"/>
-              </a:rPr>
-              <a:t> </a:t>
-            </a:r>
-            <a:r>
-              <a:rPr kumimoji="0" lang="fr-FR" sz="1200" b="0" i="0" u="none" strike="noStrike" cap="none" spc="0" normalizeH="0" baseline="0" dirty="0" err="1">
-                <a:ln>
-                  <a:noFill/>
-                </a:ln>
-                <a:solidFill>
-                  <a:schemeClr val="bg2">
-                    <a:lumMod val="10000"/>
-                  </a:schemeClr>
-                </a:solidFill>
-                <a:effectLst/>
-                <a:uFillTx/>
-                <a:latin typeface="Source Sans Pro"/>
-                <a:ea typeface="Source Sans Pro"/>
-                <a:cs typeface="Source Sans Pro"/>
-                <a:sym typeface="Source Sans Pro"/>
-              </a:rPr>
-              <a:t>embed</a:t>
-            </a:r>
-            <a:r>
-              <a:rPr kumimoji="0" lang="fr-FR" sz="1200" b="0" i="0" u="none" strike="noStrike" cap="none" spc="0" normalizeH="0" baseline="0" dirty="0">
-                <a:ln>
-                  <a:noFill/>
-                </a:ln>
-                <a:solidFill>
-                  <a:schemeClr val="bg2">
-                    <a:lumMod val="10000"/>
-                  </a:schemeClr>
-                </a:solidFill>
-                <a:effectLst/>
-                <a:uFillTx/>
-                <a:latin typeface="Source Sans Pro"/>
-                <a:ea typeface="Source Sans Pro"/>
-                <a:cs typeface="Source Sans Pro"/>
-                <a:sym typeface="Source Sans Pro"/>
-              </a:rPr>
-              <a:t> </a:t>
-            </a:r>
-            <a:r>
-              <a:rPr kumimoji="0" lang="fr-FR" sz="1200" b="0" i="0" u="none" strike="noStrike" cap="none" spc="0" normalizeH="0" baseline="0" dirty="0" err="1">
-                <a:ln>
-                  <a:noFill/>
-                </a:ln>
-                <a:solidFill>
-                  <a:schemeClr val="bg2">
-                    <a:lumMod val="10000"/>
-                  </a:schemeClr>
-                </a:solidFill>
-                <a:effectLst/>
-                <a:uFillTx/>
-                <a:latin typeface="Source Sans Pro"/>
-                <a:ea typeface="Source Sans Pro"/>
-                <a:cs typeface="Source Sans Pro"/>
-                <a:sym typeface="Source Sans Pro"/>
-              </a:rPr>
-              <a:t>shinydashboard</a:t>
-            </a:r>
-            <a:r>
-              <a:rPr kumimoji="0" lang="fr-FR" sz="1200" b="0" i="0" u="none" strike="noStrike" cap="none" spc="0" normalizeH="0" baseline="0" dirty="0">
-                <a:ln>
-                  <a:noFill/>
-                </a:ln>
-                <a:solidFill>
-                  <a:schemeClr val="bg2">
-                    <a:lumMod val="10000"/>
-                  </a:schemeClr>
-                </a:solidFill>
-                <a:effectLst/>
-                <a:uFillTx/>
-                <a:latin typeface="Source Sans Pro"/>
-                <a:ea typeface="Source Sans Pro"/>
-                <a:cs typeface="Source Sans Pro"/>
-                <a:sym typeface="Source Sans Pro"/>
-              </a:rPr>
-              <a:t> </a:t>
-            </a:r>
-            <a:r>
-              <a:rPr kumimoji="0" lang="fr-FR" sz="1200" b="0" i="0" u="none" strike="noStrike" cap="none" spc="0" normalizeH="0" baseline="0" dirty="0" err="1">
-                <a:ln>
-                  <a:noFill/>
-                </a:ln>
-                <a:solidFill>
-                  <a:schemeClr val="bg2">
-                    <a:lumMod val="10000"/>
-                  </a:schemeClr>
-                </a:solidFill>
-                <a:effectLst/>
-                <a:uFillTx/>
-                <a:latin typeface="Source Sans Pro"/>
-                <a:ea typeface="Source Sans Pro"/>
-                <a:cs typeface="Source Sans Pro"/>
-                <a:sym typeface="Source Sans Pro"/>
-              </a:rPr>
-              <a:t>elements</a:t>
-            </a:r>
-            <a:r>
-              <a:rPr kumimoji="0" lang="fr-FR" sz="1200" b="0" i="0" u="none" strike="noStrike" cap="none" spc="0" normalizeH="0" baseline="0" dirty="0">
-                <a:ln>
-                  <a:noFill/>
-                </a:ln>
-                <a:solidFill>
-                  <a:schemeClr val="bg2">
-                    <a:lumMod val="10000"/>
-                  </a:schemeClr>
-                </a:solidFill>
-                <a:effectLst/>
-                <a:uFillTx/>
-                <a:latin typeface="Source Sans Pro"/>
-                <a:ea typeface="Source Sans Pro"/>
-                <a:cs typeface="Source Sans Pro"/>
-                <a:sym typeface="Source Sans Pro"/>
-              </a:rPr>
-              <a:t> in </a:t>
-            </a:r>
-            <a:r>
-              <a:rPr kumimoji="0" lang="fr-FR" sz="1200" b="0" i="0" u="none" strike="noStrike" cap="none" spc="0" normalizeH="0" baseline="0" dirty="0" err="1">
-                <a:ln>
-                  <a:noFill/>
-                </a:ln>
-                <a:solidFill>
-                  <a:schemeClr val="bg2">
-                    <a:lumMod val="10000"/>
-                  </a:schemeClr>
-                </a:solidFill>
-                <a:effectLst/>
-                <a:uFillTx/>
-                <a:latin typeface="Source Sans Pro"/>
-                <a:ea typeface="Source Sans Pro"/>
-                <a:cs typeface="Source Sans Pro"/>
-                <a:sym typeface="Source Sans Pro"/>
-              </a:rPr>
-              <a:t>vanilla</a:t>
-            </a:r>
-            <a:r>
-              <a:rPr kumimoji="0" lang="fr-FR" sz="1200" b="0" i="0" u="none" strike="noStrike" cap="none" spc="0" normalizeH="0" baseline="0" dirty="0">
-                <a:ln>
-                  <a:noFill/>
-                </a:ln>
-                <a:solidFill>
-                  <a:schemeClr val="bg2">
-                    <a:lumMod val="10000"/>
-                  </a:schemeClr>
-                </a:solidFill>
-                <a:effectLst/>
-                <a:uFillTx/>
-                <a:latin typeface="Source Sans Pro"/>
-                <a:ea typeface="Source Sans Pro"/>
-                <a:cs typeface="Source Sans Pro"/>
-                <a:sym typeface="Source Sans Pro"/>
-              </a:rPr>
-              <a:t> </a:t>
-            </a:r>
-            <a:r>
-              <a:rPr kumimoji="0" lang="fr-FR" sz="1200" b="0" i="0" u="none" strike="noStrike" cap="none" spc="0" normalizeH="0" baseline="0" dirty="0" err="1">
-                <a:ln>
-                  <a:noFill/>
-                </a:ln>
-                <a:solidFill>
-                  <a:schemeClr val="bg2">
-                    <a:lumMod val="10000"/>
-                  </a:schemeClr>
-                </a:solidFill>
-                <a:effectLst/>
-                <a:uFillTx/>
-                <a:latin typeface="Source Sans Pro"/>
-                <a:ea typeface="Source Sans Pro"/>
-                <a:cs typeface="Source Sans Pro"/>
-                <a:sym typeface="Source Sans Pro"/>
-              </a:rPr>
-              <a:t>shiny</a:t>
-            </a:r>
-            <a:r>
-              <a:rPr lang="fr-FR" b="0" dirty="0">
-                <a:solidFill>
-                  <a:schemeClr val="bg2">
-                    <a:lumMod val="10000"/>
-                  </a:schemeClr>
-                </a:solidFill>
-              </a:rPr>
-              <a:t>.</a:t>
-            </a:r>
-            <a:endParaRPr kumimoji="0" lang="fr-FR" sz="1200" b="0" i="0" u="none" strike="noStrike" cap="none" spc="0" normalizeH="0" baseline="0" dirty="0">
+              <a:t>Side</a:t>
+            </a:r>
+            <a:endParaRPr kumimoji="0" lang="fr-FR" sz="1200" b="1" i="0" u="none" strike="noStrike" cap="none" spc="0" normalizeH="0" baseline="0" dirty="0">
               <a:ln>
                 <a:noFill/>
               </a:ln>
               <a:solidFill>
-                <a:schemeClr val="bg2">
-                  <a:lumMod val="10000"/>
+                <a:schemeClr val="accent5">
+                  <a:lumMod val="60000"/>
+                  <a:lumOff val="40000"/>
                 </a:schemeClr>
               </a:solidFill>
               <a:effectLst/>
@@ -9333,10 +12003,10 @@
       </p:sp>
       <p:sp>
         <p:nvSpPr>
-          <p:cNvPr id="62" name="ggplot(mpg, aes(hwy, cty)) +…">
+          <p:cNvPr id="69" name="ZoneTexte 68">
             <a:extLst>
               <a:ext uri="{FF2B5EF4-FFF2-40B4-BE49-F238E27FC236}">
-                <a16:creationId xmlns:a16="http://schemas.microsoft.com/office/drawing/2014/main" id="{040BFFED-3AFE-7C45-B778-D1CE7E565000}"/>
+                <a16:creationId xmlns:a16="http://schemas.microsoft.com/office/drawing/2014/main" id="{648B293E-501B-A94C-86D8-D17CE7786A01}"/>
               </a:ext>
             </a:extLst>
           </p:cNvPr>
@@ -9345,8 +12015,109 @@
         </p:nvSpPr>
         <p:spPr>
           <a:xfrm>
-            <a:off x="9504431" y="1967450"/>
-            <a:ext cx="3190959" cy="1402867"/>
+            <a:off x="6998701" y="904252"/>
+            <a:ext cx="720062" cy="320520"/>
+          </a:xfrm>
+          <a:prstGeom prst="rect">
+            <a:avLst/>
+          </a:prstGeom>
+          <a:noFill/>
+          <a:ln w="12700" cap="flat">
+            <a:noFill/>
+            <a:miter lim="400000"/>
+          </a:ln>
+          <a:effectLst/>
+          <a:sp3d/>
+        </p:spPr>
+        <p:style>
+          <a:lnRef idx="0">
+            <a:scrgbClr r="0" g="0" b="0"/>
+          </a:lnRef>
+          <a:fillRef idx="0">
+            <a:scrgbClr r="0" g="0" b="0"/>
+          </a:fillRef>
+          <a:effectRef idx="0">
+            <a:scrgbClr r="0" g="0" b="0"/>
+          </a:effectRef>
+          <a:fontRef idx="none"/>
+        </p:style>
+        <p:txBody>
+          <a:bodyPr rot="0" spcFirstLastPara="1" vertOverflow="overflow" horzOverflow="overflow" vert="horz" wrap="square" lIns="54570" tIns="54570" rIns="54570" bIns="54570" numCol="1" spcCol="38100" rtlCol="0" anchor="ctr">
+            <a:spAutoFit/>
+          </a:bodyPr>
+          <a:lstStyle/>
+          <a:p>
+            <a:pPr marL="0" marR="0" indent="0" algn="l" defTabSz="584200" rtl="0" fontAlgn="auto" latinLnBrk="0" hangingPunct="0">
+              <a:lnSpc>
+                <a:spcPct val="100000"/>
+              </a:lnSpc>
+              <a:spcBef>
+                <a:spcPts val="200"/>
+              </a:spcBef>
+              <a:spcAft>
+                <a:spcPts val="0"/>
+              </a:spcAft>
+              <a:buClrTx/>
+              <a:buSzTx/>
+              <a:buFontTx/>
+              <a:buNone/>
+              <a:tabLst/>
+            </a:pPr>
+            <a:r>
+              <a:rPr lang="fr-FR" dirty="0">
+                <a:solidFill>
+                  <a:schemeClr val="accent5">
+                    <a:lumMod val="60000"/>
+                    <a:lumOff val="40000"/>
+                  </a:schemeClr>
+                </a:solidFill>
+              </a:rPr>
+              <a:t>UI </a:t>
+            </a:r>
+            <a:r>
+              <a:rPr lang="fr-FR" dirty="0" err="1">
+                <a:solidFill>
+                  <a:schemeClr val="accent5">
+                    <a:lumMod val="60000"/>
+                    <a:lumOff val="40000"/>
+                  </a:schemeClr>
+                </a:solidFill>
+              </a:rPr>
+              <a:t>Side</a:t>
+            </a:r>
+            <a:endParaRPr kumimoji="0" lang="fr-FR" sz="1200" b="1" i="0" u="none" strike="noStrike" cap="none" spc="0" normalizeH="0" baseline="0" dirty="0">
+              <a:ln>
+                <a:noFill/>
+              </a:ln>
+              <a:solidFill>
+                <a:schemeClr val="accent5">
+                  <a:lumMod val="60000"/>
+                  <a:lumOff val="40000"/>
+                </a:schemeClr>
+              </a:solidFill>
+              <a:effectLst/>
+              <a:uFillTx/>
+              <a:sym typeface="Source Sans Pro"/>
+            </a:endParaRPr>
+          </a:p>
+        </p:txBody>
+      </p:sp>
+      <p:sp>
+        <p:nvSpPr>
+          <p:cNvPr id="70" name="ggplot(mpg, aes(hwy, cty)) +…">
+            <a:extLst>
+              <a:ext uri="{FF2B5EF4-FFF2-40B4-BE49-F238E27FC236}">
+                <a16:creationId xmlns:a16="http://schemas.microsoft.com/office/drawing/2014/main" id="{F974273E-4CE9-3F4B-8E77-B279E3A8B1D0}"/>
+              </a:ext>
+            </a:extLst>
+          </p:cNvPr>
+          <p:cNvSpPr txBox="1"/>
+          <p:nvPr/>
+        </p:nvSpPr>
+        <p:spPr>
+          <a:xfrm>
+            <a:off x="4862302" y="1869297"/>
+            <a:ext cx="2948479" cy="664204"/>
           </a:xfrm>
           <a:prstGeom prst="rect">
             <a:avLst/>
@@ -9362,7 +12133,7 @@
           </a:ln>
           <a:extLst>
             <a:ext uri="{C572A759-6A51-4108-AA02-DFA0A04FC94B}">
-              <ma14:wrappingTextBoxFlag xmlns="" xmlns:m="http://schemas.openxmlformats.org/officeDocument/2006/math" xmlns:a14="http://schemas.microsoft.com/office/drawing/2010/main" xmlns:ma14="http://schemas.microsoft.com/office/mac/drawingml/2011/main" val="1"/>
+              <ma14:wrappingTextBoxFlag xmlns:ma14="http://schemas.microsoft.com/office/mac/drawingml/2011/main" xmlns:a14="http://schemas.microsoft.com/office/drawing/2010/main" xmlns:m="http://schemas.openxmlformats.org/officeDocument/2006/math" xmlns="" val="1"/>
             </a:ext>
           </a:extLst>
         </p:spPr>
@@ -9387,20 +12158,28 @@
               </a:defRPr>
             </a:pPr>
             <a:r>
-              <a:rPr lang="fr-FR" dirty="0" err="1"/>
-              <a:t>library</a:t>
-            </a:r>
-            <a:r>
-              <a:rPr lang="fr-FR" dirty="0"/>
-              <a:t>(</a:t>
-            </a:r>
-            <a:r>
-              <a:rPr lang="fr-FR" dirty="0" err="1"/>
-              <a:t>shinyWidgets</a:t>
-            </a:r>
-            <a:r>
-              <a:rPr lang="fr-FR" dirty="0"/>
-              <a:t>)</a:t>
+              <a:rPr lang="fr-FR" b="0" dirty="0" err="1">
+                <a:sym typeface="Menlo"/>
+              </a:rPr>
+              <a:t>output$ibox</a:t>
+            </a:r>
+            <a:r>
+              <a:rPr lang="fr-FR" b="0" dirty="0">
+                <a:sym typeface="Menlo"/>
+              </a:rPr>
+              <a:t> &lt;- </a:t>
+            </a:r>
+            <a:r>
+              <a:rPr lang="fr-FR" b="0" dirty="0" err="1">
+                <a:sym typeface="Menlo"/>
+              </a:rPr>
+              <a:t>renderInfoBox</a:t>
+            </a:r>
+            <a:r>
+              <a:rPr lang="fr-FR" b="0" dirty="0">
+                <a:sym typeface="Menlo"/>
+              </a:rPr>
+              <a:t>({    </a:t>
             </a:r>
           </a:p>
           <a:p>
@@ -9419,12 +12198,22 @@
               </a:defRPr>
             </a:pPr>
             <a:r>
-              <a:rPr lang="fr-FR" dirty="0" err="1"/>
-              <a:t>shinyApp</a:t>
-            </a:r>
-            <a:r>
-              <a:rPr lang="fr-FR" dirty="0"/>
-              <a:t>(</a:t>
+              <a:rPr lang="fr-FR" b="0" dirty="0">
+                <a:sym typeface="Menlo"/>
+              </a:rPr>
+              <a:t> </a:t>
+            </a:r>
+            <a:r>
+              <a:rPr lang="fr-FR" b="0" dirty="0" err="1">
+                <a:sym typeface="Menlo"/>
+              </a:rPr>
+              <a:t>infoBox</a:t>
+            </a:r>
+            <a:r>
+              <a:rPr lang="fr-FR" b="0" dirty="0">
+                <a:sym typeface="Menlo"/>
+              </a:rPr>
+              <a:t>(...) </a:t>
             </a:r>
           </a:p>
           <a:p>
@@ -9443,26 +12232,1194 @@
               </a:defRPr>
             </a:pPr>
             <a:r>
+              <a:rPr lang="fr-FR" b="0" dirty="0">
+                <a:sym typeface="Menlo"/>
+              </a:rPr>
+              <a:t>})</a:t>
+            </a:r>
+            <a:endParaRPr dirty="0"/>
+          </a:p>
+        </p:txBody>
+      </p:sp>
+      <p:cxnSp>
+        <p:nvCxnSpPr>
+          <p:cNvPr id="34" name="Connecteur droit avec flèche 33">
+            <a:extLst>
+              <a:ext uri="{FF2B5EF4-FFF2-40B4-BE49-F238E27FC236}">
+                <a16:creationId xmlns:a16="http://schemas.microsoft.com/office/drawing/2014/main" id="{2C081637-6F93-FC43-93C6-2970A5C2906E}"/>
+              </a:ext>
+            </a:extLst>
+          </p:cNvPr>
+          <p:cNvCxnSpPr/>
+          <p:nvPr/>
+        </p:nvCxnSpPr>
+        <p:spPr>
+          <a:xfrm>
+            <a:off x="6177467" y="1390278"/>
+            <a:ext cx="394545" cy="0"/>
+          </a:xfrm>
+          <a:prstGeom prst="straightConnector1">
+            <a:avLst/>
+          </a:prstGeom>
+          <a:noFill/>
+          <a:ln w="63500" cap="flat">
+            <a:solidFill>
+              <a:srgbClr val="000000"/>
+            </a:solidFill>
+            <a:prstDash val="solid"/>
+            <a:miter lim="400000"/>
+            <a:tailEnd type="triangle"/>
+          </a:ln>
+          <a:effectLst/>
+          <a:sp3d/>
+        </p:spPr>
+        <p:style>
+          <a:lnRef idx="0">
+            <a:scrgbClr r="0" g="0" b="0"/>
+          </a:lnRef>
+          <a:fillRef idx="0">
+            <a:scrgbClr r="0" g="0" b="0"/>
+          </a:fillRef>
+          <a:effectRef idx="0">
+            <a:scrgbClr r="0" g="0" b="0"/>
+          </a:effectRef>
+          <a:fontRef idx="none"/>
+        </p:style>
+      </p:cxnSp>
+      <p:cxnSp>
+        <p:nvCxnSpPr>
+          <p:cNvPr id="71" name="Connecteur droit avec flèche 70">
+            <a:extLst>
+              <a:ext uri="{FF2B5EF4-FFF2-40B4-BE49-F238E27FC236}">
+                <a16:creationId xmlns:a16="http://schemas.microsoft.com/office/drawing/2014/main" id="{74A3D2B0-3F60-274A-8B89-CB841FFFD9C0}"/>
+              </a:ext>
+            </a:extLst>
+          </p:cNvPr>
+          <p:cNvCxnSpPr/>
+          <p:nvPr/>
+        </p:nvCxnSpPr>
+        <p:spPr>
+          <a:xfrm>
+            <a:off x="6233131" y="3245548"/>
+            <a:ext cx="394545" cy="0"/>
+          </a:xfrm>
+          <a:prstGeom prst="straightConnector1">
+            <a:avLst/>
+          </a:prstGeom>
+          <a:noFill/>
+          <a:ln w="63500" cap="flat">
+            <a:solidFill>
+              <a:srgbClr val="000000"/>
+            </a:solidFill>
+            <a:prstDash val="solid"/>
+            <a:miter lim="400000"/>
+            <a:tailEnd type="triangle"/>
+          </a:ln>
+          <a:effectLst/>
+          <a:sp3d/>
+        </p:spPr>
+        <p:style>
+          <a:lnRef idx="0">
+            <a:scrgbClr r="0" g="0" b="0"/>
+          </a:lnRef>
+          <a:fillRef idx="0">
+            <a:scrgbClr r="0" g="0" b="0"/>
+          </a:fillRef>
+          <a:effectRef idx="0">
+            <a:scrgbClr r="0" g="0" b="0"/>
+          </a:effectRef>
+          <a:fontRef idx="none"/>
+        </p:style>
+      </p:cxnSp>
+      <p:cxnSp>
+        <p:nvCxnSpPr>
+          <p:cNvPr id="72" name="Connecteur droit avec flèche 71">
+            <a:extLst>
+              <a:ext uri="{FF2B5EF4-FFF2-40B4-BE49-F238E27FC236}">
+                <a16:creationId xmlns:a16="http://schemas.microsoft.com/office/drawing/2014/main" id="{EEEFF52C-D73A-D14B-B0AB-1FCC84A85C23}"/>
+              </a:ext>
+            </a:extLst>
+          </p:cNvPr>
+          <p:cNvCxnSpPr>
+            <a:cxnSpLocks/>
+          </p:cNvCxnSpPr>
+          <p:nvPr/>
+        </p:nvCxnSpPr>
+        <p:spPr>
+          <a:xfrm flipV="1">
+            <a:off x="5785429" y="4833257"/>
+            <a:ext cx="164109" cy="545269"/>
+          </a:xfrm>
+          <a:prstGeom prst="straightConnector1">
+            <a:avLst/>
+          </a:prstGeom>
+          <a:noFill/>
+          <a:ln w="63500" cap="flat">
+            <a:solidFill>
+              <a:srgbClr val="000000"/>
+            </a:solidFill>
+            <a:prstDash val="solid"/>
+            <a:miter lim="400000"/>
+            <a:tailEnd type="triangle"/>
+          </a:ln>
+          <a:effectLst/>
+          <a:sp3d/>
+        </p:spPr>
+        <p:style>
+          <a:lnRef idx="0">
+            <a:scrgbClr r="0" g="0" b="0"/>
+          </a:lnRef>
+          <a:fillRef idx="0">
+            <a:scrgbClr r="0" g="0" b="0"/>
+          </a:fillRef>
+          <a:effectRef idx="0">
+            <a:scrgbClr r="0" g="0" b="0"/>
+          </a:effectRef>
+          <a:fontRef idx="none"/>
+        </p:style>
+      </p:cxnSp>
+      <p:cxnSp>
+        <p:nvCxnSpPr>
+          <p:cNvPr id="73" name="Connecteur droit avec flèche 72">
+            <a:extLst>
+              <a:ext uri="{FF2B5EF4-FFF2-40B4-BE49-F238E27FC236}">
+                <a16:creationId xmlns:a16="http://schemas.microsoft.com/office/drawing/2014/main" id="{0D269407-8ECE-FD44-B154-7F99382E10FD}"/>
+              </a:ext>
+            </a:extLst>
+          </p:cNvPr>
+          <p:cNvCxnSpPr>
+            <a:cxnSpLocks/>
+          </p:cNvCxnSpPr>
+          <p:nvPr/>
+        </p:nvCxnSpPr>
+        <p:spPr>
+          <a:xfrm>
+            <a:off x="5785429" y="5741610"/>
+            <a:ext cx="239937" cy="651859"/>
+          </a:xfrm>
+          <a:prstGeom prst="straightConnector1">
+            <a:avLst/>
+          </a:prstGeom>
+          <a:noFill/>
+          <a:ln w="63500" cap="flat">
+            <a:solidFill>
+              <a:srgbClr val="000000"/>
+            </a:solidFill>
+            <a:prstDash val="solid"/>
+            <a:miter lim="400000"/>
+            <a:tailEnd type="triangle"/>
+          </a:ln>
+          <a:effectLst/>
+          <a:sp3d/>
+        </p:spPr>
+        <p:style>
+          <a:lnRef idx="0">
+            <a:scrgbClr r="0" g="0" b="0"/>
+          </a:lnRef>
+          <a:fillRef idx="0">
+            <a:scrgbClr r="0" g="0" b="0"/>
+          </a:fillRef>
+          <a:effectRef idx="0">
+            <a:scrgbClr r="0" g="0" b="0"/>
+          </a:effectRef>
+          <a:fontRef idx="none"/>
+        </p:style>
+      </p:cxnSp>
+      <p:cxnSp>
+        <p:nvCxnSpPr>
+          <p:cNvPr id="74" name="Connecteur droit avec flèche 73">
+            <a:extLst>
+              <a:ext uri="{FF2B5EF4-FFF2-40B4-BE49-F238E27FC236}">
+                <a16:creationId xmlns:a16="http://schemas.microsoft.com/office/drawing/2014/main" id="{917DBC66-68B0-FD4A-8A0C-1F3615274409}"/>
+              </a:ext>
+            </a:extLst>
+          </p:cNvPr>
+          <p:cNvCxnSpPr/>
+          <p:nvPr/>
+        </p:nvCxnSpPr>
+        <p:spPr>
+          <a:xfrm>
+            <a:off x="5961379" y="5560068"/>
+            <a:ext cx="394545" cy="0"/>
+          </a:xfrm>
+          <a:prstGeom prst="straightConnector1">
+            <a:avLst/>
+          </a:prstGeom>
+          <a:noFill/>
+          <a:ln w="63500" cap="flat">
+            <a:solidFill>
+              <a:srgbClr val="000000"/>
+            </a:solidFill>
+            <a:prstDash val="solid"/>
+            <a:miter lim="400000"/>
+            <a:tailEnd type="triangle"/>
+          </a:ln>
+          <a:effectLst/>
+          <a:sp3d/>
+        </p:spPr>
+        <p:style>
+          <a:lnRef idx="0">
+            <a:scrgbClr r="0" g="0" b="0"/>
+          </a:lnRef>
+          <a:fillRef idx="0">
+            <a:scrgbClr r="0" g="0" b="0"/>
+          </a:fillRef>
+          <a:effectRef idx="0">
+            <a:scrgbClr r="0" g="0" b="0"/>
+          </a:effectRef>
+          <a:fontRef idx="none"/>
+        </p:style>
+      </p:cxnSp>
+      <p:sp>
+        <p:nvSpPr>
+          <p:cNvPr id="75" name="Basics">
+            <a:extLst>
+              <a:ext uri="{FF2B5EF4-FFF2-40B4-BE49-F238E27FC236}">
+                <a16:creationId xmlns:a16="http://schemas.microsoft.com/office/drawing/2014/main" id="{0DF14FC5-D325-6045-86D8-B92F97327EA1}"/>
+              </a:ext>
+            </a:extLst>
+          </p:cNvPr>
+          <p:cNvSpPr txBox="1"/>
+          <p:nvPr/>
+        </p:nvSpPr>
+        <p:spPr>
+          <a:xfrm>
+            <a:off x="10537091" y="6949543"/>
+            <a:ext cx="1641475" cy="340029"/>
+          </a:xfrm>
+          <a:prstGeom prst="rect">
+            <a:avLst/>
+          </a:prstGeom>
+          <a:ln w="12700">
+            <a:miter lim="400000"/>
+          </a:ln>
+          <a:extLst>
+            <a:ext uri="{C572A759-6A51-4108-AA02-DFA0A04FC94B}">
+              <ma14:wrappingTextBoxFlag xmlns:ma14="http://schemas.microsoft.com/office/mac/drawingml/2011/main" xmlns:a14="http://schemas.microsoft.com/office/drawing/2010/main" xmlns:m="http://schemas.openxmlformats.org/officeDocument/2006/math" xmlns="" val="1"/>
+            </a:ext>
+          </a:extLst>
+        </p:spPr>
+        <p:txBody>
+          <a:bodyPr wrap="none" lIns="12700" tIns="12700" rIns="12700" bIns="12700" anchor="ctr">
+            <a:spAutoFit/>
+          </a:bodyPr>
+          <a:lstStyle/>
+          <a:p>
+            <a:pPr lvl="1" indent="0">
+              <a:lnSpc>
+                <a:spcPct val="80000"/>
+              </a:lnSpc>
+              <a:spcBef>
+                <a:spcPts val="0"/>
+              </a:spcBef>
+              <a:defRPr sz="2500" b="0">
+                <a:solidFill>
+                  <a:srgbClr val="628DB5"/>
+                </a:solidFill>
+              </a:defRPr>
+            </a:pPr>
+            <a:r>
+              <a:rPr lang="fr-FR" dirty="0" err="1"/>
+              <a:t>Useful</a:t>
+            </a:r>
+            <a:r>
+              <a:rPr lang="fr-FR" dirty="0"/>
+              <a:t> Links</a:t>
+            </a:r>
+            <a:endParaRPr dirty="0"/>
+          </a:p>
+        </p:txBody>
+      </p:sp>
+      <p:sp>
+        <p:nvSpPr>
+          <p:cNvPr id="76" name="Line">
+            <a:extLst>
+              <a:ext uri="{FF2B5EF4-FFF2-40B4-BE49-F238E27FC236}">
+                <a16:creationId xmlns:a16="http://schemas.microsoft.com/office/drawing/2014/main" id="{1131B36E-FB4B-2E42-81B1-7C35BD7BD3C5}"/>
+              </a:ext>
+            </a:extLst>
+          </p:cNvPr>
+          <p:cNvSpPr/>
+          <p:nvPr/>
+        </p:nvSpPr>
+        <p:spPr>
+          <a:xfrm flipV="1">
+            <a:off x="9263236" y="6829652"/>
+            <a:ext cx="4118291" cy="0"/>
+          </a:xfrm>
+          <a:prstGeom prst="line">
+            <a:avLst/>
+          </a:prstGeom>
+          <a:ln w="3175">
+            <a:solidFill>
+              <a:srgbClr val="767C85"/>
+            </a:solidFill>
+            <a:miter lim="400000"/>
+          </a:ln>
+        </p:spPr>
+        <p:txBody>
+          <a:bodyPr lIns="54570" tIns="54570" rIns="54570" bIns="54570" anchor="ctr"/>
+          <a:lstStyle/>
+          <a:p>
+            <a:pPr>
+              <a:lnSpc>
+                <a:spcPct val="80000"/>
+              </a:lnSpc>
+              <a:spcBef>
+                <a:spcPts val="600"/>
+              </a:spcBef>
+              <a:defRPr b="0">
+                <a:solidFill>
+                  <a:srgbClr val="000000"/>
+                </a:solidFill>
+              </a:defRPr>
+            </a:pPr>
+            <a:endParaRPr dirty="0"/>
+          </a:p>
+        </p:txBody>
+      </p:sp>
+      <p:sp>
+        <p:nvSpPr>
+          <p:cNvPr id="77" name="Group">
+            <a:extLst>
+              <a:ext uri="{FF2B5EF4-FFF2-40B4-BE49-F238E27FC236}">
+                <a16:creationId xmlns:a16="http://schemas.microsoft.com/office/drawing/2014/main" id="{10308558-D379-6F42-9A00-6EAD98188BC9}"/>
+              </a:ext>
+            </a:extLst>
+          </p:cNvPr>
+          <p:cNvSpPr/>
+          <p:nvPr/>
+        </p:nvSpPr>
+        <p:spPr>
+          <a:xfrm>
+            <a:off x="8997231" y="7492794"/>
+            <a:ext cx="4645109" cy="3066350"/>
+          </a:xfrm>
+          <a:prstGeom prst="rect">
+            <a:avLst/>
+          </a:prstGeom>
+          <a:solidFill>
+            <a:srgbClr val="79B0DC">
+              <a:alpha val="23776"/>
+            </a:srgbClr>
+          </a:solidFill>
+          <a:ln w="12700">
+            <a:miter lim="400000"/>
+          </a:ln>
+        </p:spPr>
+        <p:txBody>
+          <a:bodyPr lIns="54570" tIns="54570" rIns="54570" bIns="54570" anchor="ctr"/>
+          <a:lstStyle/>
+          <a:p>
+            <a:pPr>
+              <a:lnSpc>
+                <a:spcPct val="80000"/>
+              </a:lnSpc>
+              <a:spcBef>
+                <a:spcPts val="0"/>
+              </a:spcBef>
+              <a:defRPr sz="1000" b="0">
+                <a:solidFill>
+                  <a:srgbClr val="000000"/>
+                </a:solidFill>
+              </a:defRPr>
+            </a:pPr>
+            <a:endParaRPr dirty="0"/>
+          </a:p>
+        </p:txBody>
+      </p:sp>
+      <p:sp>
+        <p:nvSpPr>
+          <p:cNvPr id="40" name="ZoneTexte 39">
+            <a:extLst>
+              <a:ext uri="{FF2B5EF4-FFF2-40B4-BE49-F238E27FC236}">
+                <a16:creationId xmlns:a16="http://schemas.microsoft.com/office/drawing/2014/main" id="{471ADB90-DE47-E249-B700-79899E60CC2F}"/>
+              </a:ext>
+            </a:extLst>
+          </p:cNvPr>
+          <p:cNvSpPr txBox="1"/>
+          <p:nvPr/>
+        </p:nvSpPr>
+        <p:spPr>
+          <a:xfrm>
+            <a:off x="9263236" y="7728397"/>
+            <a:ext cx="3739023" cy="741148"/>
+          </a:xfrm>
+          <a:prstGeom prst="rect">
+            <a:avLst/>
+          </a:prstGeom>
+          <a:noFill/>
+          <a:ln w="12700" cap="flat">
+            <a:noFill/>
+            <a:miter lim="400000"/>
+          </a:ln>
+          <a:effectLst/>
+          <a:sp3d/>
+        </p:spPr>
+        <p:style>
+          <a:lnRef idx="0">
+            <a:scrgbClr r="0" g="0" b="0"/>
+          </a:lnRef>
+          <a:fillRef idx="0">
+            <a:scrgbClr r="0" g="0" b="0"/>
+          </a:fillRef>
+          <a:effectRef idx="0">
+            <a:scrgbClr r="0" g="0" b="0"/>
+          </a:effectRef>
+          <a:fontRef idx="none"/>
+        </p:style>
+        <p:txBody>
+          <a:bodyPr rot="0" spcFirstLastPara="1" vertOverflow="overflow" horzOverflow="overflow" vert="horz" wrap="square" lIns="54570" tIns="54570" rIns="54570" bIns="54570" numCol="1" spcCol="38100" rtlCol="0" anchor="ctr">
+            <a:spAutoFit/>
+          </a:bodyPr>
+          <a:lstStyle/>
+          <a:p>
+            <a:r>
+              <a:rPr lang="fr-FR" dirty="0">
+                <a:hlinkClick r:id="rId8"/>
+              </a:rPr>
+              <a:t>https://rstudio.github.io/shinydashboard/</a:t>
+            </a:r>
+            <a:endParaRPr lang="fr-FR" dirty="0"/>
+          </a:p>
+          <a:p>
+            <a:r>
+              <a:rPr lang="fr-FR" dirty="0">
+                <a:hlinkClick r:id="rId9"/>
+              </a:rPr>
+              <a:t>https://github.com/rstudio/shinydashboard</a:t>
+            </a:r>
+            <a:r>
               <a:rPr lang="fr-FR" dirty="0"/>
               <a:t> </a:t>
             </a:r>
+          </a:p>
+          <a:p>
+            <a:r>
+              <a:rPr lang="fr-FR" dirty="0">
+                <a:hlinkClick r:id="rId10"/>
+              </a:rPr>
+              <a:t>https://shiny.rstudio.com/articles/dashboards.html</a:t>
+            </a:r>
+            <a:r>
+              <a:rPr lang="fr-FR" dirty="0"/>
+              <a:t> </a:t>
+            </a:r>
+            <a:endParaRPr kumimoji="0" lang="fr-FR" sz="1200" b="1" i="0" u="none" strike="noStrike" cap="none" spc="0" normalizeH="0" baseline="0" dirty="0">
+              <a:ln>
+                <a:noFill/>
+              </a:ln>
+              <a:solidFill>
+                <a:srgbClr val="4C4C4C"/>
+              </a:solidFill>
+              <a:effectLst/>
+              <a:uFillTx/>
+              <a:latin typeface="Source Sans Pro"/>
+              <a:ea typeface="Source Sans Pro"/>
+              <a:cs typeface="Source Sans Pro"/>
+              <a:sym typeface="Source Sans Pro"/>
+            </a:endParaRPr>
+          </a:p>
+        </p:txBody>
+      </p:sp>
+      <p:sp>
+        <p:nvSpPr>
+          <p:cNvPr id="78" name="ZoneTexte 77">
+            <a:extLst>
+              <a:ext uri="{FF2B5EF4-FFF2-40B4-BE49-F238E27FC236}">
+                <a16:creationId xmlns:a16="http://schemas.microsoft.com/office/drawing/2014/main" id="{8AF4BE1D-9C49-DB45-BFFC-BC7E3BC218D2}"/>
+              </a:ext>
+            </a:extLst>
+          </p:cNvPr>
+          <p:cNvSpPr txBox="1"/>
+          <p:nvPr/>
+        </p:nvSpPr>
+        <p:spPr>
+          <a:xfrm>
+            <a:off x="9261855" y="9156116"/>
+            <a:ext cx="3739023" cy="530834"/>
+          </a:xfrm>
+          <a:prstGeom prst="rect">
+            <a:avLst/>
+          </a:prstGeom>
+          <a:noFill/>
+          <a:ln w="12700" cap="flat">
+            <a:noFill/>
+            <a:miter lim="400000"/>
+          </a:ln>
+          <a:effectLst/>
+          <a:sp3d/>
+        </p:spPr>
+        <p:style>
+          <a:lnRef idx="0">
+            <a:scrgbClr r="0" g="0" b="0"/>
+          </a:lnRef>
+          <a:fillRef idx="0">
+            <a:scrgbClr r="0" g="0" b="0"/>
+          </a:fillRef>
+          <a:effectRef idx="0">
+            <a:scrgbClr r="0" g="0" b="0"/>
+          </a:effectRef>
+          <a:fontRef idx="none"/>
+        </p:style>
+        <p:txBody>
+          <a:bodyPr rot="0" spcFirstLastPara="1" vertOverflow="overflow" horzOverflow="overflow" vert="horz" wrap="square" lIns="54570" tIns="54570" rIns="54570" bIns="54570" numCol="1" spcCol="38100" rtlCol="0" anchor="ctr">
+            <a:spAutoFit/>
+          </a:bodyPr>
+          <a:lstStyle/>
+          <a:p>
+            <a:r>
+              <a:rPr lang="fr-FR" dirty="0">
+                <a:hlinkClick r:id="rId9"/>
+              </a:rPr>
+              <a:t>https://kevinrue.shinyapps.io/isee-shiny-contest/</a:t>
+            </a:r>
+          </a:p>
+          <a:p>
+            <a:r>
+              <a:rPr lang="fr-FR" dirty="0">
+                <a:hlinkClick r:id="rId11"/>
+              </a:rPr>
+              <a:t>https://gadenbuie.shinyapps.io/tweet-conf-dash/</a:t>
+            </a:r>
+            <a:r>
+              <a:rPr lang="fr-FR" dirty="0"/>
+              <a:t>  </a:t>
+            </a:r>
+          </a:p>
+        </p:txBody>
+      </p:sp>
+      <p:sp>
+        <p:nvSpPr>
+          <p:cNvPr id="79" name="ZoneTexte 78">
+            <a:extLst>
+              <a:ext uri="{FF2B5EF4-FFF2-40B4-BE49-F238E27FC236}">
+                <a16:creationId xmlns:a16="http://schemas.microsoft.com/office/drawing/2014/main" id="{C727528D-A3E4-E045-82C7-B803BBDD4613}"/>
+              </a:ext>
+            </a:extLst>
+          </p:cNvPr>
+          <p:cNvSpPr txBox="1"/>
+          <p:nvPr/>
+        </p:nvSpPr>
+        <p:spPr>
+          <a:xfrm>
+            <a:off x="9262021" y="8747685"/>
+            <a:ext cx="2857987" cy="320520"/>
+          </a:xfrm>
+          <a:prstGeom prst="rect">
+            <a:avLst/>
+          </a:prstGeom>
+          <a:noFill/>
+          <a:ln w="12700" cap="flat">
+            <a:noFill/>
+            <a:miter lim="400000"/>
+          </a:ln>
+          <a:effectLst/>
+          <a:sp3d/>
+        </p:spPr>
+        <p:style>
+          <a:lnRef idx="0">
+            <a:scrgbClr r="0" g="0" b="0"/>
+          </a:lnRef>
+          <a:fillRef idx="0">
+            <a:scrgbClr r="0" g="0" b="0"/>
+          </a:fillRef>
+          <a:effectRef idx="0">
+            <a:scrgbClr r="0" g="0" b="0"/>
+          </a:effectRef>
+          <a:fontRef idx="none"/>
+        </p:style>
+        <p:txBody>
+          <a:bodyPr rot="0" spcFirstLastPara="1" vertOverflow="overflow" horzOverflow="overflow" vert="horz" wrap="square" lIns="54570" tIns="54570" rIns="54570" bIns="54570" numCol="1" spcCol="38100" rtlCol="0" anchor="ctr">
+            <a:spAutoFit/>
+          </a:bodyPr>
+          <a:lstStyle/>
+          <a:p>
+            <a:pPr marL="0" marR="0" indent="0" algn="l" defTabSz="584200" rtl="0" fontAlgn="auto" latinLnBrk="0" hangingPunct="0">
+              <a:lnSpc>
+                <a:spcPct val="100000"/>
+              </a:lnSpc>
+              <a:spcBef>
+                <a:spcPts val="200"/>
+              </a:spcBef>
+              <a:spcAft>
+                <a:spcPts val="0"/>
+              </a:spcAft>
+              <a:buClrTx/>
+              <a:buSzTx/>
+              <a:buFontTx/>
+              <a:buNone/>
+              <a:tabLst/>
+            </a:pPr>
+            <a:r>
+              <a:rPr kumimoji="0" lang="fr-FR" sz="1200" b="1" i="0" u="none" strike="noStrike" cap="none" spc="0" normalizeH="0" baseline="0" dirty="0" err="1">
+                <a:ln>
+                  <a:noFill/>
+                </a:ln>
+                <a:solidFill>
+                  <a:srgbClr val="4C4C4C"/>
+                </a:solidFill>
+                <a:effectLst/>
+                <a:uFillTx/>
+                <a:latin typeface="Source Sans Pro"/>
+                <a:ea typeface="Source Sans Pro"/>
+                <a:cs typeface="Source Sans Pro"/>
+                <a:sym typeface="Source Sans Pro"/>
+              </a:rPr>
+              <a:t>Examples</a:t>
+            </a:r>
+            <a:r>
+              <a:rPr kumimoji="0" lang="fr-FR" sz="1200" b="1" i="0" u="none" strike="noStrike" cap="none" spc="0" normalizeH="0" baseline="0" dirty="0">
+                <a:ln>
+                  <a:noFill/>
+                </a:ln>
+                <a:solidFill>
+                  <a:srgbClr val="4C4C4C"/>
+                </a:solidFill>
+                <a:effectLst/>
+                <a:uFillTx/>
+                <a:latin typeface="Source Sans Pro"/>
+                <a:ea typeface="Source Sans Pro"/>
+                <a:cs typeface="Source Sans Pro"/>
+                <a:sym typeface="Source Sans Pro"/>
+              </a:rPr>
+              <a:t> </a:t>
+            </a:r>
+            <a:r>
+              <a:rPr kumimoji="0" lang="fr-FR" sz="1200" b="1" i="0" u="none" strike="noStrike" cap="none" spc="0" normalizeH="0" baseline="0" dirty="0" err="1">
+                <a:ln>
+                  <a:noFill/>
+                </a:ln>
+                <a:solidFill>
+                  <a:srgbClr val="4C4C4C"/>
+                </a:solidFill>
+                <a:effectLst/>
+                <a:uFillTx/>
+                <a:latin typeface="Source Sans Pro"/>
+                <a:ea typeface="Source Sans Pro"/>
+                <a:cs typeface="Source Sans Pro"/>
+                <a:sym typeface="Source Sans Pro"/>
+              </a:rPr>
+              <a:t>from</a:t>
+            </a:r>
+            <a:r>
+              <a:rPr kumimoji="0" lang="fr-FR" sz="1200" b="1" i="0" u="none" strike="noStrike" cap="none" spc="0" normalizeH="0" baseline="0" dirty="0">
+                <a:ln>
+                  <a:noFill/>
+                </a:ln>
+                <a:solidFill>
+                  <a:srgbClr val="4C4C4C"/>
+                </a:solidFill>
+                <a:effectLst/>
+                <a:uFillTx/>
+                <a:latin typeface="Source Sans Pro"/>
+                <a:ea typeface="Source Sans Pro"/>
+                <a:cs typeface="Source Sans Pro"/>
+                <a:sym typeface="Source Sans Pro"/>
+              </a:rPr>
+              <a:t> the 2019 </a:t>
+            </a:r>
+            <a:r>
+              <a:rPr kumimoji="0" lang="fr-FR" sz="1200" b="1" i="0" u="none" strike="noStrike" cap="none" spc="0" normalizeH="0" baseline="0" dirty="0" err="1">
+                <a:ln>
+                  <a:noFill/>
+                </a:ln>
+                <a:solidFill>
+                  <a:srgbClr val="4C4C4C"/>
+                </a:solidFill>
+                <a:effectLst/>
+                <a:uFillTx/>
+                <a:latin typeface="Source Sans Pro"/>
+                <a:ea typeface="Source Sans Pro"/>
+                <a:cs typeface="Source Sans Pro"/>
+                <a:sym typeface="Source Sans Pro"/>
+              </a:rPr>
+              <a:t>shiny</a:t>
+            </a:r>
+            <a:r>
+              <a:rPr kumimoji="0" lang="fr-FR" sz="1200" b="1" i="0" u="none" strike="noStrike" cap="none" spc="0" normalizeH="0" baseline="0" dirty="0">
+                <a:ln>
+                  <a:noFill/>
+                </a:ln>
+                <a:solidFill>
+                  <a:srgbClr val="4C4C4C"/>
+                </a:solidFill>
+                <a:effectLst/>
+                <a:uFillTx/>
+                <a:latin typeface="Source Sans Pro"/>
+                <a:ea typeface="Source Sans Pro"/>
+                <a:cs typeface="Source Sans Pro"/>
+                <a:sym typeface="Source Sans Pro"/>
+              </a:rPr>
+              <a:t> </a:t>
+            </a:r>
+            <a:r>
+              <a:rPr kumimoji="0" lang="fr-FR" sz="1200" b="1" i="0" u="none" strike="noStrike" cap="none" spc="0" normalizeH="0" baseline="0" dirty="0" err="1">
+                <a:ln>
+                  <a:noFill/>
+                </a:ln>
+                <a:solidFill>
+                  <a:srgbClr val="4C4C4C"/>
+                </a:solidFill>
+                <a:effectLst/>
+                <a:uFillTx/>
+                <a:latin typeface="Source Sans Pro"/>
+                <a:ea typeface="Source Sans Pro"/>
+                <a:cs typeface="Source Sans Pro"/>
+                <a:sym typeface="Source Sans Pro"/>
+              </a:rPr>
+              <a:t>contest</a:t>
+            </a:r>
+            <a:endParaRPr kumimoji="0" lang="fr-FR" sz="1200" b="1" i="0" u="none" strike="noStrike" cap="none" spc="0" normalizeH="0" baseline="0" dirty="0">
+              <a:ln>
+                <a:noFill/>
+              </a:ln>
+              <a:solidFill>
+                <a:srgbClr val="4C4C4C"/>
+              </a:solidFill>
+              <a:effectLst/>
+              <a:uFillTx/>
+              <a:latin typeface="Source Sans Pro"/>
+              <a:ea typeface="Source Sans Pro"/>
+              <a:cs typeface="Source Sans Pro"/>
+              <a:sym typeface="Source Sans Pro"/>
+            </a:endParaRPr>
+          </a:p>
+        </p:txBody>
+      </p:sp>
+      <p:sp>
+        <p:nvSpPr>
+          <p:cNvPr id="81" name="Rectangle 80">
+            <a:extLst>
+              <a:ext uri="{FF2B5EF4-FFF2-40B4-BE49-F238E27FC236}">
+                <a16:creationId xmlns:a16="http://schemas.microsoft.com/office/drawing/2014/main" id="{4C04219F-3818-314A-BC74-6275AF11E54B}"/>
+              </a:ext>
+            </a:extLst>
+          </p:cNvPr>
+          <p:cNvSpPr/>
+          <p:nvPr/>
+        </p:nvSpPr>
+        <p:spPr>
+          <a:xfrm>
+            <a:off x="9235174" y="10124992"/>
+            <a:ext cx="2121093" cy="276999"/>
+          </a:xfrm>
+          <a:prstGeom prst="rect">
+            <a:avLst/>
+          </a:prstGeom>
+        </p:spPr>
+        <p:txBody>
+          <a:bodyPr wrap="none">
+            <a:spAutoFit/>
+          </a:bodyPr>
+          <a:lstStyle/>
+          <a:p>
+            <a:r>
+              <a:rPr lang="fr-FR" dirty="0">
+                <a:hlinkClick r:id="rId12"/>
+              </a:rPr>
+              <a:t>https://adminlte.io/preview</a:t>
+            </a:r>
+            <a:r>
+              <a:rPr lang="fr-FR" dirty="0"/>
+              <a:t> </a:t>
+            </a:r>
+          </a:p>
+        </p:txBody>
+      </p:sp>
+      <p:sp>
+        <p:nvSpPr>
+          <p:cNvPr id="82" name="ZoneTexte 81">
+            <a:extLst>
+              <a:ext uri="{FF2B5EF4-FFF2-40B4-BE49-F238E27FC236}">
+                <a16:creationId xmlns:a16="http://schemas.microsoft.com/office/drawing/2014/main" id="{CBF6F101-F467-844D-9ABB-E83CDE1DFD62}"/>
+              </a:ext>
+            </a:extLst>
+          </p:cNvPr>
+          <p:cNvSpPr txBox="1"/>
+          <p:nvPr/>
+        </p:nvSpPr>
+        <p:spPr>
+          <a:xfrm>
+            <a:off x="9280283" y="9804472"/>
+            <a:ext cx="2857987" cy="320520"/>
+          </a:xfrm>
+          <a:prstGeom prst="rect">
+            <a:avLst/>
+          </a:prstGeom>
+          <a:noFill/>
+          <a:ln w="12700" cap="flat">
+            <a:noFill/>
+            <a:miter lim="400000"/>
+          </a:ln>
+          <a:effectLst/>
+          <a:sp3d/>
+        </p:spPr>
+        <p:style>
+          <a:lnRef idx="0">
+            <a:scrgbClr r="0" g="0" b="0"/>
+          </a:lnRef>
+          <a:fillRef idx="0">
+            <a:scrgbClr r="0" g="0" b="0"/>
+          </a:fillRef>
+          <a:effectRef idx="0">
+            <a:scrgbClr r="0" g="0" b="0"/>
+          </a:effectRef>
+          <a:fontRef idx="none"/>
+        </p:style>
+        <p:txBody>
+          <a:bodyPr rot="0" spcFirstLastPara="1" vertOverflow="overflow" horzOverflow="overflow" vert="horz" wrap="square" lIns="54570" tIns="54570" rIns="54570" bIns="54570" numCol="1" spcCol="38100" rtlCol="0" anchor="ctr">
+            <a:spAutoFit/>
+          </a:bodyPr>
+          <a:lstStyle/>
+          <a:p>
+            <a:pPr marL="0" marR="0" indent="0" algn="l" defTabSz="584200" rtl="0" fontAlgn="auto" latinLnBrk="0" hangingPunct="0">
+              <a:lnSpc>
+                <a:spcPct val="100000"/>
+              </a:lnSpc>
+              <a:spcBef>
+                <a:spcPts val="200"/>
+              </a:spcBef>
+              <a:spcAft>
+                <a:spcPts val="0"/>
+              </a:spcAft>
+              <a:buClrTx/>
+              <a:buSzTx/>
+              <a:buFontTx/>
+              <a:buNone/>
+              <a:tabLst/>
+            </a:pPr>
+            <a:r>
+              <a:rPr kumimoji="0" lang="fr-FR" sz="1200" b="1" i="0" u="none" strike="noStrike" cap="none" spc="0" normalizeH="0" baseline="0" dirty="0">
+                <a:ln>
+                  <a:noFill/>
+                </a:ln>
+                <a:solidFill>
+                  <a:srgbClr val="4C4C4C"/>
+                </a:solidFill>
+                <a:effectLst/>
+                <a:uFillTx/>
+                <a:latin typeface="Source Sans Pro"/>
+                <a:ea typeface="Source Sans Pro"/>
+                <a:cs typeface="Source Sans Pro"/>
+                <a:sym typeface="Source Sans Pro"/>
+              </a:rPr>
+              <a:t>About </a:t>
+            </a:r>
             <a:r>
               <a:rPr lang="fr-FR" dirty="0" err="1"/>
-              <a:t>ui</a:t>
-            </a:r>
+              <a:t>A</a:t>
+            </a:r>
+            <a:r>
+              <a:rPr kumimoji="0" lang="fr-FR" sz="1200" b="1" i="0" u="none" strike="noStrike" cap="none" spc="0" normalizeH="0" baseline="0" dirty="0" err="1">
+                <a:ln>
+                  <a:noFill/>
+                </a:ln>
+                <a:solidFill>
+                  <a:srgbClr val="4C4C4C"/>
+                </a:solidFill>
+                <a:effectLst/>
+                <a:uFillTx/>
+                <a:latin typeface="Source Sans Pro"/>
+                <a:ea typeface="Source Sans Pro"/>
+                <a:cs typeface="Source Sans Pro"/>
+                <a:sym typeface="Source Sans Pro"/>
+              </a:rPr>
+              <a:t>dminLTE</a:t>
+            </a:r>
+            <a:endParaRPr kumimoji="0" lang="fr-FR" sz="1200" b="1" i="0" u="none" strike="noStrike" cap="none" spc="0" normalizeH="0" baseline="0" dirty="0">
+              <a:ln>
+                <a:noFill/>
+              </a:ln>
+              <a:solidFill>
+                <a:srgbClr val="4C4C4C"/>
+              </a:solidFill>
+              <a:effectLst/>
+              <a:uFillTx/>
+              <a:latin typeface="Source Sans Pro"/>
+              <a:ea typeface="Source Sans Pro"/>
+              <a:cs typeface="Source Sans Pro"/>
+              <a:sym typeface="Source Sans Pro"/>
+            </a:endParaRPr>
+          </a:p>
+        </p:txBody>
+      </p:sp>
+      <p:sp>
+        <p:nvSpPr>
+          <p:cNvPr id="84" name="Parenthèse fermante 83">
+            <a:extLst>
+              <a:ext uri="{FF2B5EF4-FFF2-40B4-BE49-F238E27FC236}">
+                <a16:creationId xmlns:a16="http://schemas.microsoft.com/office/drawing/2014/main" id="{24ABED13-B770-EB44-BA35-6EF10E1C5CFD}"/>
+              </a:ext>
+            </a:extLst>
+          </p:cNvPr>
+          <p:cNvSpPr/>
+          <p:nvPr/>
+        </p:nvSpPr>
+        <p:spPr>
+          <a:xfrm>
+            <a:off x="8833195" y="4740053"/>
+            <a:ext cx="104437" cy="1651359"/>
+          </a:xfrm>
+          <a:prstGeom prst="rightBracket">
+            <a:avLst/>
+          </a:prstGeom>
+          <a:noFill/>
+          <a:ln w="25400" cap="flat">
+            <a:solidFill>
+              <a:srgbClr val="000000"/>
+            </a:solidFill>
+            <a:prstDash val="solid"/>
+            <a:miter lim="400000"/>
+          </a:ln>
+          <a:effectLst/>
+          <a:sp3d/>
+        </p:spPr>
+        <p:style>
+          <a:lnRef idx="0">
+            <a:scrgbClr r="0" g="0" b="0"/>
+          </a:lnRef>
+          <a:fillRef idx="0">
+            <a:scrgbClr r="0" g="0" b="0"/>
+          </a:fillRef>
+          <a:effectRef idx="0">
+            <a:scrgbClr r="0" g="0" b="0"/>
+          </a:effectRef>
+          <a:fontRef idx="none"/>
+        </p:style>
+        <p:txBody>
+          <a:bodyPr rot="0" spcFirstLastPara="1" vertOverflow="overflow" horzOverflow="overflow" vert="horz" wrap="square" lIns="91439" tIns="45719" rIns="91439" bIns="45719" numCol="1" spcCol="38100" rtlCol="0" anchor="t">
+            <a:noAutofit/>
+          </a:bodyPr>
+          <a:lstStyle/>
+          <a:p>
+            <a:pPr marL="0" marR="0" indent="0" algn="l" defTabSz="914400" rtl="0" fontAlgn="auto" latinLnBrk="1" hangingPunct="0">
+              <a:lnSpc>
+                <a:spcPct val="100000"/>
+              </a:lnSpc>
+              <a:spcBef>
+                <a:spcPts val="0"/>
+              </a:spcBef>
+              <a:spcAft>
+                <a:spcPts val="0"/>
+              </a:spcAft>
+              <a:buClrTx/>
+              <a:buSzTx/>
+              <a:buFontTx/>
+              <a:buNone/>
+              <a:tabLst/>
+            </a:pPr>
+            <a:endParaRPr kumimoji="0" lang="fr-FR" sz="1800" b="0" i="0" u="none" strike="noStrike" cap="none" spc="0" normalizeH="0" baseline="0">
+              <a:ln>
+                <a:noFill/>
+              </a:ln>
+              <a:solidFill>
+                <a:srgbClr val="000000"/>
+              </a:solidFill>
+              <a:effectLst/>
+              <a:uFillTx/>
+            </a:endParaRPr>
+          </a:p>
+        </p:txBody>
+      </p:sp>
+      <p:sp>
+        <p:nvSpPr>
+          <p:cNvPr id="85" name="Basics">
+            <a:extLst>
+              <a:ext uri="{FF2B5EF4-FFF2-40B4-BE49-F238E27FC236}">
+                <a16:creationId xmlns:a16="http://schemas.microsoft.com/office/drawing/2014/main" id="{79C7A74B-AB78-BC49-94B5-54021A0BCABB}"/>
+              </a:ext>
+            </a:extLst>
+          </p:cNvPr>
+          <p:cNvSpPr txBox="1"/>
+          <p:nvPr/>
+        </p:nvSpPr>
+        <p:spPr>
+          <a:xfrm>
+            <a:off x="5592082" y="6961418"/>
+            <a:ext cx="1665521" cy="340029"/>
+          </a:xfrm>
+          <a:prstGeom prst="rect">
+            <a:avLst/>
+          </a:prstGeom>
+          <a:ln w="12700">
+            <a:miter lim="400000"/>
+          </a:ln>
+          <a:extLst>
+            <a:ext uri="{C572A759-6A51-4108-AA02-DFA0A04FC94B}">
+              <ma14:wrappingTextBoxFlag xmlns:ma14="http://schemas.microsoft.com/office/mac/drawingml/2011/main" xmlns:a14="http://schemas.microsoft.com/office/drawing/2010/main" xmlns:m="http://schemas.openxmlformats.org/officeDocument/2006/math" xmlns="" val="1"/>
+            </a:ext>
+          </a:extLst>
+        </p:spPr>
+        <p:txBody>
+          <a:bodyPr wrap="none" lIns="12700" tIns="12700" rIns="12700" bIns="12700" anchor="ctr">
+            <a:spAutoFit/>
+          </a:bodyPr>
+          <a:lstStyle/>
+          <a:p>
+            <a:pPr lvl="1" indent="0">
+              <a:lnSpc>
+                <a:spcPct val="80000"/>
+              </a:lnSpc>
+              <a:spcBef>
+                <a:spcPts val="0"/>
+              </a:spcBef>
+              <a:defRPr sz="2500" b="0">
+                <a:solidFill>
+                  <a:srgbClr val="628DB5"/>
+                </a:solidFill>
+              </a:defRPr>
+            </a:pPr>
             <a:r>
               <a:rPr lang="fr-FR" dirty="0"/>
-              <a:t> = </a:t>
+              <a:t>Update </a:t>
             </a:r>
             <a:r>
               <a:rPr lang="fr-FR" dirty="0" err="1"/>
-              <a:t>fluidPage</a:t>
-            </a:r>
-            <a:r>
-              <a:rPr lang="fr-FR" dirty="0"/>
-              <a:t>(</a:t>
-            </a:r>
-          </a:p>
+              <a:t>tabs</a:t>
+            </a:r>
+            <a:endParaRPr dirty="0"/>
+          </a:p>
+        </p:txBody>
+      </p:sp>
+      <p:sp>
+        <p:nvSpPr>
+          <p:cNvPr id="86" name="Line">
+            <a:extLst>
+              <a:ext uri="{FF2B5EF4-FFF2-40B4-BE49-F238E27FC236}">
+                <a16:creationId xmlns:a16="http://schemas.microsoft.com/office/drawing/2014/main" id="{4EBE012A-9367-8541-8BEE-609E3383A849}"/>
+              </a:ext>
+            </a:extLst>
+          </p:cNvPr>
+          <p:cNvSpPr/>
+          <p:nvPr/>
+        </p:nvSpPr>
+        <p:spPr>
+          <a:xfrm flipV="1">
+            <a:off x="4318227" y="6841527"/>
+            <a:ext cx="4118291" cy="0"/>
+          </a:xfrm>
+          <a:prstGeom prst="line">
+            <a:avLst/>
+          </a:prstGeom>
+          <a:ln w="3175">
+            <a:solidFill>
+              <a:srgbClr val="767C85"/>
+            </a:solidFill>
+            <a:miter lim="400000"/>
+          </a:ln>
+        </p:spPr>
+        <p:txBody>
+          <a:bodyPr lIns="54570" tIns="54570" rIns="54570" bIns="54570" anchor="ctr"/>
+          <a:lstStyle/>
+          <a:p>
+            <a:pPr>
+              <a:lnSpc>
+                <a:spcPct val="80000"/>
+              </a:lnSpc>
+              <a:spcBef>
+                <a:spcPts val="600"/>
+              </a:spcBef>
+              <a:defRPr b="0">
+                <a:solidFill>
+                  <a:srgbClr val="000000"/>
+                </a:solidFill>
+              </a:defRPr>
+            </a:pPr>
+            <a:endParaRPr dirty="0"/>
+          </a:p>
+        </p:txBody>
+      </p:sp>
+      <p:sp>
+        <p:nvSpPr>
+          <p:cNvPr id="87" name="Group">
+            <a:extLst>
+              <a:ext uri="{FF2B5EF4-FFF2-40B4-BE49-F238E27FC236}">
+                <a16:creationId xmlns:a16="http://schemas.microsoft.com/office/drawing/2014/main" id="{B5289DDA-4CE1-C742-B104-3013C66115FC}"/>
+              </a:ext>
+            </a:extLst>
+          </p:cNvPr>
+          <p:cNvSpPr/>
+          <p:nvPr/>
+        </p:nvSpPr>
+        <p:spPr>
+          <a:xfrm>
+            <a:off x="4256162" y="7486854"/>
+            <a:ext cx="4468807" cy="3066350"/>
+          </a:xfrm>
+          <a:prstGeom prst="rect">
+            <a:avLst/>
+          </a:prstGeom>
+          <a:solidFill>
+            <a:srgbClr val="79B0DC">
+              <a:alpha val="23776"/>
+            </a:srgbClr>
+          </a:solidFill>
+          <a:ln w="12700">
+            <a:miter lim="400000"/>
+          </a:ln>
+        </p:spPr>
+        <p:txBody>
+          <a:bodyPr lIns="54570" tIns="54570" rIns="54570" bIns="54570" anchor="ctr"/>
+          <a:lstStyle/>
+          <a:p>
+            <a:pPr>
+              <a:lnSpc>
+                <a:spcPct val="80000"/>
+              </a:lnSpc>
+              <a:spcBef>
+                <a:spcPts val="0"/>
+              </a:spcBef>
+              <a:defRPr sz="1000" b="0">
+                <a:solidFill>
+                  <a:srgbClr val="000000"/>
+                </a:solidFill>
+              </a:defRPr>
+            </a:pPr>
+            <a:endParaRPr dirty="0"/>
+          </a:p>
+        </p:txBody>
+      </p:sp>
+      <p:sp>
+        <p:nvSpPr>
+          <p:cNvPr id="88" name="ggplot(mpg, aes(hwy, cty)) +…">
+            <a:extLst>
+              <a:ext uri="{FF2B5EF4-FFF2-40B4-BE49-F238E27FC236}">
+                <a16:creationId xmlns:a16="http://schemas.microsoft.com/office/drawing/2014/main" id="{65F643F3-1579-C846-8240-53690405C981}"/>
+              </a:ext>
+            </a:extLst>
+          </p:cNvPr>
+          <p:cNvSpPr txBox="1"/>
+          <p:nvPr/>
+        </p:nvSpPr>
+        <p:spPr>
+          <a:xfrm>
+            <a:off x="4367470" y="7630566"/>
+            <a:ext cx="2744980" cy="294872"/>
+          </a:xfrm>
+          <a:prstGeom prst="rect">
+            <a:avLst/>
+          </a:prstGeom>
+          <a:solidFill>
+            <a:srgbClr val="FFFFFF"/>
+          </a:solidFill>
+          <a:ln w="12700">
+            <a:solidFill>
+              <a:srgbClr val="A6AAA9"/>
+            </a:solidFill>
+            <a:miter lim="400000"/>
+          </a:ln>
+          <a:extLst>
+            <a:ext uri="{C572A759-6A51-4108-AA02-DFA0A04FC94B}">
+              <ma14:wrappingTextBoxFlag xmlns:ma14="http://schemas.microsoft.com/office/mac/drawingml/2011/main" xmlns:a14="http://schemas.microsoft.com/office/drawing/2010/main" xmlns:m="http://schemas.openxmlformats.org/officeDocument/2006/math" xmlns="" val="1"/>
+            </a:ext>
+          </a:extLst>
+        </p:spPr>
+        <p:txBody>
+          <a:bodyPr wrap="square" lIns="54570" tIns="54570" rIns="54570" bIns="54570" anchor="ctr">
+            <a:spAutoFit/>
+          </a:bodyPr>
+          <a:lstStyle/>
           <a:p>
             <a:pPr>
               <a:spcBef>
@@ -9479,78 +13436,809 @@
               </a:defRPr>
             </a:pPr>
             <a:r>
+              <a:rPr lang="fr-FR" dirty="0" err="1"/>
+              <a:t>updateTabItems</a:t>
+            </a:r>
+            <a:r>
               <a:rPr lang="fr-FR" dirty="0"/>
+              <a:t>(session, id)</a:t>
+            </a:r>
+            <a:endParaRPr dirty="0"/>
+          </a:p>
+        </p:txBody>
+      </p:sp>
+      <p:sp>
+        <p:nvSpPr>
+          <p:cNvPr id="89" name="ZoneTexte 88">
+            <a:extLst>
+              <a:ext uri="{FF2B5EF4-FFF2-40B4-BE49-F238E27FC236}">
+                <a16:creationId xmlns:a16="http://schemas.microsoft.com/office/drawing/2014/main" id="{10982FBD-6A40-454A-897C-2F9B37BCB072}"/>
+              </a:ext>
+            </a:extLst>
+          </p:cNvPr>
+          <p:cNvSpPr txBox="1"/>
+          <p:nvPr/>
+        </p:nvSpPr>
+        <p:spPr>
+          <a:xfrm>
+            <a:off x="4512623" y="7909644"/>
+            <a:ext cx="2744980" cy="689852"/>
+          </a:xfrm>
+          <a:prstGeom prst="rect">
+            <a:avLst/>
+          </a:prstGeom>
+          <a:noFill/>
+          <a:ln w="12700" cap="flat">
+            <a:noFill/>
+            <a:miter lim="400000"/>
+          </a:ln>
+          <a:effectLst/>
+          <a:sp3d/>
+        </p:spPr>
+        <p:style>
+          <a:lnRef idx="0">
+            <a:scrgbClr r="0" g="0" b="0"/>
+          </a:lnRef>
+          <a:fillRef idx="0">
+            <a:scrgbClr r="0" g="0" b="0"/>
+          </a:fillRef>
+          <a:effectRef idx="0">
+            <a:scrgbClr r="0" g="0" b="0"/>
+          </a:effectRef>
+          <a:fontRef idx="none"/>
+        </p:style>
+        <p:txBody>
+          <a:bodyPr rot="0" spcFirstLastPara="1" vertOverflow="overflow" horzOverflow="overflow" vert="horz" wrap="square" lIns="54570" tIns="54570" rIns="54570" bIns="54570" numCol="1" spcCol="38100" rtlCol="0" anchor="ctr">
+            <a:spAutoFit/>
+          </a:bodyPr>
+          <a:lstStyle/>
+          <a:p>
+            <a:pPr marL="0" marR="0" indent="0" algn="l" defTabSz="584200" rtl="0" fontAlgn="auto" latinLnBrk="0" hangingPunct="0">
+              <a:lnSpc>
+                <a:spcPct val="100000"/>
+              </a:lnSpc>
+              <a:spcBef>
+                <a:spcPts val="200"/>
+              </a:spcBef>
+              <a:spcAft>
+                <a:spcPts val="0"/>
+              </a:spcAft>
+              <a:buClrTx/>
+              <a:buSzTx/>
+              <a:buFontTx/>
+              <a:buNone/>
+              <a:tabLst/>
+            </a:pPr>
+            <a:r>
+              <a:rPr kumimoji="0" lang="fr-FR" sz="1200" b="1" i="0" u="none" strike="noStrike" cap="none" spc="0" normalizeH="0" baseline="0" dirty="0" err="1">
+                <a:ln>
+                  <a:noFill/>
+                </a:ln>
+                <a:solidFill>
+                  <a:srgbClr val="4C4C4C"/>
+                </a:solidFill>
+                <a:effectLst/>
+                <a:uFillTx/>
+                <a:latin typeface="Source Sans Pro"/>
+                <a:ea typeface="Source Sans Pro"/>
+                <a:cs typeface="Source Sans Pro"/>
+                <a:sym typeface="Source Sans Pro"/>
+              </a:rPr>
+              <a:t>Useful</a:t>
+            </a:r>
+            <a:r>
+              <a:rPr kumimoji="0" lang="fr-FR" sz="1200" b="1" i="0" u="none" strike="noStrike" cap="none" spc="0" normalizeH="0" baseline="0" dirty="0">
+                <a:ln>
+                  <a:noFill/>
+                </a:ln>
+                <a:solidFill>
+                  <a:srgbClr val="4C4C4C"/>
+                </a:solidFill>
+                <a:effectLst/>
+                <a:uFillTx/>
+                <a:latin typeface="Source Sans Pro"/>
+                <a:ea typeface="Source Sans Pro"/>
+                <a:cs typeface="Source Sans Pro"/>
+                <a:sym typeface="Source Sans Pro"/>
+              </a:rPr>
+              <a:t> to update tab </a:t>
+            </a:r>
+            <a:r>
+              <a:rPr kumimoji="0" lang="fr-FR" sz="1200" b="1" i="0" u="none" strike="noStrike" cap="none" spc="0" normalizeH="0" baseline="0" dirty="0" err="1">
+                <a:ln>
+                  <a:noFill/>
+                </a:ln>
+                <a:solidFill>
+                  <a:srgbClr val="4C4C4C"/>
+                </a:solidFill>
+                <a:effectLst/>
+                <a:uFillTx/>
+                <a:latin typeface="Source Sans Pro"/>
+                <a:ea typeface="Source Sans Pro"/>
+                <a:cs typeface="Source Sans Pro"/>
+                <a:sym typeface="Source Sans Pro"/>
+              </a:rPr>
+              <a:t>related</a:t>
+            </a:r>
+            <a:r>
+              <a:rPr kumimoji="0" lang="fr-FR" sz="1200" b="1" i="0" u="none" strike="noStrike" cap="none" spc="0" normalizeH="0" baseline="0" dirty="0">
+                <a:ln>
+                  <a:noFill/>
+                </a:ln>
+                <a:solidFill>
+                  <a:srgbClr val="4C4C4C"/>
+                </a:solidFill>
+                <a:effectLst/>
+                <a:uFillTx/>
+                <a:latin typeface="Source Sans Pro"/>
+                <a:ea typeface="Source Sans Pro"/>
+                <a:cs typeface="Source Sans Pro"/>
+                <a:sym typeface="Source Sans Pro"/>
+              </a:rPr>
+              <a:t> </a:t>
+            </a:r>
+            <a:r>
+              <a:rPr kumimoji="0" lang="fr-FR" sz="1200" b="1" i="0" u="none" strike="noStrike" cap="none" spc="0" normalizeH="0" baseline="0" dirty="0" err="1">
+                <a:ln>
+                  <a:noFill/>
+                </a:ln>
+                <a:solidFill>
+                  <a:srgbClr val="4C4C4C"/>
+                </a:solidFill>
+                <a:effectLst/>
+                <a:uFillTx/>
+                <a:latin typeface="Source Sans Pro"/>
+                <a:ea typeface="Source Sans Pro"/>
+                <a:cs typeface="Source Sans Pro"/>
+                <a:sym typeface="Source Sans Pro"/>
+              </a:rPr>
+              <a:t>elements</a:t>
+            </a:r>
+            <a:r>
+              <a:rPr kumimoji="0" lang="fr-FR" sz="1200" b="1" i="0" u="none" strike="noStrike" cap="none" spc="0" normalizeH="0" baseline="0" dirty="0">
+                <a:ln>
+                  <a:noFill/>
+                </a:ln>
+                <a:solidFill>
+                  <a:srgbClr val="4C4C4C"/>
+                </a:solidFill>
+                <a:effectLst/>
+                <a:uFillTx/>
+                <a:latin typeface="Source Sans Pro"/>
+                <a:ea typeface="Source Sans Pro"/>
+                <a:cs typeface="Source Sans Pro"/>
+                <a:sym typeface="Source Sans Pro"/>
+              </a:rPr>
+              <a:t>. Id corresponds to the </a:t>
+            </a:r>
+            <a:r>
+              <a:rPr kumimoji="0" lang="fr-FR" sz="1200" b="1" i="0" u="none" strike="noStrike" cap="none" spc="0" normalizeH="0" baseline="0" dirty="0" err="1">
+                <a:ln>
+                  <a:noFill/>
+                </a:ln>
+                <a:solidFill>
+                  <a:srgbClr val="4C4C4C"/>
+                </a:solidFill>
+                <a:effectLst/>
+                <a:uFillTx/>
+                <a:latin typeface="Source Sans Pro"/>
+                <a:ea typeface="Source Sans Pro"/>
+                <a:cs typeface="Source Sans Pro"/>
+                <a:sym typeface="Source Sans Pro"/>
+              </a:rPr>
+              <a:t>element</a:t>
+            </a:r>
+            <a:r>
+              <a:rPr kumimoji="0" lang="fr-FR" sz="1200" b="1" i="0" u="none" strike="noStrike" cap="none" spc="0" normalizeH="0" baseline="0" dirty="0">
+                <a:ln>
+                  <a:noFill/>
+                </a:ln>
+                <a:solidFill>
+                  <a:srgbClr val="4C4C4C"/>
+                </a:solidFill>
+                <a:effectLst/>
+                <a:uFillTx/>
+                <a:latin typeface="Source Sans Pro"/>
+                <a:ea typeface="Source Sans Pro"/>
+                <a:cs typeface="Source Sans Pro"/>
+                <a:sym typeface="Source Sans Pro"/>
+              </a:rPr>
+              <a:t> to update. </a:t>
+            </a:r>
+          </a:p>
+        </p:txBody>
+      </p:sp>
+      <p:sp>
+        <p:nvSpPr>
+          <p:cNvPr id="90" name="ZoneTexte 89">
+            <a:extLst>
+              <a:ext uri="{FF2B5EF4-FFF2-40B4-BE49-F238E27FC236}">
+                <a16:creationId xmlns:a16="http://schemas.microsoft.com/office/drawing/2014/main" id="{697A229A-6F23-0E4E-BA84-1ABF3C90E04A}"/>
+              </a:ext>
+            </a:extLst>
+          </p:cNvPr>
+          <p:cNvSpPr txBox="1"/>
+          <p:nvPr/>
+        </p:nvSpPr>
+        <p:spPr>
+          <a:xfrm>
+            <a:off x="4512622" y="8675103"/>
+            <a:ext cx="3923895" cy="689852"/>
+          </a:xfrm>
+          <a:prstGeom prst="rect">
+            <a:avLst/>
+          </a:prstGeom>
+          <a:noFill/>
+          <a:ln w="12700" cap="flat">
+            <a:noFill/>
+            <a:miter lim="400000"/>
+          </a:ln>
+          <a:effectLst/>
+          <a:sp3d/>
+        </p:spPr>
+        <p:style>
+          <a:lnRef idx="0">
+            <a:scrgbClr r="0" g="0" b="0"/>
+          </a:lnRef>
+          <a:fillRef idx="0">
+            <a:scrgbClr r="0" g="0" b="0"/>
+          </a:fillRef>
+          <a:effectRef idx="0">
+            <a:scrgbClr r="0" g="0" b="0"/>
+          </a:effectRef>
+          <a:fontRef idx="none"/>
+        </p:style>
+        <p:txBody>
+          <a:bodyPr rot="0" spcFirstLastPara="1" vertOverflow="overflow" horzOverflow="overflow" vert="horz" wrap="square" lIns="54570" tIns="54570" rIns="54570" bIns="54570" numCol="1" spcCol="38100" rtlCol="0" anchor="ctr">
+            <a:spAutoFit/>
+          </a:bodyPr>
+          <a:lstStyle/>
+          <a:p>
+            <a:pPr marL="0" marR="0" indent="0" algn="l" defTabSz="584200" rtl="0" fontAlgn="auto" latinLnBrk="0" hangingPunct="0">
+              <a:lnSpc>
+                <a:spcPct val="100000"/>
+              </a:lnSpc>
+              <a:spcBef>
+                <a:spcPts val="200"/>
+              </a:spcBef>
+              <a:spcAft>
+                <a:spcPts val="0"/>
+              </a:spcAft>
+              <a:buClrTx/>
+              <a:buSzTx/>
+              <a:buFontTx/>
+              <a:buNone/>
+              <a:tabLst/>
+            </a:pPr>
+            <a:r>
+              <a:rPr kumimoji="0" lang="fr-FR" sz="1200" b="1" i="0" u="none" strike="noStrike" cap="none" spc="0" normalizeH="0" baseline="0" dirty="0">
+                <a:ln>
+                  <a:noFill/>
+                </a:ln>
+                <a:solidFill>
+                  <a:srgbClr val="4C4C4C"/>
+                </a:solidFill>
+                <a:effectLst/>
+                <a:uFillTx/>
+                <a:latin typeface="Source Sans Pro"/>
+                <a:ea typeface="Source Sans Pro"/>
+                <a:cs typeface="Source Sans Pro"/>
+                <a:sym typeface="Source Sans Pro"/>
+              </a:rPr>
+              <a:t>This </a:t>
+            </a:r>
+            <a:r>
+              <a:rPr kumimoji="0" lang="fr-FR" sz="1200" b="1" i="0" u="none" strike="noStrike" cap="none" spc="0" normalizeH="0" baseline="0" dirty="0" err="1">
+                <a:ln>
+                  <a:noFill/>
+                </a:ln>
+                <a:solidFill>
+                  <a:srgbClr val="4C4C4C"/>
+                </a:solidFill>
+                <a:effectLst/>
+                <a:uFillTx/>
+                <a:latin typeface="Source Sans Pro"/>
+                <a:ea typeface="Source Sans Pro"/>
+                <a:cs typeface="Source Sans Pro"/>
+                <a:sym typeface="Source Sans Pro"/>
+              </a:rPr>
+              <a:t>function</a:t>
+            </a:r>
+            <a:r>
+              <a:rPr kumimoji="0" lang="fr-FR" sz="1200" b="1" i="0" u="none" strike="noStrike" cap="none" spc="0" normalizeH="0" baseline="0" dirty="0">
+                <a:ln>
+                  <a:noFill/>
+                </a:ln>
+                <a:solidFill>
+                  <a:srgbClr val="4C4C4C"/>
+                </a:solidFill>
+                <a:effectLst/>
+                <a:uFillTx/>
+                <a:latin typeface="Source Sans Pro"/>
+                <a:ea typeface="Source Sans Pro"/>
+                <a:cs typeface="Source Sans Pro"/>
+                <a:sym typeface="Source Sans Pro"/>
+              </a:rPr>
+              <a:t> </a:t>
+            </a:r>
+            <a:r>
+              <a:rPr kumimoji="0" lang="fr-FR" sz="1200" b="1" i="0" u="none" strike="noStrike" cap="none" spc="0" normalizeH="0" baseline="0" dirty="0" err="1">
+                <a:ln>
+                  <a:noFill/>
+                </a:ln>
+                <a:solidFill>
+                  <a:srgbClr val="4C4C4C"/>
+                </a:solidFill>
+                <a:effectLst/>
+                <a:uFillTx/>
+                <a:latin typeface="Source Sans Pro"/>
+                <a:ea typeface="Source Sans Pro"/>
+                <a:cs typeface="Source Sans Pro"/>
+                <a:sym typeface="Source Sans Pro"/>
+              </a:rPr>
+              <a:t>can</a:t>
+            </a:r>
+            <a:r>
+              <a:rPr kumimoji="0" lang="fr-FR" sz="1200" b="1" i="0" u="none" strike="noStrike" cap="none" spc="0" normalizeH="0" baseline="0" dirty="0">
+                <a:ln>
+                  <a:noFill/>
+                </a:ln>
+                <a:solidFill>
+                  <a:srgbClr val="4C4C4C"/>
+                </a:solidFill>
+                <a:effectLst/>
+                <a:uFillTx/>
+                <a:latin typeface="Source Sans Pro"/>
+                <a:ea typeface="Source Sans Pro"/>
+                <a:cs typeface="Source Sans Pro"/>
+                <a:sym typeface="Source Sans Pro"/>
+              </a:rPr>
+              <a:t> </a:t>
+            </a:r>
+            <a:r>
+              <a:rPr kumimoji="0" lang="fr-FR" sz="1200" b="1" i="0" u="none" strike="noStrike" cap="none" spc="0" normalizeH="0" baseline="0" dirty="0" err="1">
+                <a:ln>
+                  <a:noFill/>
+                </a:ln>
+                <a:solidFill>
+                  <a:srgbClr val="4C4C4C"/>
+                </a:solidFill>
+                <a:effectLst/>
+                <a:uFillTx/>
+                <a:latin typeface="Source Sans Pro"/>
+                <a:ea typeface="Source Sans Pro"/>
+                <a:cs typeface="Source Sans Pro"/>
+                <a:sym typeface="Source Sans Pro"/>
+              </a:rPr>
+              <a:t>be</a:t>
+            </a:r>
+            <a:r>
+              <a:rPr kumimoji="0" lang="fr-FR" sz="1200" b="1" i="0" u="none" strike="noStrike" cap="none" spc="0" normalizeH="0" baseline="0" dirty="0">
+                <a:ln>
+                  <a:noFill/>
+                </a:ln>
+                <a:solidFill>
+                  <a:srgbClr val="4C4C4C"/>
+                </a:solidFill>
+                <a:effectLst/>
+                <a:uFillTx/>
+                <a:latin typeface="Source Sans Pro"/>
+                <a:ea typeface="Source Sans Pro"/>
+                <a:cs typeface="Source Sans Pro"/>
+                <a:sym typeface="Source Sans Pro"/>
+              </a:rPr>
+              <a:t> </a:t>
+            </a:r>
+            <a:r>
+              <a:rPr kumimoji="0" lang="fr-FR" sz="1200" b="1" i="0" u="none" strike="noStrike" cap="none" spc="0" normalizeH="0" baseline="0" dirty="0" err="1">
+                <a:ln>
+                  <a:noFill/>
+                </a:ln>
+                <a:solidFill>
+                  <a:srgbClr val="4C4C4C"/>
+                </a:solidFill>
+                <a:effectLst/>
+                <a:uFillTx/>
+                <a:latin typeface="Source Sans Pro"/>
+                <a:ea typeface="Source Sans Pro"/>
+                <a:cs typeface="Source Sans Pro"/>
+                <a:sym typeface="Source Sans Pro"/>
+              </a:rPr>
+              <a:t>applied</a:t>
+            </a:r>
+            <a:r>
+              <a:rPr kumimoji="0" lang="fr-FR" sz="1200" b="1" i="0" u="none" strike="noStrike" cap="none" spc="0" normalizeH="0" baseline="0" dirty="0">
+                <a:ln>
+                  <a:noFill/>
+                </a:ln>
+                <a:solidFill>
+                  <a:srgbClr val="4C4C4C"/>
+                </a:solidFill>
+                <a:effectLst/>
+                <a:uFillTx/>
+                <a:latin typeface="Source Sans Pro"/>
+                <a:ea typeface="Source Sans Pro"/>
+                <a:cs typeface="Source Sans Pro"/>
+                <a:sym typeface="Source Sans Pro"/>
+              </a:rPr>
+              <a:t> to all </a:t>
+            </a:r>
+            <a:r>
+              <a:rPr kumimoji="0" lang="fr-FR" sz="1200" b="1" i="0" u="none" strike="noStrike" cap="none" spc="0" normalizeH="0" baseline="0" dirty="0" err="1">
+                <a:ln>
+                  <a:noFill/>
+                </a:ln>
+                <a:solidFill>
+                  <a:srgbClr val="4C4C4C"/>
+                </a:solidFill>
+                <a:effectLst/>
+                <a:uFillTx/>
+                <a:latin typeface="Source Sans Pro"/>
+                <a:ea typeface="Source Sans Pro"/>
+                <a:cs typeface="Source Sans Pro"/>
+                <a:sym typeface="Source Sans Pro"/>
+              </a:rPr>
+              <a:t>shinydashboard</a:t>
+            </a:r>
+            <a:r>
+              <a:rPr kumimoji="0" lang="fr-FR" sz="1200" b="1" i="0" u="none" strike="noStrike" cap="none" spc="0" normalizeH="0" baseline="0" dirty="0">
+                <a:ln>
+                  <a:noFill/>
+                </a:ln>
+                <a:solidFill>
+                  <a:srgbClr val="4C4C4C"/>
+                </a:solidFill>
+                <a:effectLst/>
+                <a:uFillTx/>
+                <a:latin typeface="Source Sans Pro"/>
+                <a:ea typeface="Source Sans Pro"/>
+                <a:cs typeface="Source Sans Pro"/>
+                <a:sym typeface="Source Sans Pro"/>
+              </a:rPr>
+              <a:t> </a:t>
+            </a:r>
+            <a:r>
+              <a:rPr kumimoji="0" lang="fr-FR" sz="1200" b="1" i="0" u="none" strike="noStrike" cap="none" spc="0" normalizeH="0" baseline="0" dirty="0" err="1">
+                <a:ln>
+                  <a:noFill/>
+                </a:ln>
+                <a:solidFill>
+                  <a:srgbClr val="4C4C4C"/>
+                </a:solidFill>
+                <a:effectLst/>
+                <a:uFillTx/>
+                <a:latin typeface="Source Sans Pro"/>
+                <a:ea typeface="Source Sans Pro"/>
+                <a:cs typeface="Source Sans Pro"/>
+                <a:sym typeface="Source Sans Pro"/>
+              </a:rPr>
+              <a:t>elements</a:t>
+            </a:r>
+            <a:r>
+              <a:rPr kumimoji="0" lang="fr-FR" sz="1200" b="1" i="0" u="none" strike="noStrike" cap="none" spc="0" normalizeH="0" baseline="0" dirty="0">
+                <a:ln>
+                  <a:noFill/>
+                </a:ln>
+                <a:solidFill>
+                  <a:srgbClr val="4C4C4C"/>
+                </a:solidFill>
+                <a:effectLst/>
+                <a:uFillTx/>
+                <a:latin typeface="Source Sans Pro"/>
+                <a:ea typeface="Source Sans Pro"/>
+                <a:cs typeface="Source Sans Pro"/>
+                <a:sym typeface="Source Sans Pro"/>
+              </a:rPr>
+              <a:t> </a:t>
+            </a:r>
+            <a:r>
+              <a:rPr kumimoji="0" lang="fr-FR" sz="1200" b="1" i="0" u="none" strike="noStrike" cap="none" spc="0" normalizeH="0" baseline="0" dirty="0" err="1">
+                <a:ln>
+                  <a:noFill/>
+                </a:ln>
+                <a:solidFill>
+                  <a:srgbClr val="4C4C4C"/>
+                </a:solidFill>
+                <a:effectLst/>
+                <a:uFillTx/>
+                <a:latin typeface="Source Sans Pro"/>
+                <a:ea typeface="Source Sans Pro"/>
+                <a:cs typeface="Source Sans Pro"/>
+                <a:sym typeface="Source Sans Pro"/>
+              </a:rPr>
+              <a:t>having</a:t>
+            </a:r>
+            <a:r>
+              <a:rPr kumimoji="0" lang="fr-FR" sz="1200" b="1" i="0" u="none" strike="noStrike" cap="none" spc="0" normalizeH="0" baseline="0" dirty="0">
+                <a:ln>
+                  <a:noFill/>
+                </a:ln>
+                <a:solidFill>
+                  <a:srgbClr val="4C4C4C"/>
+                </a:solidFill>
+                <a:effectLst/>
+                <a:uFillTx/>
+                <a:latin typeface="Source Sans Pro"/>
+                <a:ea typeface="Source Sans Pro"/>
+                <a:cs typeface="Source Sans Pro"/>
+                <a:sym typeface="Source Sans Pro"/>
+              </a:rPr>
+              <a:t> an id argument </a:t>
+            </a:r>
+            <a:r>
+              <a:rPr kumimoji="0" lang="fr-FR" sz="1200" b="1" i="0" u="none" strike="noStrike" cap="none" spc="0" normalizeH="0" baseline="0" dirty="0" err="1">
+                <a:ln>
+                  <a:noFill/>
+                </a:ln>
+                <a:solidFill>
+                  <a:srgbClr val="4C4C4C"/>
+                </a:solidFill>
+                <a:effectLst/>
+                <a:uFillTx/>
+                <a:latin typeface="Source Sans Pro"/>
+                <a:ea typeface="Source Sans Pro"/>
+                <a:cs typeface="Source Sans Pro"/>
+                <a:sym typeface="Source Sans Pro"/>
+              </a:rPr>
+              <a:t>like</a:t>
+            </a:r>
+            <a:r>
+              <a:rPr kumimoji="0" lang="fr-FR" sz="1200" b="1" i="0" u="none" strike="noStrike" cap="none" spc="0" normalizeH="0" baseline="0" dirty="0">
+                <a:ln>
+                  <a:noFill/>
+                </a:ln>
+                <a:solidFill>
+                  <a:srgbClr val="4C4C4C"/>
+                </a:solidFill>
+                <a:effectLst/>
+                <a:uFillTx/>
+                <a:latin typeface="Source Sans Pro"/>
+                <a:ea typeface="Source Sans Pro"/>
+                <a:cs typeface="Source Sans Pro"/>
+                <a:sym typeface="Source Sans Pro"/>
+              </a:rPr>
               <a:t>  </a:t>
             </a:r>
             <a:r>
+              <a:rPr kumimoji="0" lang="fr-FR" sz="1200" b="1" i="0" u="none" strike="noStrike" cap="none" spc="0" normalizeH="0" baseline="0" dirty="0" err="1">
+                <a:ln>
+                  <a:noFill/>
+                </a:ln>
+                <a:solidFill>
+                  <a:srgbClr val="4C4C4C"/>
+                </a:solidFill>
+                <a:effectLst/>
+                <a:uFillTx/>
+                <a:latin typeface="Source Sans Pro"/>
+                <a:ea typeface="Source Sans Pro"/>
+                <a:cs typeface="Source Sans Pro"/>
+                <a:sym typeface="Source Sans Pro"/>
+              </a:rPr>
+              <a:t>sidebarMenu</a:t>
+            </a:r>
+            <a:r>
+              <a:rPr kumimoji="0" lang="fr-FR" sz="1200" b="1" i="0" u="none" strike="noStrike" cap="none" spc="0" normalizeH="0" baseline="0" dirty="0">
+                <a:ln>
+                  <a:noFill/>
+                </a:ln>
+                <a:solidFill>
+                  <a:srgbClr val="4C4C4C"/>
+                </a:solidFill>
+                <a:effectLst/>
+                <a:uFillTx/>
+                <a:latin typeface="Source Sans Pro"/>
+                <a:ea typeface="Source Sans Pro"/>
+                <a:cs typeface="Source Sans Pro"/>
+                <a:sym typeface="Source Sans Pro"/>
+              </a:rPr>
+              <a:t>() and  </a:t>
+            </a:r>
+            <a:r>
+              <a:rPr kumimoji="0" lang="fr-FR" sz="1200" b="1" i="0" u="none" strike="noStrike" cap="none" spc="0" normalizeH="0" baseline="0" dirty="0" err="1">
+                <a:ln>
+                  <a:noFill/>
+                </a:ln>
+                <a:solidFill>
+                  <a:srgbClr val="4C4C4C"/>
+                </a:solidFill>
+                <a:effectLst/>
+                <a:uFillTx/>
+                <a:latin typeface="Source Sans Pro"/>
+                <a:ea typeface="Source Sans Pro"/>
+                <a:cs typeface="Source Sans Pro"/>
+                <a:sym typeface="Source Sans Pro"/>
+              </a:rPr>
+              <a:t>tabBox</a:t>
+            </a:r>
+            <a:r>
+              <a:rPr kumimoji="0" lang="fr-FR" sz="1200" b="1" i="0" u="none" strike="noStrike" cap="none" spc="0" normalizeH="0" baseline="0" dirty="0">
+                <a:ln>
+                  <a:noFill/>
+                </a:ln>
+                <a:solidFill>
+                  <a:srgbClr val="4C4C4C"/>
+                </a:solidFill>
+                <a:effectLst/>
+                <a:uFillTx/>
+                <a:latin typeface="Source Sans Pro"/>
+                <a:ea typeface="Source Sans Pro"/>
+                <a:cs typeface="Source Sans Pro"/>
+                <a:sym typeface="Source Sans Pro"/>
+              </a:rPr>
+              <a:t>()</a:t>
+            </a:r>
+          </a:p>
+        </p:txBody>
+      </p:sp>
+      <p:sp>
+        <p:nvSpPr>
+          <p:cNvPr id="91" name="ZoneTexte 90">
+            <a:extLst>
+              <a:ext uri="{FF2B5EF4-FFF2-40B4-BE49-F238E27FC236}">
+                <a16:creationId xmlns:a16="http://schemas.microsoft.com/office/drawing/2014/main" id="{E7F9F04E-DC62-F44A-B7EB-445E83BA8665}"/>
+              </a:ext>
+            </a:extLst>
+          </p:cNvPr>
+          <p:cNvSpPr txBox="1"/>
+          <p:nvPr/>
+        </p:nvSpPr>
+        <p:spPr>
+          <a:xfrm>
+            <a:off x="7887989" y="1812620"/>
+            <a:ext cx="2056874" cy="689852"/>
+          </a:xfrm>
+          <a:prstGeom prst="rect">
+            <a:avLst/>
+          </a:prstGeom>
+          <a:noFill/>
+          <a:ln w="12700" cap="flat">
+            <a:noFill/>
+            <a:miter lim="400000"/>
+          </a:ln>
+          <a:effectLst/>
+          <a:sp3d/>
+        </p:spPr>
+        <p:style>
+          <a:lnRef idx="0">
+            <a:scrgbClr r="0" g="0" b="0"/>
+          </a:lnRef>
+          <a:fillRef idx="0">
+            <a:scrgbClr r="0" g="0" b="0"/>
+          </a:fillRef>
+          <a:effectRef idx="0">
+            <a:scrgbClr r="0" g="0" b="0"/>
+          </a:effectRef>
+          <a:fontRef idx="none"/>
+        </p:style>
+        <p:txBody>
+          <a:bodyPr rot="0" spcFirstLastPara="1" vertOverflow="overflow" horzOverflow="overflow" vert="horz" wrap="square" lIns="54570" tIns="54570" rIns="54570" bIns="54570" numCol="1" spcCol="38100" rtlCol="0" anchor="ctr">
+            <a:spAutoFit/>
+          </a:bodyPr>
+          <a:lstStyle/>
+          <a:p>
+            <a:pPr marL="0" marR="0" indent="0" algn="l" defTabSz="584200" rtl="0" fontAlgn="auto" latinLnBrk="0" hangingPunct="0">
+              <a:lnSpc>
+                <a:spcPct val="100000"/>
+              </a:lnSpc>
+              <a:spcBef>
+                <a:spcPts val="200"/>
+              </a:spcBef>
+              <a:spcAft>
+                <a:spcPts val="0"/>
+              </a:spcAft>
+              <a:buClrTx/>
+              <a:buSzTx/>
+              <a:buFontTx/>
+              <a:buNone/>
+              <a:tabLst/>
+            </a:pPr>
+            <a:r>
+              <a:rPr kumimoji="0" lang="fr-FR" sz="1200" b="1" i="0" u="none" strike="noStrike" cap="none" spc="0" normalizeH="0" baseline="0" dirty="0" err="1">
+                <a:ln>
+                  <a:noFill/>
+                </a:ln>
+                <a:solidFill>
+                  <a:srgbClr val="4C4C4C"/>
+                </a:solidFill>
+                <a:effectLst/>
+                <a:uFillTx/>
+                <a:latin typeface="Source Sans Pro"/>
+                <a:ea typeface="Source Sans Pro"/>
+                <a:cs typeface="Source Sans Pro"/>
+                <a:sym typeface="Source Sans Pro"/>
+              </a:rPr>
+              <a:t>Alternatively</a:t>
+            </a:r>
+            <a:r>
+              <a:rPr lang="fr-FR" dirty="0"/>
+              <a:t>, </a:t>
+            </a:r>
+            <a:r>
               <a:rPr lang="fr-FR" dirty="0" err="1"/>
-              <a:t>useShinydashboard</a:t>
+              <a:t>you</a:t>
             </a:r>
             <a:r>
               <a:rPr lang="fr-FR" dirty="0"/>
-              <a:t>(),</a:t>
-            </a:r>
-          </a:p>
-          <a:p>
-            <a:pPr>
-              <a:spcBef>
-                <a:spcPts val="0"/>
-              </a:spcBef>
-              <a:defRPr b="0">
-                <a:solidFill>
-                  <a:srgbClr val="000000"/>
-                </a:solidFill>
-                <a:latin typeface="Menlo"/>
-                <a:ea typeface="Menlo"/>
-                <a:cs typeface="Menlo"/>
-                <a:sym typeface="Menlo"/>
-              </a:defRPr>
-            </a:pPr>
+              <a:t> </a:t>
+            </a:r>
+            <a:r>
+              <a:rPr lang="fr-FR" dirty="0" err="1"/>
+              <a:t>can</a:t>
+            </a:r>
             <a:r>
               <a:rPr lang="fr-FR" dirty="0"/>
-              <a:t>  …</a:t>
-            </a:r>
-          </a:p>
-          <a:p>
-            <a:pPr>
-              <a:spcBef>
-                <a:spcPts val="0"/>
-              </a:spcBef>
-              <a:defRPr b="0">
-                <a:solidFill>
-                  <a:srgbClr val="000000"/>
-                </a:solidFill>
-                <a:latin typeface="Menlo"/>
-                <a:ea typeface="Menlo"/>
-                <a:cs typeface="Menlo"/>
-                <a:sym typeface="Menlo"/>
-              </a:defRPr>
-            </a:pPr>
+              <a:t> </a:t>
+            </a:r>
+            <a:r>
+              <a:rPr lang="fr-FR" dirty="0" err="1"/>
+              <a:t>still</a:t>
+            </a:r>
             <a:r>
               <a:rPr lang="fr-FR" dirty="0"/>
-              <a:t> )</a:t>
-            </a:r>
-          </a:p>
-          <a:p>
-            <a:pPr>
-              <a:spcBef>
-                <a:spcPts val="0"/>
-              </a:spcBef>
-              <a:defRPr b="0">
-                <a:solidFill>
-                  <a:srgbClr val="000000"/>
-                </a:solidFill>
-                <a:latin typeface="Menlo"/>
-                <a:ea typeface="Menlo"/>
-                <a:cs typeface="Menlo"/>
-                <a:sym typeface="Menlo"/>
-              </a:defRPr>
-            </a:pPr>
+              <a:t> use </a:t>
+            </a:r>
+            <a:r>
+              <a:rPr lang="fr-FR" dirty="0" err="1"/>
+              <a:t>renderUI</a:t>
+            </a:r>
             <a:r>
               <a:rPr lang="fr-FR" dirty="0"/>
-              <a:t>)</a:t>
-            </a:r>
-            <a:endParaRPr dirty="0"/>
+              <a:t> , </a:t>
+            </a:r>
+            <a:r>
+              <a:rPr lang="fr-FR" dirty="0" err="1"/>
+              <a:t>even</a:t>
+            </a:r>
+            <a:r>
+              <a:rPr lang="fr-FR" dirty="0"/>
+              <a:t> </a:t>
+            </a:r>
+            <a:r>
+              <a:rPr lang="fr-FR" dirty="0" err="1"/>
+              <a:t>though</a:t>
+            </a:r>
+            <a:r>
+              <a:rPr lang="fr-FR" dirty="0"/>
+              <a:t> the </a:t>
+            </a:r>
+            <a:r>
+              <a:rPr lang="fr-FR" dirty="0" err="1"/>
+              <a:t>name</a:t>
+            </a:r>
+            <a:r>
+              <a:rPr lang="fr-FR" dirty="0"/>
+              <a:t> </a:t>
+            </a:r>
+            <a:r>
+              <a:rPr lang="fr-FR" dirty="0" err="1"/>
+              <a:t>is</a:t>
+            </a:r>
+            <a:r>
+              <a:rPr lang="fr-FR" dirty="0"/>
+              <a:t> </a:t>
+            </a:r>
+            <a:r>
+              <a:rPr lang="fr-FR" dirty="0" err="1"/>
+              <a:t>less</a:t>
+            </a:r>
+            <a:r>
+              <a:rPr lang="fr-FR" dirty="0"/>
+              <a:t> explicit</a:t>
+            </a:r>
+            <a:endParaRPr kumimoji="0" lang="fr-FR" sz="1200" b="1" i="0" u="none" strike="noStrike" cap="none" spc="0" normalizeH="0" baseline="0" dirty="0">
+              <a:ln>
+                <a:noFill/>
+              </a:ln>
+              <a:solidFill>
+                <a:srgbClr val="4C4C4C"/>
+              </a:solidFill>
+              <a:effectLst/>
+              <a:uFillTx/>
+              <a:latin typeface="Source Sans Pro"/>
+              <a:ea typeface="Source Sans Pro"/>
+              <a:cs typeface="Source Sans Pro"/>
+              <a:sym typeface="Source Sans Pro"/>
+            </a:endParaRPr>
           </a:p>
         </p:txBody>
       </p:sp>
